--- a/docs/articles/assets/graphics/demo_rvg.pptx
+++ b/docs/articles/assets/graphics/demo_rvg.pptx
@@ -291,7 +291,7 @@
           <a:p>
             <a:fld id="{E6744CE3-0875-4B69-89C0-6F72D8139561}" type="datetimeFigureOut">
               <a:rPr lang="en-GB" smtClean="0"/>
-              <a:t>10/04/17</a:t>
+              <a:t>26/05/17</a:t>
             </a:fld>
             <a:endParaRPr lang="en-GB"/>
           </a:p>
@@ -343,356 +343,6 @@
     <p:extLst>
       <p:ext uri="{BB962C8B-B14F-4D97-AF65-F5344CB8AC3E}">
         <p14:creationId xmlns:p14="http://schemas.microsoft.com/office/powerpoint/2010/main" val="4214881138"/>
-      </p:ext>
-    </p:extLst>
-  </p:cSld>
-  <p:clrMapOvr>
-    <a:masterClrMapping/>
-  </p:clrMapOvr>
-</p:sldLayout>
-</file>
-
-<file path=ppt/slideLayouts/slideLayout10.xml><?xml version="1.0" encoding="utf-8"?>
-<p:sldLayout xmlns:a="http://schemas.openxmlformats.org/drawingml/2006/main" xmlns:r="http://schemas.openxmlformats.org/officeDocument/2006/relationships" xmlns:p="http://schemas.openxmlformats.org/presentationml/2006/main" type="vertTx" preserve="1">
-  <p:cSld name="Title and Vertical Text">
-    <p:spTree>
-      <p:nvGrpSpPr>
-        <p:cNvPr id="1" name=""/>
-        <p:cNvGrpSpPr/>
-        <p:nvPr/>
-      </p:nvGrpSpPr>
-      <p:grpSpPr>
-        <a:xfrm>
-          <a:off x="0" y="0"/>
-          <a:ext cx="0" cy="0"/>
-          <a:chOff x="0" y="0"/>
-          <a:chExt cx="0" cy="0"/>
-        </a:xfrm>
-      </p:grpSpPr>
-      <p:sp>
-        <p:nvSpPr>
-          <p:cNvPr id="2" name="Title 1"/>
-          <p:cNvSpPr>
-            <a:spLocks noGrp="1"/>
-          </p:cNvSpPr>
-          <p:nvPr>
-            <p:ph type="title"/>
-          </p:nvPr>
-        </p:nvSpPr>
-        <p:spPr/>
-        <p:txBody>
-          <a:bodyPr/>
-          <a:lstStyle/>
-          <a:p>
-            <a:r>
-              <a:rPr lang="en-US" smtClean="0"/>
-              <a:t>Click to edit Master title style</a:t>
-            </a:r>
-            <a:endParaRPr lang="en-GB"/>
-          </a:p>
-        </p:txBody>
-      </p:sp>
-      <p:sp>
-        <p:nvSpPr>
-          <p:cNvPr id="3" name="Vertical Text Placeholder 2"/>
-          <p:cNvSpPr>
-            <a:spLocks noGrp="1"/>
-          </p:cNvSpPr>
-          <p:nvPr>
-            <p:ph type="body" orient="vert" idx="1"/>
-          </p:nvPr>
-        </p:nvSpPr>
-        <p:spPr/>
-        <p:txBody>
-          <a:bodyPr vert="eaVert"/>
-          <a:lstStyle/>
-          <a:p>
-            <a:pPr lvl="0"/>
-            <a:r>
-              <a:rPr lang="en-US" smtClean="0"/>
-              <a:t>Click to edit Master text styles</a:t>
-            </a:r>
-          </a:p>
-          <a:p>
-            <a:pPr lvl="1"/>
-            <a:r>
-              <a:rPr lang="en-US" smtClean="0"/>
-              <a:t>Second level</a:t>
-            </a:r>
-          </a:p>
-          <a:p>
-            <a:pPr lvl="2"/>
-            <a:r>
-              <a:rPr lang="en-US" smtClean="0"/>
-              <a:t>Third level</a:t>
-            </a:r>
-          </a:p>
-          <a:p>
-            <a:pPr lvl="3"/>
-            <a:r>
-              <a:rPr lang="en-US" smtClean="0"/>
-              <a:t>Fourth level</a:t>
-            </a:r>
-          </a:p>
-          <a:p>
-            <a:pPr lvl="4"/>
-            <a:r>
-              <a:rPr lang="en-US" smtClean="0"/>
-              <a:t>Fifth level</a:t>
-            </a:r>
-            <a:endParaRPr lang="en-GB"/>
-          </a:p>
-        </p:txBody>
-      </p:sp>
-      <p:sp>
-        <p:nvSpPr>
-          <p:cNvPr id="4" name="Date Placeholder 3"/>
-          <p:cNvSpPr>
-            <a:spLocks noGrp="1"/>
-          </p:cNvSpPr>
-          <p:nvPr>
-            <p:ph type="dt" sz="half" idx="10"/>
-          </p:nvPr>
-        </p:nvSpPr>
-        <p:spPr/>
-        <p:txBody>
-          <a:bodyPr/>
-          <a:lstStyle/>
-          <a:p>
-            <a:fld id="{E6744CE3-0875-4B69-89C0-6F72D8139561}" type="datetimeFigureOut">
-              <a:rPr lang="en-GB" smtClean="0"/>
-              <a:t>10/04/17</a:t>
-            </a:fld>
-            <a:endParaRPr lang="en-GB"/>
-          </a:p>
-        </p:txBody>
-      </p:sp>
-      <p:sp>
-        <p:nvSpPr>
-          <p:cNvPr id="5" name="Footer Placeholder 4"/>
-          <p:cNvSpPr>
-            <a:spLocks noGrp="1"/>
-          </p:cNvSpPr>
-          <p:nvPr>
-            <p:ph type="ftr" sz="quarter" idx="11"/>
-          </p:nvPr>
-        </p:nvSpPr>
-        <p:spPr/>
-        <p:txBody>
-          <a:bodyPr/>
-          <a:lstStyle/>
-          <a:p>
-            <a:endParaRPr lang="en-GB"/>
-          </a:p>
-        </p:txBody>
-      </p:sp>
-      <p:sp>
-        <p:nvSpPr>
-          <p:cNvPr id="6" name="Slide Number Placeholder 5"/>
-          <p:cNvSpPr>
-            <a:spLocks noGrp="1"/>
-          </p:cNvSpPr>
-          <p:nvPr>
-            <p:ph type="sldNum" sz="quarter" idx="12"/>
-          </p:nvPr>
-        </p:nvSpPr>
-        <p:spPr/>
-        <p:txBody>
-          <a:bodyPr/>
-          <a:lstStyle/>
-          <a:p>
-            <a:fld id="{8DADB20D-508E-4C6D-A9E4-257D5607B0F6}" type="slidenum">
-              <a:rPr lang="en-GB" smtClean="0"/>
-              <a:t>‹#›</a:t>
-            </a:fld>
-            <a:endParaRPr lang="en-GB"/>
-          </a:p>
-        </p:txBody>
-      </p:sp>
-    </p:spTree>
-    <p:extLst>
-      <p:ext uri="{BB962C8B-B14F-4D97-AF65-F5344CB8AC3E}">
-        <p14:creationId xmlns:p14="http://schemas.microsoft.com/office/powerpoint/2010/main" val="3354597055"/>
-      </p:ext>
-    </p:extLst>
-  </p:cSld>
-  <p:clrMapOvr>
-    <a:masterClrMapping/>
-  </p:clrMapOvr>
-</p:sldLayout>
-</file>
-
-<file path=ppt/slideLayouts/slideLayout11.xml><?xml version="1.0" encoding="utf-8"?>
-<p:sldLayout xmlns:a="http://schemas.openxmlformats.org/drawingml/2006/main" xmlns:r="http://schemas.openxmlformats.org/officeDocument/2006/relationships" xmlns:p="http://schemas.openxmlformats.org/presentationml/2006/main" type="vertTitleAndTx" preserve="1">
-  <p:cSld name="Vertical Title and Text">
-    <p:spTree>
-      <p:nvGrpSpPr>
-        <p:cNvPr id="1" name=""/>
-        <p:cNvGrpSpPr/>
-        <p:nvPr/>
-      </p:nvGrpSpPr>
-      <p:grpSpPr>
-        <a:xfrm>
-          <a:off x="0" y="0"/>
-          <a:ext cx="0" cy="0"/>
-          <a:chOff x="0" y="0"/>
-          <a:chExt cx="0" cy="0"/>
-        </a:xfrm>
-      </p:grpSpPr>
-      <p:sp>
-        <p:nvSpPr>
-          <p:cNvPr id="2" name="Vertical Title 1"/>
-          <p:cNvSpPr>
-            <a:spLocks noGrp="1"/>
-          </p:cNvSpPr>
-          <p:nvPr>
-            <p:ph type="title" orient="vert"/>
-          </p:nvPr>
-        </p:nvSpPr>
-        <p:spPr>
-          <a:xfrm>
-            <a:off x="6629400" y="274638"/>
-            <a:ext cx="2057400" cy="5851525"/>
-          </a:xfrm>
-        </p:spPr>
-        <p:txBody>
-          <a:bodyPr vert="eaVert"/>
-          <a:lstStyle/>
-          <a:p>
-            <a:r>
-              <a:rPr lang="en-US" smtClean="0"/>
-              <a:t>Click to edit Master title style</a:t>
-            </a:r>
-            <a:endParaRPr lang="en-GB"/>
-          </a:p>
-        </p:txBody>
-      </p:sp>
-      <p:sp>
-        <p:nvSpPr>
-          <p:cNvPr id="3" name="Vertical Text Placeholder 2"/>
-          <p:cNvSpPr>
-            <a:spLocks noGrp="1"/>
-          </p:cNvSpPr>
-          <p:nvPr>
-            <p:ph type="body" orient="vert" idx="1"/>
-          </p:nvPr>
-        </p:nvSpPr>
-        <p:spPr>
-          <a:xfrm>
-            <a:off x="457200" y="274638"/>
-            <a:ext cx="6019800" cy="5851525"/>
-          </a:xfrm>
-        </p:spPr>
-        <p:txBody>
-          <a:bodyPr vert="eaVert"/>
-          <a:lstStyle/>
-          <a:p>
-            <a:pPr lvl="0"/>
-            <a:r>
-              <a:rPr lang="en-US" smtClean="0"/>
-              <a:t>Click to edit Master text styles</a:t>
-            </a:r>
-          </a:p>
-          <a:p>
-            <a:pPr lvl="1"/>
-            <a:r>
-              <a:rPr lang="en-US" smtClean="0"/>
-              <a:t>Second level</a:t>
-            </a:r>
-          </a:p>
-          <a:p>
-            <a:pPr lvl="2"/>
-            <a:r>
-              <a:rPr lang="en-US" smtClean="0"/>
-              <a:t>Third level</a:t>
-            </a:r>
-          </a:p>
-          <a:p>
-            <a:pPr lvl="3"/>
-            <a:r>
-              <a:rPr lang="en-US" smtClean="0"/>
-              <a:t>Fourth level</a:t>
-            </a:r>
-          </a:p>
-          <a:p>
-            <a:pPr lvl="4"/>
-            <a:r>
-              <a:rPr lang="en-US" smtClean="0"/>
-              <a:t>Fifth level</a:t>
-            </a:r>
-            <a:endParaRPr lang="en-GB"/>
-          </a:p>
-        </p:txBody>
-      </p:sp>
-      <p:sp>
-        <p:nvSpPr>
-          <p:cNvPr id="4" name="Date Placeholder 3"/>
-          <p:cNvSpPr>
-            <a:spLocks noGrp="1"/>
-          </p:cNvSpPr>
-          <p:nvPr>
-            <p:ph type="dt" sz="half" idx="10"/>
-          </p:nvPr>
-        </p:nvSpPr>
-        <p:spPr/>
-        <p:txBody>
-          <a:bodyPr/>
-          <a:lstStyle/>
-          <a:p>
-            <a:fld id="{E6744CE3-0875-4B69-89C0-6F72D8139561}" type="datetimeFigureOut">
-              <a:rPr lang="en-GB" smtClean="0"/>
-              <a:t>10/04/17</a:t>
-            </a:fld>
-            <a:endParaRPr lang="en-GB"/>
-          </a:p>
-        </p:txBody>
-      </p:sp>
-      <p:sp>
-        <p:nvSpPr>
-          <p:cNvPr id="5" name="Footer Placeholder 4"/>
-          <p:cNvSpPr>
-            <a:spLocks noGrp="1"/>
-          </p:cNvSpPr>
-          <p:nvPr>
-            <p:ph type="ftr" sz="quarter" idx="11"/>
-          </p:nvPr>
-        </p:nvSpPr>
-        <p:spPr/>
-        <p:txBody>
-          <a:bodyPr/>
-          <a:lstStyle/>
-          <a:p>
-            <a:endParaRPr lang="en-GB"/>
-          </a:p>
-        </p:txBody>
-      </p:sp>
-      <p:sp>
-        <p:nvSpPr>
-          <p:cNvPr id="6" name="Slide Number Placeholder 5"/>
-          <p:cNvSpPr>
-            <a:spLocks noGrp="1"/>
-          </p:cNvSpPr>
-          <p:nvPr>
-            <p:ph type="sldNum" sz="quarter" idx="12"/>
-          </p:nvPr>
-        </p:nvSpPr>
-        <p:spPr/>
-        <p:txBody>
-          <a:bodyPr/>
-          <a:lstStyle/>
-          <a:p>
-            <a:fld id="{8DADB20D-508E-4C6D-A9E4-257D5607B0F6}" type="slidenum">
-              <a:rPr lang="en-GB" smtClean="0"/>
-              <a:t>‹#›</a:t>
-            </a:fld>
-            <a:endParaRPr lang="en-GB"/>
-          </a:p>
-        </p:txBody>
-      </p:sp>
-    </p:spTree>
-    <p:extLst>
-      <p:ext uri="{BB962C8B-B14F-4D97-AF65-F5344CB8AC3E}">
-        <p14:creationId xmlns:p14="http://schemas.microsoft.com/office/powerpoint/2010/main" val="555553771"/>
       </p:ext>
     </p:extLst>
   </p:cSld>
@@ -811,7 +461,7 @@
           <a:p>
             <a:fld id="{E6744CE3-0875-4B69-89C0-6F72D8139561}" type="datetimeFigureOut">
               <a:rPr lang="en-GB" smtClean="0"/>
-              <a:t>10/04/17</a:t>
+              <a:t>26/05/17</a:t>
             </a:fld>
             <a:endParaRPr lang="en-GB"/>
           </a:p>
@@ -1057,7 +707,7 @@
           <a:p>
             <a:fld id="{E6744CE3-0875-4B69-89C0-6F72D8139561}" type="datetimeFigureOut">
               <a:rPr lang="en-GB" smtClean="0"/>
-              <a:t>10/04/17</a:t>
+              <a:t>26/05/17</a:t>
             </a:fld>
             <a:endParaRPr lang="en-GB"/>
           </a:p>
@@ -1345,7 +995,7 @@
           <a:p>
             <a:fld id="{E6744CE3-0875-4B69-89C0-6F72D8139561}" type="datetimeFigureOut">
               <a:rPr lang="en-GB" smtClean="0"/>
-              <a:t>10/04/17</a:t>
+              <a:t>26/05/17</a:t>
             </a:fld>
             <a:endParaRPr lang="en-GB"/>
           </a:p>
@@ -1767,7 +1417,7 @@
           <a:p>
             <a:fld id="{E6744CE3-0875-4B69-89C0-6F72D8139561}" type="datetimeFigureOut">
               <a:rPr lang="en-GB" smtClean="0"/>
-              <a:t>10/04/17</a:t>
+              <a:t>26/05/17</a:t>
             </a:fld>
             <a:endParaRPr lang="en-GB"/>
           </a:p>
@@ -1885,7 +1535,7 @@
           <a:p>
             <a:fld id="{E6744CE3-0875-4B69-89C0-6F72D8139561}" type="datetimeFigureOut">
               <a:rPr lang="en-GB" smtClean="0"/>
-              <a:t>10/04/17</a:t>
+              <a:t>26/05/17</a:t>
             </a:fld>
             <a:endParaRPr lang="en-GB"/>
           </a:p>
@@ -1980,7 +1630,7 @@
           <a:p>
             <a:fld id="{E6744CE3-0875-4B69-89C0-6F72D8139561}" type="datetimeFigureOut">
               <a:rPr lang="en-GB" smtClean="0"/>
-              <a:t>10/04/17</a:t>
+              <a:t>26/05/17</a:t>
             </a:fld>
             <a:endParaRPr lang="en-GB"/>
           </a:p>
@@ -2032,536 +1682,6 @@
     <p:extLst>
       <p:ext uri="{BB962C8B-B14F-4D97-AF65-F5344CB8AC3E}">
         <p14:creationId xmlns:p14="http://schemas.microsoft.com/office/powerpoint/2010/main" val="2755996059"/>
-      </p:ext>
-    </p:extLst>
-  </p:cSld>
-  <p:clrMapOvr>
-    <a:masterClrMapping/>
-  </p:clrMapOvr>
-</p:sldLayout>
-</file>
-
-<file path=ppt/slideLayouts/slideLayout8.xml><?xml version="1.0" encoding="utf-8"?>
-<p:sldLayout xmlns:a="http://schemas.openxmlformats.org/drawingml/2006/main" xmlns:r="http://schemas.openxmlformats.org/officeDocument/2006/relationships" xmlns:p="http://schemas.openxmlformats.org/presentationml/2006/main" type="objTx" preserve="1">
-  <p:cSld name="Content with Caption">
-    <p:spTree>
-      <p:nvGrpSpPr>
-        <p:cNvPr id="1" name=""/>
-        <p:cNvGrpSpPr/>
-        <p:nvPr/>
-      </p:nvGrpSpPr>
-      <p:grpSpPr>
-        <a:xfrm>
-          <a:off x="0" y="0"/>
-          <a:ext cx="0" cy="0"/>
-          <a:chOff x="0" y="0"/>
-          <a:chExt cx="0" cy="0"/>
-        </a:xfrm>
-      </p:grpSpPr>
-      <p:sp>
-        <p:nvSpPr>
-          <p:cNvPr id="2" name="Title 1"/>
-          <p:cNvSpPr>
-            <a:spLocks noGrp="1"/>
-          </p:cNvSpPr>
-          <p:nvPr>
-            <p:ph type="title"/>
-          </p:nvPr>
-        </p:nvSpPr>
-        <p:spPr>
-          <a:xfrm>
-            <a:off x="457200" y="273050"/>
-            <a:ext cx="3008313" cy="1162050"/>
-          </a:xfrm>
-        </p:spPr>
-        <p:txBody>
-          <a:bodyPr anchor="b"/>
-          <a:lstStyle>
-            <a:lvl1pPr algn="l">
-              <a:defRPr sz="2000" b="1"/>
-            </a:lvl1pPr>
-          </a:lstStyle>
-          <a:p>
-            <a:r>
-              <a:rPr lang="en-US" smtClean="0"/>
-              <a:t>Click to edit Master title style</a:t>
-            </a:r>
-            <a:endParaRPr lang="en-GB"/>
-          </a:p>
-        </p:txBody>
-      </p:sp>
-      <p:sp>
-        <p:nvSpPr>
-          <p:cNvPr id="3" name="Content Placeholder 2"/>
-          <p:cNvSpPr>
-            <a:spLocks noGrp="1"/>
-          </p:cNvSpPr>
-          <p:nvPr>
-            <p:ph idx="1"/>
-          </p:nvPr>
-        </p:nvSpPr>
-        <p:spPr>
-          <a:xfrm>
-            <a:off x="3575050" y="273050"/>
-            <a:ext cx="5111750" cy="5853113"/>
-          </a:xfrm>
-        </p:spPr>
-        <p:txBody>
-          <a:bodyPr/>
-          <a:lstStyle>
-            <a:lvl1pPr>
-              <a:defRPr sz="3200"/>
-            </a:lvl1pPr>
-            <a:lvl2pPr>
-              <a:defRPr sz="2800"/>
-            </a:lvl2pPr>
-            <a:lvl3pPr>
-              <a:defRPr sz="2400"/>
-            </a:lvl3pPr>
-            <a:lvl4pPr>
-              <a:defRPr sz="2000"/>
-            </a:lvl4pPr>
-            <a:lvl5pPr>
-              <a:defRPr sz="2000"/>
-            </a:lvl5pPr>
-            <a:lvl6pPr>
-              <a:defRPr sz="2000"/>
-            </a:lvl6pPr>
-            <a:lvl7pPr>
-              <a:defRPr sz="2000"/>
-            </a:lvl7pPr>
-            <a:lvl8pPr>
-              <a:defRPr sz="2000"/>
-            </a:lvl8pPr>
-            <a:lvl9pPr>
-              <a:defRPr sz="2000"/>
-            </a:lvl9pPr>
-          </a:lstStyle>
-          <a:p>
-            <a:pPr lvl="0"/>
-            <a:r>
-              <a:rPr lang="en-US" smtClean="0"/>
-              <a:t>Click to edit Master text styles</a:t>
-            </a:r>
-          </a:p>
-          <a:p>
-            <a:pPr lvl="1"/>
-            <a:r>
-              <a:rPr lang="en-US" smtClean="0"/>
-              <a:t>Second level</a:t>
-            </a:r>
-          </a:p>
-          <a:p>
-            <a:pPr lvl="2"/>
-            <a:r>
-              <a:rPr lang="en-US" smtClean="0"/>
-              <a:t>Third level</a:t>
-            </a:r>
-          </a:p>
-          <a:p>
-            <a:pPr lvl="3"/>
-            <a:r>
-              <a:rPr lang="en-US" smtClean="0"/>
-              <a:t>Fourth level</a:t>
-            </a:r>
-          </a:p>
-          <a:p>
-            <a:pPr lvl="4"/>
-            <a:r>
-              <a:rPr lang="en-US" smtClean="0"/>
-              <a:t>Fifth level</a:t>
-            </a:r>
-            <a:endParaRPr lang="en-GB"/>
-          </a:p>
-        </p:txBody>
-      </p:sp>
-      <p:sp>
-        <p:nvSpPr>
-          <p:cNvPr id="4" name="Text Placeholder 3"/>
-          <p:cNvSpPr>
-            <a:spLocks noGrp="1"/>
-          </p:cNvSpPr>
-          <p:nvPr>
-            <p:ph type="body" sz="half" idx="2"/>
-          </p:nvPr>
-        </p:nvSpPr>
-        <p:spPr>
-          <a:xfrm>
-            <a:off x="457200" y="1435100"/>
-            <a:ext cx="3008313" cy="4691063"/>
-          </a:xfrm>
-        </p:spPr>
-        <p:txBody>
-          <a:bodyPr/>
-          <a:lstStyle>
-            <a:lvl1pPr marL="0" indent="0">
-              <a:buNone/>
-              <a:defRPr sz="1400"/>
-            </a:lvl1pPr>
-            <a:lvl2pPr marL="457200" indent="0">
-              <a:buNone/>
-              <a:defRPr sz="1200"/>
-            </a:lvl2pPr>
-            <a:lvl3pPr marL="914400" indent="0">
-              <a:buNone/>
-              <a:defRPr sz="1000"/>
-            </a:lvl3pPr>
-            <a:lvl4pPr marL="1371600" indent="0">
-              <a:buNone/>
-              <a:defRPr sz="900"/>
-            </a:lvl4pPr>
-            <a:lvl5pPr marL="1828800" indent="0">
-              <a:buNone/>
-              <a:defRPr sz="900"/>
-            </a:lvl5pPr>
-            <a:lvl6pPr marL="2286000" indent="0">
-              <a:buNone/>
-              <a:defRPr sz="900"/>
-            </a:lvl6pPr>
-            <a:lvl7pPr marL="2743200" indent="0">
-              <a:buNone/>
-              <a:defRPr sz="900"/>
-            </a:lvl7pPr>
-            <a:lvl8pPr marL="3200400" indent="0">
-              <a:buNone/>
-              <a:defRPr sz="900"/>
-            </a:lvl8pPr>
-            <a:lvl9pPr marL="3657600" indent="0">
-              <a:buNone/>
-              <a:defRPr sz="900"/>
-            </a:lvl9pPr>
-          </a:lstStyle>
-          <a:p>
-            <a:pPr lvl="0"/>
-            <a:r>
-              <a:rPr lang="en-US" smtClean="0"/>
-              <a:t>Click to edit Master text styles</a:t>
-            </a:r>
-          </a:p>
-        </p:txBody>
-      </p:sp>
-      <p:sp>
-        <p:nvSpPr>
-          <p:cNvPr id="5" name="Date Placeholder 4"/>
-          <p:cNvSpPr>
-            <a:spLocks noGrp="1"/>
-          </p:cNvSpPr>
-          <p:nvPr>
-            <p:ph type="dt" sz="half" idx="10"/>
-          </p:nvPr>
-        </p:nvSpPr>
-        <p:spPr/>
-        <p:txBody>
-          <a:bodyPr/>
-          <a:lstStyle/>
-          <a:p>
-            <a:fld id="{E6744CE3-0875-4B69-89C0-6F72D8139561}" type="datetimeFigureOut">
-              <a:rPr lang="en-GB" smtClean="0"/>
-              <a:t>10/04/17</a:t>
-            </a:fld>
-            <a:endParaRPr lang="en-GB"/>
-          </a:p>
-        </p:txBody>
-      </p:sp>
-      <p:sp>
-        <p:nvSpPr>
-          <p:cNvPr id="6" name="Footer Placeholder 5"/>
-          <p:cNvSpPr>
-            <a:spLocks noGrp="1"/>
-          </p:cNvSpPr>
-          <p:nvPr>
-            <p:ph type="ftr" sz="quarter" idx="11"/>
-          </p:nvPr>
-        </p:nvSpPr>
-        <p:spPr/>
-        <p:txBody>
-          <a:bodyPr/>
-          <a:lstStyle/>
-          <a:p>
-            <a:endParaRPr lang="en-GB"/>
-          </a:p>
-        </p:txBody>
-      </p:sp>
-      <p:sp>
-        <p:nvSpPr>
-          <p:cNvPr id="7" name="Slide Number Placeholder 6"/>
-          <p:cNvSpPr>
-            <a:spLocks noGrp="1"/>
-          </p:cNvSpPr>
-          <p:nvPr>
-            <p:ph type="sldNum" sz="quarter" idx="12"/>
-          </p:nvPr>
-        </p:nvSpPr>
-        <p:spPr/>
-        <p:txBody>
-          <a:bodyPr/>
-          <a:lstStyle/>
-          <a:p>
-            <a:fld id="{8DADB20D-508E-4C6D-A9E4-257D5607B0F6}" type="slidenum">
-              <a:rPr lang="en-GB" smtClean="0"/>
-              <a:t>‹#›</a:t>
-            </a:fld>
-            <a:endParaRPr lang="en-GB"/>
-          </a:p>
-        </p:txBody>
-      </p:sp>
-    </p:spTree>
-    <p:extLst>
-      <p:ext uri="{BB962C8B-B14F-4D97-AF65-F5344CB8AC3E}">
-        <p14:creationId xmlns:p14="http://schemas.microsoft.com/office/powerpoint/2010/main" val="1660925281"/>
-      </p:ext>
-    </p:extLst>
-  </p:cSld>
-  <p:clrMapOvr>
-    <a:masterClrMapping/>
-  </p:clrMapOvr>
-</p:sldLayout>
-</file>
-
-<file path=ppt/slideLayouts/slideLayout9.xml><?xml version="1.0" encoding="utf-8"?>
-<p:sldLayout xmlns:a="http://schemas.openxmlformats.org/drawingml/2006/main" xmlns:r="http://schemas.openxmlformats.org/officeDocument/2006/relationships" xmlns:p="http://schemas.openxmlformats.org/presentationml/2006/main" type="picTx" preserve="1">
-  <p:cSld name="Picture with Caption">
-    <p:spTree>
-      <p:nvGrpSpPr>
-        <p:cNvPr id="1" name=""/>
-        <p:cNvGrpSpPr/>
-        <p:nvPr/>
-      </p:nvGrpSpPr>
-      <p:grpSpPr>
-        <a:xfrm>
-          <a:off x="0" y="0"/>
-          <a:ext cx="0" cy="0"/>
-          <a:chOff x="0" y="0"/>
-          <a:chExt cx="0" cy="0"/>
-        </a:xfrm>
-      </p:grpSpPr>
-      <p:sp>
-        <p:nvSpPr>
-          <p:cNvPr id="2" name="Title 1"/>
-          <p:cNvSpPr>
-            <a:spLocks noGrp="1"/>
-          </p:cNvSpPr>
-          <p:nvPr>
-            <p:ph type="title"/>
-          </p:nvPr>
-        </p:nvSpPr>
-        <p:spPr>
-          <a:xfrm>
-            <a:off x="1792288" y="4800600"/>
-            <a:ext cx="5486400" cy="566738"/>
-          </a:xfrm>
-        </p:spPr>
-        <p:txBody>
-          <a:bodyPr anchor="b"/>
-          <a:lstStyle>
-            <a:lvl1pPr algn="l">
-              <a:defRPr sz="2000" b="1"/>
-            </a:lvl1pPr>
-          </a:lstStyle>
-          <a:p>
-            <a:r>
-              <a:rPr lang="en-US" smtClean="0"/>
-              <a:t>Click to edit Master title style</a:t>
-            </a:r>
-            <a:endParaRPr lang="en-GB"/>
-          </a:p>
-        </p:txBody>
-      </p:sp>
-      <p:sp>
-        <p:nvSpPr>
-          <p:cNvPr id="3" name="Picture Placeholder 2"/>
-          <p:cNvSpPr>
-            <a:spLocks noGrp="1"/>
-          </p:cNvSpPr>
-          <p:nvPr>
-            <p:ph type="pic" idx="1"/>
-          </p:nvPr>
-        </p:nvSpPr>
-        <p:spPr>
-          <a:xfrm>
-            <a:off x="1792288" y="612775"/>
-            <a:ext cx="5486400" cy="4114800"/>
-          </a:xfrm>
-        </p:spPr>
-        <p:txBody>
-          <a:bodyPr/>
-          <a:lstStyle>
-            <a:lvl1pPr marL="0" indent="0">
-              <a:buNone/>
-              <a:defRPr sz="3200"/>
-            </a:lvl1pPr>
-            <a:lvl2pPr marL="457200" indent="0">
-              <a:buNone/>
-              <a:defRPr sz="2800"/>
-            </a:lvl2pPr>
-            <a:lvl3pPr marL="914400" indent="0">
-              <a:buNone/>
-              <a:defRPr sz="2400"/>
-            </a:lvl3pPr>
-            <a:lvl4pPr marL="1371600" indent="0">
-              <a:buNone/>
-              <a:defRPr sz="2000"/>
-            </a:lvl4pPr>
-            <a:lvl5pPr marL="1828800" indent="0">
-              <a:buNone/>
-              <a:defRPr sz="2000"/>
-            </a:lvl5pPr>
-            <a:lvl6pPr marL="2286000" indent="0">
-              <a:buNone/>
-              <a:defRPr sz="2000"/>
-            </a:lvl6pPr>
-            <a:lvl7pPr marL="2743200" indent="0">
-              <a:buNone/>
-              <a:defRPr sz="2000"/>
-            </a:lvl7pPr>
-            <a:lvl8pPr marL="3200400" indent="0">
-              <a:buNone/>
-              <a:defRPr sz="2000"/>
-            </a:lvl8pPr>
-            <a:lvl9pPr marL="3657600" indent="0">
-              <a:buNone/>
-              <a:defRPr sz="2000"/>
-            </a:lvl9pPr>
-          </a:lstStyle>
-          <a:p>
-            <a:endParaRPr lang="en-GB"/>
-          </a:p>
-        </p:txBody>
-      </p:sp>
-      <p:sp>
-        <p:nvSpPr>
-          <p:cNvPr id="4" name="Text Placeholder 3"/>
-          <p:cNvSpPr>
-            <a:spLocks noGrp="1"/>
-          </p:cNvSpPr>
-          <p:nvPr>
-            <p:ph type="body" sz="half" idx="2"/>
-          </p:nvPr>
-        </p:nvSpPr>
-        <p:spPr>
-          <a:xfrm>
-            <a:off x="1792288" y="5367338"/>
-            <a:ext cx="5486400" cy="804862"/>
-          </a:xfrm>
-        </p:spPr>
-        <p:txBody>
-          <a:bodyPr/>
-          <a:lstStyle>
-            <a:lvl1pPr marL="0" indent="0">
-              <a:buNone/>
-              <a:defRPr sz="1400"/>
-            </a:lvl1pPr>
-            <a:lvl2pPr marL="457200" indent="0">
-              <a:buNone/>
-              <a:defRPr sz="1200"/>
-            </a:lvl2pPr>
-            <a:lvl3pPr marL="914400" indent="0">
-              <a:buNone/>
-              <a:defRPr sz="1000"/>
-            </a:lvl3pPr>
-            <a:lvl4pPr marL="1371600" indent="0">
-              <a:buNone/>
-              <a:defRPr sz="900"/>
-            </a:lvl4pPr>
-            <a:lvl5pPr marL="1828800" indent="0">
-              <a:buNone/>
-              <a:defRPr sz="900"/>
-            </a:lvl5pPr>
-            <a:lvl6pPr marL="2286000" indent="0">
-              <a:buNone/>
-              <a:defRPr sz="900"/>
-            </a:lvl6pPr>
-            <a:lvl7pPr marL="2743200" indent="0">
-              <a:buNone/>
-              <a:defRPr sz="900"/>
-            </a:lvl7pPr>
-            <a:lvl8pPr marL="3200400" indent="0">
-              <a:buNone/>
-              <a:defRPr sz="900"/>
-            </a:lvl8pPr>
-            <a:lvl9pPr marL="3657600" indent="0">
-              <a:buNone/>
-              <a:defRPr sz="900"/>
-            </a:lvl9pPr>
-          </a:lstStyle>
-          <a:p>
-            <a:pPr lvl="0"/>
-            <a:r>
-              <a:rPr lang="en-US" smtClean="0"/>
-              <a:t>Click to edit Master text styles</a:t>
-            </a:r>
-          </a:p>
-        </p:txBody>
-      </p:sp>
-      <p:sp>
-        <p:nvSpPr>
-          <p:cNvPr id="5" name="Date Placeholder 4"/>
-          <p:cNvSpPr>
-            <a:spLocks noGrp="1"/>
-          </p:cNvSpPr>
-          <p:nvPr>
-            <p:ph type="dt" sz="half" idx="10"/>
-          </p:nvPr>
-        </p:nvSpPr>
-        <p:spPr/>
-        <p:txBody>
-          <a:bodyPr/>
-          <a:lstStyle/>
-          <a:p>
-            <a:fld id="{E6744CE3-0875-4B69-89C0-6F72D8139561}" type="datetimeFigureOut">
-              <a:rPr lang="en-GB" smtClean="0"/>
-              <a:t>10/04/17</a:t>
-            </a:fld>
-            <a:endParaRPr lang="en-GB"/>
-          </a:p>
-        </p:txBody>
-      </p:sp>
-      <p:sp>
-        <p:nvSpPr>
-          <p:cNvPr id="6" name="Footer Placeholder 5"/>
-          <p:cNvSpPr>
-            <a:spLocks noGrp="1"/>
-          </p:cNvSpPr>
-          <p:nvPr>
-            <p:ph type="ftr" sz="quarter" idx="11"/>
-          </p:nvPr>
-        </p:nvSpPr>
-        <p:spPr/>
-        <p:txBody>
-          <a:bodyPr/>
-          <a:lstStyle/>
-          <a:p>
-            <a:endParaRPr lang="en-GB"/>
-          </a:p>
-        </p:txBody>
-      </p:sp>
-      <p:sp>
-        <p:nvSpPr>
-          <p:cNvPr id="7" name="Slide Number Placeholder 6"/>
-          <p:cNvSpPr>
-            <a:spLocks noGrp="1"/>
-          </p:cNvSpPr>
-          <p:nvPr>
-            <p:ph type="sldNum" sz="quarter" idx="12"/>
-          </p:nvPr>
-        </p:nvSpPr>
-        <p:spPr/>
-        <p:txBody>
-          <a:bodyPr/>
-          <a:lstStyle/>
-          <a:p>
-            <a:fld id="{8DADB20D-508E-4C6D-A9E4-257D5607B0F6}" type="slidenum">
-              <a:rPr lang="en-GB" smtClean="0"/>
-              <a:t>‹#›</a:t>
-            </a:fld>
-            <a:endParaRPr lang="en-GB"/>
-          </a:p>
-        </p:txBody>
-      </p:sp>
-    </p:spTree>
-    <p:extLst>
-      <p:ext uri="{BB962C8B-B14F-4D97-AF65-F5344CB8AC3E}">
-        <p14:creationId xmlns:p14="http://schemas.microsoft.com/office/powerpoint/2010/main" val="4205470707"/>
       </p:ext>
     </p:extLst>
   </p:cSld>
@@ -2723,7 +1843,7 @@
           <a:p>
             <a:fld id="{E6744CE3-0875-4B69-89C0-6F72D8139561}" type="datetimeFigureOut">
               <a:rPr lang="en-GB" smtClean="0"/>
-              <a:t>10/04/17</a:t>
+              <a:t>26/05/17</a:t>
             </a:fld>
             <a:endParaRPr lang="en-GB"/>
           </a:p>
@@ -2823,10 +1943,6 @@
     <p:sldLayoutId id="2147483653" r:id="rId5"/>
     <p:sldLayoutId id="2147483654" r:id="rId6"/>
     <p:sldLayoutId id="2147483655" r:id="rId7"/>
-    <p:sldLayoutId id="2147483656" r:id="rId8"/>
-    <p:sldLayoutId id="2147483657" r:id="rId9"/>
-    <p:sldLayoutId id="2147483658" r:id="rId10"/>
-    <p:sldLayoutId id="2147483659" r:id="rId11"/>
   </p:sldLayoutIdLst>
   <p:txStyles>
     <p:titleStyle>
@@ -3155,21 +2271,21 @@
           </p:nvSpPr>
           <p:spPr>
             <a:xfrm>
-              <a:off x="823581" y="5538983"/>
-              <a:ext cx="7008848" cy="0"/>
+              <a:off x="822146" y="5540693"/>
+              <a:ext cx="7004981" cy="0"/>
             </a:xfrm>
             <a:custGeom>
               <a:avLst/>
               <a:pathLst>
-                <a:path w="7008848" h="0">
+                <a:path w="7004981" h="0">
                   <a:moveTo>
                     <a:pt x="0" y="0"/>
                   </a:moveTo>
                   <a:lnTo>
-                    <a:pt x="7008848" y="0"/>
+                    <a:pt x="7004981" y="0"/>
                   </a:lnTo>
                   <a:lnTo>
-                    <a:pt x="7008848" y="0"/>
+                    <a:pt x="7004981" y="0"/>
                   </a:lnTo>
                 </a:path>
               </a:pathLst>
@@ -3198,21 +2314,21 @@
           </p:nvSpPr>
           <p:spPr>
             <a:xfrm>
-              <a:off x="823581" y="4599755"/>
-              <a:ext cx="7008848" cy="0"/>
+              <a:off x="822146" y="4601050"/>
+              <a:ext cx="7004981" cy="0"/>
             </a:xfrm>
             <a:custGeom>
               <a:avLst/>
               <a:pathLst>
-                <a:path w="7008848" h="0">
+                <a:path w="7004981" h="0">
                   <a:moveTo>
                     <a:pt x="0" y="0"/>
                   </a:moveTo>
                   <a:lnTo>
-                    <a:pt x="7008848" y="0"/>
+                    <a:pt x="7004981" y="0"/>
                   </a:lnTo>
                   <a:lnTo>
-                    <a:pt x="7008848" y="0"/>
+                    <a:pt x="7004981" y="0"/>
                   </a:lnTo>
                 </a:path>
               </a:pathLst>
@@ -3241,21 +2357,21 @@
           </p:nvSpPr>
           <p:spPr>
             <a:xfrm>
-              <a:off x="823581" y="3660528"/>
-              <a:ext cx="7008848" cy="0"/>
+              <a:off x="822146" y="3661408"/>
+              <a:ext cx="7004981" cy="0"/>
             </a:xfrm>
             <a:custGeom>
               <a:avLst/>
               <a:pathLst>
-                <a:path w="7008848" h="0">
+                <a:path w="7004981" h="0">
                   <a:moveTo>
                     <a:pt x="0" y="0"/>
                   </a:moveTo>
                   <a:lnTo>
-                    <a:pt x="7008848" y="0"/>
+                    <a:pt x="7004981" y="0"/>
                   </a:lnTo>
                   <a:lnTo>
-                    <a:pt x="7008848" y="0"/>
+                    <a:pt x="7004981" y="0"/>
                   </a:lnTo>
                 </a:path>
               </a:pathLst>
@@ -3284,21 +2400,21 @@
           </p:nvSpPr>
           <p:spPr>
             <a:xfrm>
-              <a:off x="823581" y="2721301"/>
-              <a:ext cx="7008848" cy="0"/>
+              <a:off x="822146" y="2721765"/>
+              <a:ext cx="7004981" cy="0"/>
             </a:xfrm>
             <a:custGeom>
               <a:avLst/>
               <a:pathLst>
-                <a:path w="7008848" h="0">
+                <a:path w="7004981" h="0">
                   <a:moveTo>
                     <a:pt x="0" y="0"/>
                   </a:moveTo>
                   <a:lnTo>
-                    <a:pt x="7008848" y="0"/>
+                    <a:pt x="7004981" y="0"/>
                   </a:lnTo>
                   <a:lnTo>
-                    <a:pt x="7008848" y="0"/>
+                    <a:pt x="7004981" y="0"/>
                   </a:lnTo>
                 </a:path>
               </a:pathLst>
@@ -3327,21 +2443,21 @@
           </p:nvSpPr>
           <p:spPr>
             <a:xfrm>
-              <a:off x="823581" y="1782073"/>
-              <a:ext cx="7008848" cy="0"/>
+              <a:off x="822146" y="1782123"/>
+              <a:ext cx="7004981" cy="0"/>
             </a:xfrm>
             <a:custGeom>
               <a:avLst/>
               <a:pathLst>
-                <a:path w="7008848" h="0">
+                <a:path w="7004981" h="0">
                   <a:moveTo>
                     <a:pt x="0" y="0"/>
                   </a:moveTo>
                   <a:lnTo>
-                    <a:pt x="7008848" y="0"/>
+                    <a:pt x="7004981" y="0"/>
                   </a:lnTo>
                   <a:lnTo>
-                    <a:pt x="7008848" y="0"/>
+                    <a:pt x="7004981" y="0"/>
                   </a:lnTo>
                 </a:path>
               </a:pathLst>
@@ -3370,15 +2486,15 @@
           </p:nvSpPr>
           <p:spPr>
             <a:xfrm>
-              <a:off x="1711549" y="1669789"/>
-              <a:ext cx="0" cy="4040650"/>
+              <a:off x="1709624" y="1669789"/>
+              <a:ext cx="0" cy="4042436"/>
             </a:xfrm>
             <a:custGeom>
               <a:avLst/>
               <a:pathLst>
-                <a:path w="0" h="4040650">
+                <a:path w="0" h="4042436">
                   <a:moveTo>
-                    <a:pt x="0" y="4040650"/>
+                    <a:pt x="0" y="4042436"/>
                   </a:moveTo>
                   <a:lnTo>
                     <a:pt x="0" y="0"/>
@@ -3413,15 +2529,15 @@
           </p:nvSpPr>
           <p:spPr>
             <a:xfrm>
-              <a:off x="3067226" y="1669789"/>
-              <a:ext cx="0" cy="4040650"/>
+              <a:off x="3064553" y="1669789"/>
+              <a:ext cx="0" cy="4042436"/>
             </a:xfrm>
             <a:custGeom>
               <a:avLst/>
               <a:pathLst>
-                <a:path w="0" h="4040650">
+                <a:path w="0" h="4042436">
                   <a:moveTo>
-                    <a:pt x="0" y="4040650"/>
+                    <a:pt x="0" y="4042436"/>
                   </a:moveTo>
                   <a:lnTo>
                     <a:pt x="0" y="0"/>
@@ -3456,15 +2572,15 @@
           </p:nvSpPr>
           <p:spPr>
             <a:xfrm>
-              <a:off x="4422902" y="1669789"/>
-              <a:ext cx="0" cy="4040650"/>
+              <a:off x="4419482" y="1669789"/>
+              <a:ext cx="0" cy="4042436"/>
             </a:xfrm>
             <a:custGeom>
               <a:avLst/>
               <a:pathLst>
-                <a:path w="0" h="4040650">
+                <a:path w="0" h="4042436">
                   <a:moveTo>
-                    <a:pt x="0" y="4040650"/>
+                    <a:pt x="0" y="4042436"/>
                   </a:moveTo>
                   <a:lnTo>
                     <a:pt x="0" y="0"/>
@@ -3499,15 +2615,15 @@
           </p:nvSpPr>
           <p:spPr>
             <a:xfrm>
-              <a:off x="5778579" y="1669789"/>
-              <a:ext cx="0" cy="4040650"/>
+              <a:off x="5774410" y="1669789"/>
+              <a:ext cx="0" cy="4042436"/>
             </a:xfrm>
             <a:custGeom>
               <a:avLst/>
               <a:pathLst>
-                <a:path w="0" h="4040650">
+                <a:path w="0" h="4042436">
                   <a:moveTo>
-                    <a:pt x="0" y="4040650"/>
+                    <a:pt x="0" y="4042436"/>
                   </a:moveTo>
                   <a:lnTo>
                     <a:pt x="0" y="0"/>
@@ -3542,15 +2658,15 @@
           </p:nvSpPr>
           <p:spPr>
             <a:xfrm>
-              <a:off x="7134256" y="1669789"/>
-              <a:ext cx="0" cy="4040650"/>
+              <a:off x="7129339" y="1669789"/>
+              <a:ext cx="0" cy="4042436"/>
             </a:xfrm>
             <a:custGeom>
               <a:avLst/>
               <a:pathLst>
-                <a:path w="0" h="4040650">
+                <a:path w="0" h="4042436">
                   <a:moveTo>
-                    <a:pt x="0" y="4040650"/>
+                    <a:pt x="0" y="4042436"/>
                   </a:moveTo>
                   <a:lnTo>
                     <a:pt x="0" y="0"/>
@@ -3585,21 +2701,21 @@
           </p:nvSpPr>
           <p:spPr>
             <a:xfrm>
-              <a:off x="823581" y="5069369"/>
-              <a:ext cx="7008848" cy="0"/>
+              <a:off x="822146" y="5070872"/>
+              <a:ext cx="7004981" cy="0"/>
             </a:xfrm>
             <a:custGeom>
               <a:avLst/>
               <a:pathLst>
-                <a:path w="7008848" h="0">
+                <a:path w="7004981" h="0">
                   <a:moveTo>
                     <a:pt x="0" y="0"/>
                   </a:moveTo>
                   <a:lnTo>
-                    <a:pt x="7008848" y="0"/>
+                    <a:pt x="7004981" y="0"/>
                   </a:lnTo>
                   <a:lnTo>
-                    <a:pt x="7008848" y="0"/>
+                    <a:pt x="7004981" y="0"/>
                   </a:lnTo>
                 </a:path>
               </a:pathLst>
@@ -3628,21 +2744,21 @@
           </p:nvSpPr>
           <p:spPr>
             <a:xfrm>
-              <a:off x="823581" y="4130142"/>
-              <a:ext cx="7008848" cy="0"/>
+              <a:off x="822146" y="4131229"/>
+              <a:ext cx="7004981" cy="0"/>
             </a:xfrm>
             <a:custGeom>
               <a:avLst/>
               <a:pathLst>
-                <a:path w="7008848" h="0">
+                <a:path w="7004981" h="0">
                   <a:moveTo>
                     <a:pt x="0" y="0"/>
                   </a:moveTo>
                   <a:lnTo>
-                    <a:pt x="7008848" y="0"/>
+                    <a:pt x="7004981" y="0"/>
                   </a:lnTo>
                   <a:lnTo>
-                    <a:pt x="7008848" y="0"/>
+                    <a:pt x="7004981" y="0"/>
                   </a:lnTo>
                 </a:path>
               </a:pathLst>
@@ -3671,21 +2787,21 @@
           </p:nvSpPr>
           <p:spPr>
             <a:xfrm>
-              <a:off x="823581" y="3190914"/>
-              <a:ext cx="7008848" cy="0"/>
+              <a:off x="822146" y="3191587"/>
+              <a:ext cx="7004981" cy="0"/>
             </a:xfrm>
             <a:custGeom>
               <a:avLst/>
               <a:pathLst>
-                <a:path w="7008848" h="0">
+                <a:path w="7004981" h="0">
                   <a:moveTo>
                     <a:pt x="0" y="0"/>
                   </a:moveTo>
                   <a:lnTo>
-                    <a:pt x="7008848" y="0"/>
+                    <a:pt x="7004981" y="0"/>
                   </a:lnTo>
                   <a:lnTo>
-                    <a:pt x="7008848" y="0"/>
+                    <a:pt x="7004981" y="0"/>
                   </a:lnTo>
                 </a:path>
               </a:pathLst>
@@ -3714,21 +2830,21 @@
           </p:nvSpPr>
           <p:spPr>
             <a:xfrm>
-              <a:off x="823581" y="2251687"/>
-              <a:ext cx="7008848" cy="0"/>
+              <a:off x="822146" y="2251944"/>
+              <a:ext cx="7004981" cy="0"/>
             </a:xfrm>
             <a:custGeom>
               <a:avLst/>
               <a:pathLst>
-                <a:path w="7008848" h="0">
+                <a:path w="7004981" h="0">
                   <a:moveTo>
                     <a:pt x="0" y="0"/>
                   </a:moveTo>
                   <a:lnTo>
-                    <a:pt x="7008848" y="0"/>
+                    <a:pt x="7004981" y="0"/>
                   </a:lnTo>
                   <a:lnTo>
-                    <a:pt x="7008848" y="0"/>
+                    <a:pt x="7004981" y="0"/>
                   </a:lnTo>
                 </a:path>
               </a:pathLst>
@@ -3757,15 +2873,15 @@
           </p:nvSpPr>
           <p:spPr>
             <a:xfrm>
-              <a:off x="1033711" y="1669789"/>
-              <a:ext cx="0" cy="4040650"/>
+              <a:off x="1032160" y="1669789"/>
+              <a:ext cx="0" cy="4042436"/>
             </a:xfrm>
             <a:custGeom>
               <a:avLst/>
               <a:pathLst>
-                <a:path w="0" h="4040650">
+                <a:path w="0" h="4042436">
                   <a:moveTo>
-                    <a:pt x="0" y="4040650"/>
+                    <a:pt x="0" y="4042436"/>
                   </a:moveTo>
                   <a:lnTo>
                     <a:pt x="0" y="0"/>
@@ -3800,15 +2916,15 @@
           </p:nvSpPr>
           <p:spPr>
             <a:xfrm>
-              <a:off x="2389387" y="1669789"/>
-              <a:ext cx="0" cy="4040650"/>
+              <a:off x="2387089" y="1669789"/>
+              <a:ext cx="0" cy="4042436"/>
             </a:xfrm>
             <a:custGeom>
               <a:avLst/>
               <a:pathLst>
-                <a:path w="0" h="4040650">
+                <a:path w="0" h="4042436">
                   <a:moveTo>
-                    <a:pt x="0" y="4040650"/>
+                    <a:pt x="0" y="4042436"/>
                   </a:moveTo>
                   <a:lnTo>
                     <a:pt x="0" y="0"/>
@@ -3843,15 +2959,15 @@
           </p:nvSpPr>
           <p:spPr>
             <a:xfrm>
-              <a:off x="3745064" y="1669789"/>
-              <a:ext cx="0" cy="4040650"/>
+              <a:off x="3742017" y="1669789"/>
+              <a:ext cx="0" cy="4042436"/>
             </a:xfrm>
             <a:custGeom>
               <a:avLst/>
               <a:pathLst>
-                <a:path w="0" h="4040650">
+                <a:path w="0" h="4042436">
                   <a:moveTo>
-                    <a:pt x="0" y="4040650"/>
+                    <a:pt x="0" y="4042436"/>
                   </a:moveTo>
                   <a:lnTo>
                     <a:pt x="0" y="0"/>
@@ -3886,15 +3002,15 @@
           </p:nvSpPr>
           <p:spPr>
             <a:xfrm>
-              <a:off x="5100741" y="1669789"/>
-              <a:ext cx="0" cy="4040650"/>
+              <a:off x="5096946" y="1669789"/>
+              <a:ext cx="0" cy="4042436"/>
             </a:xfrm>
             <a:custGeom>
               <a:avLst/>
               <a:pathLst>
-                <a:path w="0" h="4040650">
+                <a:path w="0" h="4042436">
                   <a:moveTo>
-                    <a:pt x="0" y="4040650"/>
+                    <a:pt x="0" y="4042436"/>
                   </a:moveTo>
                   <a:lnTo>
                     <a:pt x="0" y="0"/>
@@ -3929,15 +3045,15 @@
           </p:nvSpPr>
           <p:spPr>
             <a:xfrm>
-              <a:off x="6456418" y="1669789"/>
-              <a:ext cx="0" cy="4040650"/>
+              <a:off x="6451875" y="1669789"/>
+              <a:ext cx="0" cy="4042436"/>
             </a:xfrm>
             <a:custGeom>
               <a:avLst/>
               <a:pathLst>
-                <a:path w="0" h="4040650">
+                <a:path w="0" h="4042436">
                   <a:moveTo>
-                    <a:pt x="0" y="4040650"/>
+                    <a:pt x="0" y="4042436"/>
                   </a:moveTo>
                   <a:lnTo>
                     <a:pt x="0" y="0"/>
@@ -3972,15 +3088,15 @@
           </p:nvSpPr>
           <p:spPr>
             <a:xfrm>
-              <a:off x="7812094" y="1669789"/>
-              <a:ext cx="0" cy="4040650"/>
+              <a:off x="7806803" y="1669789"/>
+              <a:ext cx="0" cy="4042436"/>
             </a:xfrm>
             <a:custGeom>
               <a:avLst/>
               <a:pathLst>
-                <a:path w="0" h="4040650">
+                <a:path w="0" h="4042436">
                   <a:moveTo>
-                    <a:pt x="0" y="4040650"/>
+                    <a:pt x="0" y="4042436"/>
                   </a:moveTo>
                   <a:lnTo>
                     <a:pt x="0" y="0"/>
@@ -4015,7 +3131,7 @@
           </p:nvSpPr>
           <p:spPr>
             <a:xfrm>
-              <a:off x="3991374" y="4462222"/>
+              <a:off x="3988177" y="4463467"/>
               <a:ext cx="49651" cy="49651"/>
             </a:xfrm>
             <a:prstGeom prst="ellipse">
@@ -4050,7 +3166,7 @@
           </p:nvSpPr>
           <p:spPr>
             <a:xfrm>
-              <a:off x="3991374" y="4222719"/>
+              <a:off x="3988177" y="4223858"/>
               <a:ext cx="49651" cy="49651"/>
             </a:xfrm>
             <a:prstGeom prst="ellipse">
@@ -4085,7 +3201,7 @@
           </p:nvSpPr>
           <p:spPr>
             <a:xfrm>
-              <a:off x="4479417" y="4743990"/>
+              <a:off x="4475951" y="4745360"/>
               <a:ext cx="49651" cy="49651"/>
             </a:xfrm>
             <a:prstGeom prst="ellipse">
@@ -4120,7 +3236,7 @@
           </p:nvSpPr>
           <p:spPr>
             <a:xfrm>
-              <a:off x="4099828" y="3903382"/>
+              <a:off x="4096571" y="3904380"/>
               <a:ext cx="49651" cy="49651"/>
             </a:xfrm>
             <a:prstGeom prst="ellipse">
@@ -4155,7 +3271,7 @@
           </p:nvSpPr>
           <p:spPr>
             <a:xfrm>
-              <a:off x="3367762" y="3692056"/>
+              <a:off x="3364910" y="3692960"/>
               <a:ext cx="49651" cy="49651"/>
             </a:xfrm>
             <a:prstGeom prst="ellipse">
@@ -4190,7 +3306,7 @@
           </p:nvSpPr>
           <p:spPr>
             <a:xfrm>
-              <a:off x="3205081" y="3673271"/>
+              <a:off x="3202318" y="3674168"/>
               <a:ext cx="49651" cy="49651"/>
             </a:xfrm>
             <a:prstGeom prst="ellipse">
@@ -4225,7 +3341,7 @@
           </p:nvSpPr>
           <p:spPr>
             <a:xfrm>
-              <a:off x="2174767" y="3569956"/>
+              <a:off x="2172573" y="3570807"/>
               <a:ext cx="49651" cy="49651"/>
             </a:xfrm>
             <a:prstGeom prst="ellipse">
@@ -4260,7 +3376,7 @@
           </p:nvSpPr>
           <p:spPr>
             <a:xfrm>
-              <a:off x="4913234" y="3926862"/>
+              <a:off x="4909529" y="3927871"/>
               <a:ext cx="49651" cy="49651"/>
             </a:xfrm>
             <a:prstGeom prst="ellipse">
@@ -4295,7 +3411,7 @@
           </p:nvSpPr>
           <p:spPr>
             <a:xfrm>
-              <a:off x="4479417" y="3964432"/>
+              <a:off x="4475951" y="3965457"/>
               <a:ext cx="49651" cy="49651"/>
             </a:xfrm>
             <a:prstGeom prst="ellipse">
@@ -4330,7 +3446,7 @@
           </p:nvSpPr>
           <p:spPr>
             <a:xfrm>
-              <a:off x="3503330" y="3692056"/>
+              <a:off x="3500403" y="3692960"/>
               <a:ext cx="49651" cy="49651"/>
             </a:xfrm>
             <a:prstGeom prst="ellipse">
@@ -4365,7 +3481,7 @@
           </p:nvSpPr>
           <p:spPr>
             <a:xfrm>
-              <a:off x="3123740" y="3692056"/>
+              <a:off x="3121023" y="3692960"/>
               <a:ext cx="49651" cy="49651"/>
             </a:xfrm>
             <a:prstGeom prst="ellipse">
@@ -4400,7 +3516,7 @@
           </p:nvSpPr>
           <p:spPr>
             <a:xfrm>
-              <a:off x="2744151" y="3100342"/>
+              <a:off x="2741643" y="3100986"/>
               <a:ext cx="49651" cy="49651"/>
             </a:xfrm>
             <a:prstGeom prst="ellipse">
@@ -4435,7 +3551,7 @@
           </p:nvSpPr>
           <p:spPr>
             <a:xfrm>
-              <a:off x="2988173" y="3419680"/>
+              <a:off x="2985530" y="3420464"/>
               <a:ext cx="49651" cy="49651"/>
             </a:xfrm>
             <a:prstGeom prst="ellipse">
@@ -4470,7 +3586,7 @@
           </p:nvSpPr>
           <p:spPr>
             <a:xfrm>
-              <a:off x="2418788" y="3372718"/>
+              <a:off x="2416460" y="3373482"/>
               <a:ext cx="49651" cy="49651"/>
             </a:xfrm>
             <a:prstGeom prst="ellipse">
@@ -4505,7 +3621,7 @@
           </p:nvSpPr>
           <p:spPr>
             <a:xfrm>
-              <a:off x="1117339" y="1992054"/>
+              <a:off x="1115728" y="1992207"/>
               <a:ext cx="49651" cy="49651"/>
             </a:xfrm>
             <a:prstGeom prst="ellipse">
@@ -4540,7 +3656,7 @@
           </p:nvSpPr>
           <p:spPr>
             <a:xfrm>
-              <a:off x="1117339" y="1828629"/>
+              <a:off x="1115728" y="1828710"/>
               <a:ext cx="49651" cy="49651"/>
             </a:xfrm>
             <a:prstGeom prst="ellipse">
@@ -4575,7 +3691,7 @@
           </p:nvSpPr>
           <p:spPr>
             <a:xfrm>
-              <a:off x="2283221" y="1902827"/>
+              <a:off x="2280967" y="1902941"/>
               <a:ext cx="49651" cy="49651"/>
             </a:xfrm>
             <a:prstGeom prst="ellipse">
@@ -4610,7 +3726,7 @@
           </p:nvSpPr>
           <p:spPr>
             <a:xfrm>
-              <a:off x="7082317" y="4856698"/>
+              <a:off x="7077415" y="4858117"/>
               <a:ext cx="49651" cy="49651"/>
             </a:xfrm>
             <a:prstGeom prst="ellipse">
@@ -4645,7 +3761,7 @@
           </p:nvSpPr>
           <p:spPr>
             <a:xfrm>
-              <a:off x="6540046" y="5406146"/>
+              <a:off x="6535443" y="5407808"/>
               <a:ext cx="49651" cy="49651"/>
             </a:xfrm>
             <a:prstGeom prst="ellipse">
@@ -4680,7 +3796,7 @@
           </p:nvSpPr>
           <p:spPr>
             <a:xfrm>
-              <a:off x="7489020" y="5199516"/>
+              <a:off x="7483893" y="5201087"/>
               <a:ext cx="49651" cy="49651"/>
             </a:xfrm>
             <a:prstGeom prst="ellipse">
@@ -4715,7 +3831,7 @@
           </p:nvSpPr>
           <p:spPr>
             <a:xfrm>
-              <a:off x="4126941" y="4607802"/>
+              <a:off x="4123670" y="4609112"/>
               <a:ext cx="49651" cy="49651"/>
             </a:xfrm>
             <a:prstGeom prst="ellipse">
@@ -4750,7 +3866,7 @@
           </p:nvSpPr>
           <p:spPr>
             <a:xfrm>
-              <a:off x="2500129" y="3616917"/>
+              <a:off x="2497756" y="3617789"/>
               <a:ext cx="49651" cy="49651"/>
             </a:xfrm>
             <a:prstGeom prst="ellipse">
@@ -4785,7 +3901,7 @@
           </p:nvSpPr>
           <p:spPr>
             <a:xfrm>
-              <a:off x="2418788" y="3696752"/>
+              <a:off x="2416460" y="3697659"/>
               <a:ext cx="49651" cy="49651"/>
             </a:xfrm>
             <a:prstGeom prst="ellipse">
@@ -4820,7 +3936,7 @@
           </p:nvSpPr>
           <p:spPr>
             <a:xfrm>
-              <a:off x="1903631" y="3316365"/>
+              <a:off x="1901587" y="3317103"/>
               <a:ext cx="49651" cy="49651"/>
             </a:xfrm>
             <a:prstGeom prst="ellipse">
@@ -4855,7 +3971,7 @@
           </p:nvSpPr>
           <p:spPr>
             <a:xfrm>
-              <a:off x="3503330" y="3311669"/>
+              <a:off x="3500403" y="3312405"/>
               <a:ext cx="49651" cy="49651"/>
             </a:xfrm>
             <a:prstGeom prst="ellipse">
@@ -4890,7 +4006,7 @@
           </p:nvSpPr>
           <p:spPr>
             <a:xfrm>
-              <a:off x="5699526" y="5105593"/>
+              <a:off x="5695387" y="5107122"/>
               <a:ext cx="49651" cy="49651"/>
             </a:xfrm>
             <a:prstGeom prst="ellipse">
@@ -4925,7 +4041,7 @@
           </p:nvSpPr>
           <p:spPr>
             <a:xfrm>
-              <a:off x="5347050" y="4913051"/>
+              <a:off x="5343106" y="4914496"/>
               <a:ext cx="49651" cy="49651"/>
             </a:xfrm>
             <a:prstGeom prst="ellipse">
@@ -4960,7 +4076,7 @@
           </p:nvSpPr>
           <p:spPr>
             <a:xfrm>
-              <a:off x="6540046" y="5501947"/>
+              <a:off x="6535443" y="5503652"/>
               <a:ext cx="49651" cy="49651"/>
             </a:xfrm>
             <a:prstGeom prst="ellipse">
@@ -4995,7 +4111,7 @@
           </p:nvSpPr>
           <p:spPr>
             <a:xfrm>
-              <a:off x="2581470" y="3945647"/>
+              <a:off x="2579051" y="3946664"/>
               <a:ext cx="49651" cy="49651"/>
             </a:xfrm>
             <a:prstGeom prst="ellipse">
@@ -5030,7 +4146,7 @@
           </p:nvSpPr>
           <p:spPr>
             <a:xfrm>
-              <a:off x="3638898" y="4321338"/>
+              <a:off x="3635896" y="4322521"/>
               <a:ext cx="49651" cy="49651"/>
             </a:xfrm>
             <a:prstGeom prst="ellipse">
@@ -5065,7 +4181,7 @@
           </p:nvSpPr>
           <p:spPr>
             <a:xfrm>
-              <a:off x="2364561" y="3569956"/>
+              <a:off x="2362263" y="3570807"/>
               <a:ext cx="49651" cy="49651"/>
             </a:xfrm>
             <a:prstGeom prst="ellipse">
@@ -5100,7 +4216,7 @@
           </p:nvSpPr>
           <p:spPr>
             <a:xfrm>
-              <a:off x="4099828" y="4311946"/>
+              <a:off x="4096571" y="4313124"/>
               <a:ext cx="49651" cy="49651"/>
             </a:xfrm>
             <a:prstGeom prst="ellipse">
@@ -5135,8 +4251,8 @@
           </p:nvSpPr>
           <p:spPr>
             <a:xfrm>
-              <a:off x="697382" y="5028094"/>
-              <a:ext cx="63568" cy="82153"/>
+              <a:off x="697382" y="5030490"/>
+              <a:ext cx="62133" cy="80367"/>
             </a:xfrm>
             <a:prstGeom prst="rect">
               <a:avLst/>
@@ -5181,8 +4297,8 @@
           </p:nvSpPr>
           <p:spPr>
             <a:xfrm>
-              <a:off x="697382" y="4087478"/>
-              <a:ext cx="63568" cy="83542"/>
+              <a:off x="697382" y="4089458"/>
+              <a:ext cx="62133" cy="81756"/>
             </a:xfrm>
             <a:prstGeom prst="rect">
               <a:avLst/>
@@ -5227,8 +4343,8 @@
           </p:nvSpPr>
           <p:spPr>
             <a:xfrm>
-              <a:off x="697382" y="3150036"/>
-              <a:ext cx="63568" cy="81756"/>
+              <a:off x="697382" y="3151601"/>
+              <a:ext cx="62133" cy="79970"/>
             </a:xfrm>
             <a:prstGeom prst="rect">
               <a:avLst/>
@@ -5273,8 +4389,8 @@
           </p:nvSpPr>
           <p:spPr>
             <a:xfrm>
-              <a:off x="697382" y="2210412"/>
-              <a:ext cx="63568" cy="82153"/>
+              <a:off x="697382" y="2211562"/>
+              <a:ext cx="62133" cy="80367"/>
             </a:xfrm>
             <a:prstGeom prst="rect">
               <a:avLst/>
@@ -5319,8 +4435,8 @@
           </p:nvSpPr>
           <p:spPr>
             <a:xfrm>
-              <a:off x="970142" y="5771283"/>
-              <a:ext cx="127136" cy="83542"/>
+              <a:off x="970026" y="5773069"/>
+              <a:ext cx="124267" cy="81756"/>
             </a:xfrm>
             <a:prstGeom prst="rect">
               <a:avLst/>
@@ -5365,8 +4481,8 @@
           </p:nvSpPr>
           <p:spPr>
             <a:xfrm>
-              <a:off x="2325819" y="5771283"/>
-              <a:ext cx="127136" cy="83542"/>
+              <a:off x="2324955" y="5773069"/>
+              <a:ext cx="124267" cy="81756"/>
             </a:xfrm>
             <a:prstGeom prst="rect">
               <a:avLst/>
@@ -5411,8 +4527,8 @@
           </p:nvSpPr>
           <p:spPr>
             <a:xfrm>
-              <a:off x="3681496" y="5771283"/>
-              <a:ext cx="127136" cy="83542"/>
+              <a:off x="3679884" y="5773069"/>
+              <a:ext cx="124267" cy="81756"/>
             </a:xfrm>
             <a:prstGeom prst="rect">
               <a:avLst/>
@@ -5457,8 +4573,8 @@
           </p:nvSpPr>
           <p:spPr>
             <a:xfrm>
-              <a:off x="5037173" y="5771283"/>
-              <a:ext cx="127136" cy="83542"/>
+              <a:off x="5034812" y="5773069"/>
+              <a:ext cx="124267" cy="81756"/>
             </a:xfrm>
             <a:prstGeom prst="rect">
               <a:avLst/>
@@ -5503,8 +4619,8 @@
           </p:nvSpPr>
           <p:spPr>
             <a:xfrm>
-              <a:off x="6392849" y="5771283"/>
-              <a:ext cx="127136" cy="83542"/>
+              <a:off x="6389741" y="5773069"/>
+              <a:ext cx="124267" cy="81756"/>
             </a:xfrm>
             <a:prstGeom prst="rect">
               <a:avLst/>
@@ -5549,8 +4665,8 @@
           </p:nvSpPr>
           <p:spPr>
             <a:xfrm>
-              <a:off x="7748526" y="5771283"/>
-              <a:ext cx="127136" cy="83542"/>
+              <a:off x="7744670" y="5773069"/>
+              <a:ext cx="124267" cy="81756"/>
             </a:xfrm>
             <a:prstGeom prst="rect">
               <a:avLst/>
@@ -5595,7 +4711,7 @@
           </p:nvSpPr>
           <p:spPr>
             <a:xfrm>
-              <a:off x="4192125" y="5921041"/>
+              <a:off x="4188757" y="5921041"/>
               <a:ext cx="271760" cy="103385"/>
             </a:xfrm>
             <a:prstGeom prst="rect">
@@ -5641,7 +4757,7 @@
           </p:nvSpPr>
           <p:spPr>
             <a:xfrm rot="-5400000">
-              <a:off x="507540" y="3640703"/>
+              <a:off x="507540" y="3641596"/>
               <a:ext cx="139700" cy="98821"/>
             </a:xfrm>
             <a:prstGeom prst="rect">
@@ -5693,7 +4809,7 @@
           </p:blipFill>
           <p:spPr>
             <a:xfrm>
-              <a:off x="8048430" y="3218912"/>
+              <a:off x="8043127" y="3240147"/>
               <a:ext cx="219455" cy="1097280"/>
             </a:xfrm>
             <a:prstGeom prst="rect">
@@ -5709,8 +4825,8 @@
           </p:nvSpPr>
           <p:spPr>
             <a:xfrm>
-              <a:off x="8322750" y="4180945"/>
-              <a:ext cx="222460" cy="83542"/>
+              <a:off x="8327770" y="4203073"/>
+              <a:ext cx="217440" cy="81756"/>
             </a:xfrm>
             <a:prstGeom prst="rect">
               <a:avLst/>
@@ -5755,8 +4871,8 @@
           </p:nvSpPr>
           <p:spPr>
             <a:xfrm>
-              <a:off x="8322750" y="3855190"/>
-              <a:ext cx="222460" cy="83542"/>
+              <a:off x="8327770" y="3877318"/>
+              <a:ext cx="217440" cy="81756"/>
             </a:xfrm>
             <a:prstGeom prst="rect">
               <a:avLst/>
@@ -5801,8 +4917,8 @@
           </p:nvSpPr>
           <p:spPr>
             <a:xfrm>
-              <a:off x="8322750" y="3529435"/>
-              <a:ext cx="222460" cy="83542"/>
+              <a:off x="8327770" y="3551563"/>
+              <a:ext cx="217440" cy="81756"/>
             </a:xfrm>
             <a:prstGeom prst="rect">
               <a:avLst/>
@@ -5847,8 +4963,8 @@
           </p:nvSpPr>
           <p:spPr>
             <a:xfrm>
-              <a:off x="8322750" y="3203680"/>
-              <a:ext cx="222460" cy="83542"/>
+              <a:off x="8327770" y="3225808"/>
+              <a:ext cx="217440" cy="81756"/>
             </a:xfrm>
             <a:prstGeom prst="rect">
               <a:avLst/>
@@ -5893,7 +5009,7 @@
           </p:nvSpPr>
           <p:spPr>
             <a:xfrm>
-              <a:off x="8048430" y="3062249"/>
+              <a:off x="8043127" y="3057981"/>
               <a:ext cx="295088" cy="101798"/>
             </a:xfrm>
             <a:prstGeom prst="rect">
@@ -5939,7 +5055,7 @@
           </p:nvSpPr>
           <p:spPr>
             <a:xfrm>
-              <a:off x="8048430" y="4223609"/>
+              <a:off x="8043127" y="4244844"/>
               <a:ext cx="43891" cy="0"/>
             </a:xfrm>
             <a:custGeom>
@@ -5979,7 +5095,7 @@
           </p:nvSpPr>
           <p:spPr>
             <a:xfrm>
-              <a:off x="8048430" y="3897854"/>
+              <a:off x="8043127" y="3919089"/>
               <a:ext cx="43891" cy="0"/>
             </a:xfrm>
             <a:custGeom>
@@ -6019,7 +5135,7 @@
           </p:nvSpPr>
           <p:spPr>
             <a:xfrm>
-              <a:off x="8048430" y="3572099"/>
+              <a:off x="8043127" y="3593334"/>
               <a:ext cx="43891" cy="0"/>
             </a:xfrm>
             <a:custGeom>
@@ -6059,7 +5175,7 @@
           </p:nvSpPr>
           <p:spPr>
             <a:xfrm>
-              <a:off x="8048430" y="3246344"/>
+              <a:off x="8043127" y="3267579"/>
               <a:ext cx="43891" cy="0"/>
             </a:xfrm>
             <a:custGeom>
@@ -6099,7 +5215,7 @@
           </p:nvSpPr>
           <p:spPr>
             <a:xfrm>
-              <a:off x="8223994" y="4223609"/>
+              <a:off x="8218692" y="4244844"/>
               <a:ext cx="43891" cy="0"/>
             </a:xfrm>
             <a:custGeom>
@@ -6139,7 +5255,7 @@
           </p:nvSpPr>
           <p:spPr>
             <a:xfrm>
-              <a:off x="8223994" y="3897854"/>
+              <a:off x="8218692" y="3919089"/>
               <a:ext cx="43891" cy="0"/>
             </a:xfrm>
             <a:custGeom>
@@ -6179,7 +5295,7 @@
           </p:nvSpPr>
           <p:spPr>
             <a:xfrm>
-              <a:off x="8223994" y="3572099"/>
+              <a:off x="8218692" y="3593334"/>
               <a:ext cx="43891" cy="0"/>
             </a:xfrm>
             <a:custGeom>
@@ -6219,7 +5335,7 @@
           </p:nvSpPr>
           <p:spPr>
             <a:xfrm>
-              <a:off x="8223994" y="3246344"/>
+              <a:off x="8218692" y="3267579"/>
               <a:ext cx="43891" cy="0"/>
             </a:xfrm>
             <a:custGeom>

--- a/docs/articles/assets/graphics/demo_rvg.pptx
+++ b/docs/articles/assets/graphics/demo_rvg.pptx
@@ -2199,7 +2199,7 @@
 
 <file path=ppt/slides/slide1.xml><?xml version="1.0" encoding="utf-8"?>
 <p:sld xmlns:a="http://schemas.openxmlformats.org/drawingml/2006/main" xmlns:r="http://schemas.openxmlformats.org/officeDocument/2006/relationships" xmlns:p="http://schemas.openxmlformats.org/presentationml/2006/main">
-  <p:cSld name="Title and Content">
+  <p:cSld>
     <p:spTree>
       <p:nvGrpSpPr>
         <p:cNvPr id="1" name=""/>
@@ -2271,21 +2271,21 @@
           </p:nvSpPr>
           <p:spPr>
             <a:xfrm>
-              <a:off x="822146" y="5540693"/>
-              <a:ext cx="7004981" cy="0"/>
+              <a:off x="822205" y="5540747"/>
+              <a:ext cx="7004888" cy="0"/>
             </a:xfrm>
             <a:custGeom>
               <a:avLst/>
               <a:pathLst>
-                <a:path w="7004981" h="0">
+                <a:path w="7004888" h="0">
                   <a:moveTo>
                     <a:pt x="0" y="0"/>
                   </a:moveTo>
                   <a:lnTo>
-                    <a:pt x="7004981" y="0"/>
+                    <a:pt x="7004888" y="0"/>
                   </a:lnTo>
                   <a:lnTo>
-                    <a:pt x="7004981" y="0"/>
+                    <a:pt x="7004888" y="0"/>
                   </a:lnTo>
                 </a:path>
               </a:pathLst>
@@ -2314,21 +2314,21 @@
           </p:nvSpPr>
           <p:spPr>
             <a:xfrm>
-              <a:off x="822146" y="4601050"/>
-              <a:ext cx="7004981" cy="0"/>
+              <a:off x="822205" y="4601092"/>
+              <a:ext cx="7004888" cy="0"/>
             </a:xfrm>
             <a:custGeom>
               <a:avLst/>
               <a:pathLst>
-                <a:path w="7004981" h="0">
+                <a:path w="7004888" h="0">
                   <a:moveTo>
                     <a:pt x="0" y="0"/>
                   </a:moveTo>
                   <a:lnTo>
-                    <a:pt x="7004981" y="0"/>
+                    <a:pt x="7004888" y="0"/>
                   </a:lnTo>
                   <a:lnTo>
-                    <a:pt x="7004981" y="0"/>
+                    <a:pt x="7004888" y="0"/>
                   </a:lnTo>
                 </a:path>
               </a:pathLst>
@@ -2357,21 +2357,21 @@
           </p:nvSpPr>
           <p:spPr>
             <a:xfrm>
-              <a:off x="822146" y="3661408"/>
-              <a:ext cx="7004981" cy="0"/>
+              <a:off x="822205" y="3661436"/>
+              <a:ext cx="7004888" cy="0"/>
             </a:xfrm>
             <a:custGeom>
               <a:avLst/>
               <a:pathLst>
-                <a:path w="7004981" h="0">
+                <a:path w="7004888" h="0">
                   <a:moveTo>
                     <a:pt x="0" y="0"/>
                   </a:moveTo>
                   <a:lnTo>
-                    <a:pt x="7004981" y="0"/>
+                    <a:pt x="7004888" y="0"/>
                   </a:lnTo>
                   <a:lnTo>
-                    <a:pt x="7004981" y="0"/>
+                    <a:pt x="7004888" y="0"/>
                   </a:lnTo>
                 </a:path>
               </a:pathLst>
@@ -2400,21 +2400,21 @@
           </p:nvSpPr>
           <p:spPr>
             <a:xfrm>
-              <a:off x="822146" y="2721765"/>
-              <a:ext cx="7004981" cy="0"/>
+              <a:off x="822205" y="2721780"/>
+              <a:ext cx="7004888" cy="0"/>
             </a:xfrm>
             <a:custGeom>
               <a:avLst/>
               <a:pathLst>
-                <a:path w="7004981" h="0">
+                <a:path w="7004888" h="0">
                   <a:moveTo>
                     <a:pt x="0" y="0"/>
                   </a:moveTo>
                   <a:lnTo>
-                    <a:pt x="7004981" y="0"/>
+                    <a:pt x="7004888" y="0"/>
                   </a:lnTo>
                   <a:lnTo>
-                    <a:pt x="7004981" y="0"/>
+                    <a:pt x="7004888" y="0"/>
                   </a:lnTo>
                 </a:path>
               </a:pathLst>
@@ -2443,21 +2443,21 @@
           </p:nvSpPr>
           <p:spPr>
             <a:xfrm>
-              <a:off x="822146" y="1782123"/>
-              <a:ext cx="7004981" cy="0"/>
+              <a:off x="822205" y="1782124"/>
+              <a:ext cx="7004888" cy="0"/>
             </a:xfrm>
             <a:custGeom>
               <a:avLst/>
               <a:pathLst>
-                <a:path w="7004981" h="0">
+                <a:path w="7004888" h="0">
                   <a:moveTo>
                     <a:pt x="0" y="0"/>
                   </a:moveTo>
                   <a:lnTo>
-                    <a:pt x="7004981" y="0"/>
+                    <a:pt x="7004888" y="0"/>
                   </a:lnTo>
                   <a:lnTo>
-                    <a:pt x="7004981" y="0"/>
+                    <a:pt x="7004888" y="0"/>
                   </a:lnTo>
                 </a:path>
               </a:pathLst>
@@ -2486,15 +2486,15 @@
           </p:nvSpPr>
           <p:spPr>
             <a:xfrm>
-              <a:off x="1709624" y="1669789"/>
-              <a:ext cx="0" cy="4042436"/>
+              <a:off x="1709672" y="1669789"/>
+              <a:ext cx="0" cy="4042493"/>
             </a:xfrm>
             <a:custGeom>
               <a:avLst/>
               <a:pathLst>
-                <a:path w="0" h="4042436">
+                <a:path w="0" h="4042493">
                   <a:moveTo>
-                    <a:pt x="0" y="4042436"/>
+                    <a:pt x="0" y="4042493"/>
                   </a:moveTo>
                   <a:lnTo>
                     <a:pt x="0" y="0"/>
@@ -2529,15 +2529,15 @@
           </p:nvSpPr>
           <p:spPr>
             <a:xfrm>
-              <a:off x="3064553" y="1669789"/>
-              <a:ext cx="0" cy="4042436"/>
+              <a:off x="3064583" y="1669789"/>
+              <a:ext cx="0" cy="4042493"/>
             </a:xfrm>
             <a:custGeom>
               <a:avLst/>
               <a:pathLst>
-                <a:path w="0" h="4042436">
+                <a:path w="0" h="4042493">
                   <a:moveTo>
-                    <a:pt x="0" y="4042436"/>
+                    <a:pt x="0" y="4042493"/>
                   </a:moveTo>
                   <a:lnTo>
                     <a:pt x="0" y="0"/>
@@ -2572,15 +2572,15 @@
           </p:nvSpPr>
           <p:spPr>
             <a:xfrm>
-              <a:off x="4419482" y="1669789"/>
-              <a:ext cx="0" cy="4042436"/>
+              <a:off x="4419493" y="1669789"/>
+              <a:ext cx="0" cy="4042493"/>
             </a:xfrm>
             <a:custGeom>
               <a:avLst/>
               <a:pathLst>
-                <a:path w="0" h="4042436">
+                <a:path w="0" h="4042493">
                   <a:moveTo>
-                    <a:pt x="0" y="4042436"/>
+                    <a:pt x="0" y="4042493"/>
                   </a:moveTo>
                   <a:lnTo>
                     <a:pt x="0" y="0"/>
@@ -2615,15 +2615,15 @@
           </p:nvSpPr>
           <p:spPr>
             <a:xfrm>
-              <a:off x="5774410" y="1669789"/>
-              <a:ext cx="0" cy="4042436"/>
+              <a:off x="5774404" y="1669789"/>
+              <a:ext cx="0" cy="4042493"/>
             </a:xfrm>
             <a:custGeom>
               <a:avLst/>
               <a:pathLst>
-                <a:path w="0" h="4042436">
+                <a:path w="0" h="4042493">
                   <a:moveTo>
-                    <a:pt x="0" y="4042436"/>
+                    <a:pt x="0" y="4042493"/>
                   </a:moveTo>
                   <a:lnTo>
                     <a:pt x="0" y="0"/>
@@ -2658,15 +2658,15 @@
           </p:nvSpPr>
           <p:spPr>
             <a:xfrm>
-              <a:off x="7129339" y="1669789"/>
-              <a:ext cx="0" cy="4042436"/>
+              <a:off x="7129315" y="1669789"/>
+              <a:ext cx="0" cy="4042493"/>
             </a:xfrm>
             <a:custGeom>
               <a:avLst/>
               <a:pathLst>
-                <a:path w="0" h="4042436">
+                <a:path w="0" h="4042493">
                   <a:moveTo>
-                    <a:pt x="0" y="4042436"/>
+                    <a:pt x="0" y="4042493"/>
                   </a:moveTo>
                   <a:lnTo>
                     <a:pt x="0" y="0"/>
@@ -2701,21 +2701,21 @@
           </p:nvSpPr>
           <p:spPr>
             <a:xfrm>
-              <a:off x="822146" y="5070872"/>
-              <a:ext cx="7004981" cy="0"/>
+              <a:off x="822205" y="5070920"/>
+              <a:ext cx="7004888" cy="0"/>
             </a:xfrm>
             <a:custGeom>
               <a:avLst/>
               <a:pathLst>
-                <a:path w="7004981" h="0">
+                <a:path w="7004888" h="0">
                   <a:moveTo>
                     <a:pt x="0" y="0"/>
                   </a:moveTo>
                   <a:lnTo>
-                    <a:pt x="7004981" y="0"/>
+                    <a:pt x="7004888" y="0"/>
                   </a:lnTo>
                   <a:lnTo>
-                    <a:pt x="7004981" y="0"/>
+                    <a:pt x="7004888" y="0"/>
                   </a:lnTo>
                 </a:path>
               </a:pathLst>
@@ -2744,21 +2744,21 @@
           </p:nvSpPr>
           <p:spPr>
             <a:xfrm>
-              <a:off x="822146" y="4131229"/>
-              <a:ext cx="7004981" cy="0"/>
+              <a:off x="822205" y="4131264"/>
+              <a:ext cx="7004888" cy="0"/>
             </a:xfrm>
             <a:custGeom>
               <a:avLst/>
               <a:pathLst>
-                <a:path w="7004981" h="0">
+                <a:path w="7004888" h="0">
                   <a:moveTo>
                     <a:pt x="0" y="0"/>
                   </a:moveTo>
                   <a:lnTo>
-                    <a:pt x="7004981" y="0"/>
+                    <a:pt x="7004888" y="0"/>
                   </a:lnTo>
                   <a:lnTo>
-                    <a:pt x="7004981" y="0"/>
+                    <a:pt x="7004888" y="0"/>
                   </a:lnTo>
                 </a:path>
               </a:pathLst>
@@ -2787,21 +2787,21 @@
           </p:nvSpPr>
           <p:spPr>
             <a:xfrm>
-              <a:off x="822146" y="3191587"/>
-              <a:ext cx="7004981" cy="0"/>
+              <a:off x="822205" y="3191608"/>
+              <a:ext cx="7004888" cy="0"/>
             </a:xfrm>
             <a:custGeom>
               <a:avLst/>
               <a:pathLst>
-                <a:path w="7004981" h="0">
+                <a:path w="7004888" h="0">
                   <a:moveTo>
                     <a:pt x="0" y="0"/>
                   </a:moveTo>
                   <a:lnTo>
-                    <a:pt x="7004981" y="0"/>
+                    <a:pt x="7004888" y="0"/>
                   </a:lnTo>
                   <a:lnTo>
-                    <a:pt x="7004981" y="0"/>
+                    <a:pt x="7004888" y="0"/>
                   </a:lnTo>
                 </a:path>
               </a:pathLst>
@@ -2830,21 +2830,21 @@
           </p:nvSpPr>
           <p:spPr>
             <a:xfrm>
-              <a:off x="822146" y="2251944"/>
-              <a:ext cx="7004981" cy="0"/>
+              <a:off x="822205" y="2251952"/>
+              <a:ext cx="7004888" cy="0"/>
             </a:xfrm>
             <a:custGeom>
               <a:avLst/>
               <a:pathLst>
-                <a:path w="7004981" h="0">
+                <a:path w="7004888" h="0">
                   <a:moveTo>
                     <a:pt x="0" y="0"/>
                   </a:moveTo>
                   <a:lnTo>
-                    <a:pt x="7004981" y="0"/>
+                    <a:pt x="7004888" y="0"/>
                   </a:lnTo>
                   <a:lnTo>
-                    <a:pt x="7004981" y="0"/>
+                    <a:pt x="7004888" y="0"/>
                   </a:lnTo>
                 </a:path>
               </a:pathLst>
@@ -2873,15 +2873,15 @@
           </p:nvSpPr>
           <p:spPr>
             <a:xfrm>
-              <a:off x="1032160" y="1669789"/>
-              <a:ext cx="0" cy="4042436"/>
+              <a:off x="1032216" y="1669789"/>
+              <a:ext cx="0" cy="4042493"/>
             </a:xfrm>
             <a:custGeom>
               <a:avLst/>
               <a:pathLst>
-                <a:path w="0" h="4042436">
+                <a:path w="0" h="4042493">
                   <a:moveTo>
-                    <a:pt x="0" y="4042436"/>
+                    <a:pt x="0" y="4042493"/>
                   </a:moveTo>
                   <a:lnTo>
                     <a:pt x="0" y="0"/>
@@ -2916,15 +2916,15 @@
           </p:nvSpPr>
           <p:spPr>
             <a:xfrm>
-              <a:off x="2387089" y="1669789"/>
-              <a:ext cx="0" cy="4042436"/>
+              <a:off x="2387127" y="1669789"/>
+              <a:ext cx="0" cy="4042493"/>
             </a:xfrm>
             <a:custGeom>
               <a:avLst/>
               <a:pathLst>
-                <a:path w="0" h="4042436">
+                <a:path w="0" h="4042493">
                   <a:moveTo>
-                    <a:pt x="0" y="4042436"/>
+                    <a:pt x="0" y="4042493"/>
                   </a:moveTo>
                   <a:lnTo>
                     <a:pt x="0" y="0"/>
@@ -2959,15 +2959,15 @@
           </p:nvSpPr>
           <p:spPr>
             <a:xfrm>
-              <a:off x="3742017" y="1669789"/>
-              <a:ext cx="0" cy="4042436"/>
+              <a:off x="3742038" y="1669789"/>
+              <a:ext cx="0" cy="4042493"/>
             </a:xfrm>
             <a:custGeom>
               <a:avLst/>
               <a:pathLst>
-                <a:path w="0" h="4042436">
+                <a:path w="0" h="4042493">
                   <a:moveTo>
-                    <a:pt x="0" y="4042436"/>
+                    <a:pt x="0" y="4042493"/>
                   </a:moveTo>
                   <a:lnTo>
                     <a:pt x="0" y="0"/>
@@ -3002,15 +3002,15 @@
           </p:nvSpPr>
           <p:spPr>
             <a:xfrm>
-              <a:off x="5096946" y="1669789"/>
-              <a:ext cx="0" cy="4042436"/>
+              <a:off x="5096949" y="1669789"/>
+              <a:ext cx="0" cy="4042493"/>
             </a:xfrm>
             <a:custGeom>
               <a:avLst/>
               <a:pathLst>
-                <a:path w="0" h="4042436">
+                <a:path w="0" h="4042493">
                   <a:moveTo>
-                    <a:pt x="0" y="4042436"/>
+                    <a:pt x="0" y="4042493"/>
                   </a:moveTo>
                   <a:lnTo>
                     <a:pt x="0" y="0"/>
@@ -3045,15 +3045,15 @@
           </p:nvSpPr>
           <p:spPr>
             <a:xfrm>
-              <a:off x="6451875" y="1669789"/>
-              <a:ext cx="0" cy="4042436"/>
+              <a:off x="6451859" y="1669789"/>
+              <a:ext cx="0" cy="4042493"/>
             </a:xfrm>
             <a:custGeom>
               <a:avLst/>
               <a:pathLst>
-                <a:path w="0" h="4042436">
+                <a:path w="0" h="4042493">
                   <a:moveTo>
-                    <a:pt x="0" y="4042436"/>
+                    <a:pt x="0" y="4042493"/>
                   </a:moveTo>
                   <a:lnTo>
                     <a:pt x="0" y="0"/>
@@ -3088,15 +3088,15 @@
           </p:nvSpPr>
           <p:spPr>
             <a:xfrm>
-              <a:off x="7806803" y="1669789"/>
-              <a:ext cx="0" cy="4042436"/>
+              <a:off x="7806770" y="1669789"/>
+              <a:ext cx="0" cy="4042493"/>
             </a:xfrm>
             <a:custGeom>
               <a:avLst/>
               <a:pathLst>
-                <a:path w="0" h="4042436">
+                <a:path w="0" h="4042493">
                   <a:moveTo>
-                    <a:pt x="0" y="4042436"/>
+                    <a:pt x="0" y="4042493"/>
                   </a:moveTo>
                   <a:lnTo>
                     <a:pt x="0" y="0"/>
@@ -3131,7 +3131,7 @@
           </p:nvSpPr>
           <p:spPr>
             <a:xfrm>
-              <a:off x="3988177" y="4463467"/>
+              <a:off x="3988194" y="4463507"/>
               <a:ext cx="49651" cy="49651"/>
             </a:xfrm>
             <a:prstGeom prst="ellipse">
@@ -3166,7 +3166,7 @@
           </p:nvSpPr>
           <p:spPr>
             <a:xfrm>
-              <a:off x="3988177" y="4223858"/>
+              <a:off x="3988194" y="4223895"/>
               <a:ext cx="49651" cy="49651"/>
             </a:xfrm>
             <a:prstGeom prst="ellipse">
@@ -3201,7 +3201,7 @@
           </p:nvSpPr>
           <p:spPr>
             <a:xfrm>
-              <a:off x="4475951" y="4745360"/>
+              <a:off x="4475962" y="4745404"/>
               <a:ext cx="49651" cy="49651"/>
             </a:xfrm>
             <a:prstGeom prst="ellipse">
@@ -3236,7 +3236,7 @@
           </p:nvSpPr>
           <p:spPr>
             <a:xfrm>
-              <a:off x="4096571" y="3904380"/>
+              <a:off x="4096587" y="3904412"/>
               <a:ext cx="49651" cy="49651"/>
             </a:xfrm>
             <a:prstGeom prst="ellipse">
@@ -3271,7 +3271,7 @@
           </p:nvSpPr>
           <p:spPr>
             <a:xfrm>
-              <a:off x="3364910" y="3692960"/>
+              <a:off x="3364935" y="3692989"/>
               <a:ext cx="49651" cy="49651"/>
             </a:xfrm>
             <a:prstGeom prst="ellipse">
@@ -3306,7 +3306,7 @@
           </p:nvSpPr>
           <p:spPr>
             <a:xfrm>
-              <a:off x="3202318" y="3674168"/>
+              <a:off x="3202346" y="3674196"/>
               <a:ext cx="49651" cy="49651"/>
             </a:xfrm>
             <a:prstGeom prst="ellipse">
@@ -3341,7 +3341,7 @@
           </p:nvSpPr>
           <p:spPr>
             <a:xfrm>
-              <a:off x="2172573" y="3570807"/>
+              <a:off x="2172614" y="3570834"/>
               <a:ext cx="49651" cy="49651"/>
             </a:xfrm>
             <a:prstGeom prst="ellipse">
@@ -3376,7 +3376,7 @@
           </p:nvSpPr>
           <p:spPr>
             <a:xfrm>
-              <a:off x="4909529" y="3927871"/>
+              <a:off x="4909533" y="3927903"/>
               <a:ext cx="49651" cy="49651"/>
             </a:xfrm>
             <a:prstGeom prst="ellipse">
@@ -3411,7 +3411,7 @@
           </p:nvSpPr>
           <p:spPr>
             <a:xfrm>
-              <a:off x="4475951" y="3965457"/>
+              <a:off x="4475962" y="3965490"/>
               <a:ext cx="49651" cy="49651"/>
             </a:xfrm>
             <a:prstGeom prst="ellipse">
@@ -3446,7 +3446,7 @@
           </p:nvSpPr>
           <p:spPr>
             <a:xfrm>
-              <a:off x="3500403" y="3692960"/>
+              <a:off x="3500426" y="3692989"/>
               <a:ext cx="49651" cy="49651"/>
             </a:xfrm>
             <a:prstGeom prst="ellipse">
@@ -3481,7 +3481,7 @@
           </p:nvSpPr>
           <p:spPr>
             <a:xfrm>
-              <a:off x="3121023" y="3692960"/>
+              <a:off x="3121051" y="3692989"/>
               <a:ext cx="49651" cy="49651"/>
             </a:xfrm>
             <a:prstGeom prst="ellipse">
@@ -3516,7 +3516,7 @@
           </p:nvSpPr>
           <p:spPr>
             <a:xfrm>
-              <a:off x="2741643" y="3100986"/>
+              <a:off x="2741676" y="3101006"/>
               <a:ext cx="49651" cy="49651"/>
             </a:xfrm>
             <a:prstGeom prst="ellipse">
@@ -3551,7 +3551,7 @@
           </p:nvSpPr>
           <p:spPr>
             <a:xfrm>
-              <a:off x="2985530" y="3420464"/>
+              <a:off x="2985560" y="3420489"/>
               <a:ext cx="49651" cy="49651"/>
             </a:xfrm>
             <a:prstGeom prst="ellipse">
@@ -3586,7 +3586,7 @@
           </p:nvSpPr>
           <p:spPr>
             <a:xfrm>
-              <a:off x="2416460" y="3373482"/>
+              <a:off x="2416498" y="3373506"/>
               <a:ext cx="49651" cy="49651"/>
             </a:xfrm>
             <a:prstGeom prst="ellipse">
@@ -3621,7 +3621,7 @@
           </p:nvSpPr>
           <p:spPr>
             <a:xfrm>
-              <a:off x="1115728" y="1992207"/>
+              <a:off x="1115783" y="1992212"/>
               <a:ext cx="49651" cy="49651"/>
             </a:xfrm>
             <a:prstGeom prst="ellipse">
@@ -3656,7 +3656,7 @@
           </p:nvSpPr>
           <p:spPr>
             <a:xfrm>
-              <a:off x="1115728" y="1828710"/>
+              <a:off x="1115783" y="1828712"/>
               <a:ext cx="49651" cy="49651"/>
             </a:xfrm>
             <a:prstGeom prst="ellipse">
@@ -3691,7 +3691,7 @@
           </p:nvSpPr>
           <p:spPr>
             <a:xfrm>
-              <a:off x="2280967" y="1902941"/>
+              <a:off x="2281007" y="1902945"/>
               <a:ext cx="49651" cy="49651"/>
             </a:xfrm>
             <a:prstGeom prst="ellipse">
@@ -3726,7 +3726,7 @@
           </p:nvSpPr>
           <p:spPr>
             <a:xfrm>
-              <a:off x="7077415" y="4858117"/>
+              <a:off x="7077391" y="4858163"/>
               <a:ext cx="49651" cy="49651"/>
             </a:xfrm>
             <a:prstGeom prst="ellipse">
@@ -3761,7 +3761,7 @@
           </p:nvSpPr>
           <p:spPr>
             <a:xfrm>
-              <a:off x="6535443" y="5407808"/>
+              <a:off x="6535426" y="5407861"/>
               <a:ext cx="49651" cy="49651"/>
             </a:xfrm>
             <a:prstGeom prst="ellipse">
@@ -3796,7 +3796,7 @@
           </p:nvSpPr>
           <p:spPr>
             <a:xfrm>
-              <a:off x="7483893" y="5201087"/>
+              <a:off x="7483864" y="5201137"/>
               <a:ext cx="49651" cy="49651"/>
             </a:xfrm>
             <a:prstGeom prst="ellipse">
@@ -3831,7 +3831,7 @@
           </p:nvSpPr>
           <p:spPr>
             <a:xfrm>
-              <a:off x="4123670" y="4609112"/>
+              <a:off x="4123685" y="4609154"/>
               <a:ext cx="49651" cy="49651"/>
             </a:xfrm>
             <a:prstGeom prst="ellipse">
@@ -3866,7 +3866,7 @@
           </p:nvSpPr>
           <p:spPr>
             <a:xfrm>
-              <a:off x="2497756" y="3617789"/>
+              <a:off x="2497792" y="3617817"/>
               <a:ext cx="49651" cy="49651"/>
             </a:xfrm>
             <a:prstGeom prst="ellipse">
@@ -3901,7 +3901,7 @@
           </p:nvSpPr>
           <p:spPr>
             <a:xfrm>
-              <a:off x="2416460" y="3697659"/>
+              <a:off x="2416498" y="3697688"/>
               <a:ext cx="49651" cy="49651"/>
             </a:xfrm>
             <a:prstGeom prst="ellipse">
@@ -3936,7 +3936,7 @@
           </p:nvSpPr>
           <p:spPr>
             <a:xfrm>
-              <a:off x="1901587" y="3317103"/>
+              <a:off x="1901632" y="3317127"/>
               <a:ext cx="49651" cy="49651"/>
             </a:xfrm>
             <a:prstGeom prst="ellipse">
@@ -3971,7 +3971,7 @@
           </p:nvSpPr>
           <p:spPr>
             <a:xfrm>
-              <a:off x="3500403" y="3312405"/>
+              <a:off x="3500426" y="3312429"/>
               <a:ext cx="49651" cy="49651"/>
             </a:xfrm>
             <a:prstGeom prst="ellipse">
@@ -4006,7 +4006,7 @@
           </p:nvSpPr>
           <p:spPr>
             <a:xfrm>
-              <a:off x="5695387" y="5107122"/>
+              <a:off x="5695382" y="5107171"/>
               <a:ext cx="49651" cy="49651"/>
             </a:xfrm>
             <a:prstGeom prst="ellipse">
@@ -4041,7 +4041,7 @@
           </p:nvSpPr>
           <p:spPr>
             <a:xfrm>
-              <a:off x="5343106" y="4914496"/>
+              <a:off x="5343105" y="4914542"/>
               <a:ext cx="49651" cy="49651"/>
             </a:xfrm>
             <a:prstGeom prst="ellipse">
@@ -4076,7 +4076,7 @@
           </p:nvSpPr>
           <p:spPr>
             <a:xfrm>
-              <a:off x="6535443" y="5503652"/>
+              <a:off x="6535426" y="5503706"/>
               <a:ext cx="49651" cy="49651"/>
             </a:xfrm>
             <a:prstGeom prst="ellipse">
@@ -4111,7 +4111,7 @@
           </p:nvSpPr>
           <p:spPr>
             <a:xfrm>
-              <a:off x="2579051" y="3946664"/>
+              <a:off x="2579087" y="3946696"/>
               <a:ext cx="49651" cy="49651"/>
             </a:xfrm>
             <a:prstGeom prst="ellipse">
@@ -4146,7 +4146,7 @@
           </p:nvSpPr>
           <p:spPr>
             <a:xfrm>
-              <a:off x="3635896" y="4322521"/>
+              <a:off x="3635917" y="4322559"/>
               <a:ext cx="49651" cy="49651"/>
             </a:xfrm>
             <a:prstGeom prst="ellipse">
@@ -4181,7 +4181,7 @@
           </p:nvSpPr>
           <p:spPr>
             <a:xfrm>
-              <a:off x="2362263" y="3570807"/>
+              <a:off x="2362301" y="3570834"/>
               <a:ext cx="49651" cy="49651"/>
             </a:xfrm>
             <a:prstGeom prst="ellipse">
@@ -4216,7 +4216,7 @@
           </p:nvSpPr>
           <p:spPr>
             <a:xfrm>
-              <a:off x="4096571" y="4313124"/>
+              <a:off x="4096587" y="4313162"/>
               <a:ext cx="49651" cy="49651"/>
             </a:xfrm>
             <a:prstGeom prst="ellipse">
@@ -4251,8 +4251,8 @@
           </p:nvSpPr>
           <p:spPr>
             <a:xfrm>
-              <a:off x="697382" y="5030490"/>
-              <a:ext cx="62133" cy="80367"/>
+              <a:off x="697419" y="5030592"/>
+              <a:ext cx="62155" cy="80327"/>
             </a:xfrm>
             <a:prstGeom prst="rect">
               <a:avLst/>
@@ -4297,8 +4297,8 @@
           </p:nvSpPr>
           <p:spPr>
             <a:xfrm>
-              <a:off x="697382" y="4089458"/>
-              <a:ext cx="62133" cy="81756"/>
+              <a:off x="697419" y="4089518"/>
+              <a:ext cx="62155" cy="81746"/>
             </a:xfrm>
             <a:prstGeom prst="rect">
               <a:avLst/>
@@ -4343,8 +4343,8 @@
           </p:nvSpPr>
           <p:spPr>
             <a:xfrm>
-              <a:off x="697382" y="3151601"/>
-              <a:ext cx="62133" cy="79970"/>
+              <a:off x="697419" y="3151608"/>
+              <a:ext cx="62155" cy="80000"/>
             </a:xfrm>
             <a:prstGeom prst="rect">
               <a:avLst/>
@@ -4389,8 +4389,8 @@
           </p:nvSpPr>
           <p:spPr>
             <a:xfrm>
-              <a:off x="697382" y="2211562"/>
-              <a:ext cx="62133" cy="80367"/>
+              <a:off x="697419" y="2211679"/>
+              <a:ext cx="62155" cy="80272"/>
             </a:xfrm>
             <a:prstGeom prst="rect">
               <a:avLst/>
@@ -4435,8 +4435,8 @@
           </p:nvSpPr>
           <p:spPr>
             <a:xfrm>
-              <a:off x="970026" y="5773069"/>
-              <a:ext cx="124267" cy="81756"/>
+              <a:off x="970061" y="5773220"/>
+              <a:ext cx="124311" cy="81691"/>
             </a:xfrm>
             <a:prstGeom prst="rect">
               <a:avLst/>
@@ -4481,8 +4481,8 @@
           </p:nvSpPr>
           <p:spPr>
             <a:xfrm>
-              <a:off x="2324955" y="5773069"/>
-              <a:ext cx="124267" cy="81756"/>
+              <a:off x="2324972" y="5773220"/>
+              <a:ext cx="124311" cy="81691"/>
             </a:xfrm>
             <a:prstGeom prst="rect">
               <a:avLst/>
@@ -4527,8 +4527,8 @@
           </p:nvSpPr>
           <p:spPr>
             <a:xfrm>
-              <a:off x="3679884" y="5773069"/>
-              <a:ext cx="124267" cy="81756"/>
+              <a:off x="3679882" y="5773220"/>
+              <a:ext cx="124311" cy="81691"/>
             </a:xfrm>
             <a:prstGeom prst="rect">
               <a:avLst/>
@@ -4573,8 +4573,8 @@
           </p:nvSpPr>
           <p:spPr>
             <a:xfrm>
-              <a:off x="5034812" y="5773069"/>
-              <a:ext cx="124267" cy="81756"/>
+              <a:off x="5034793" y="5773220"/>
+              <a:ext cx="124311" cy="81691"/>
             </a:xfrm>
             <a:prstGeom prst="rect">
               <a:avLst/>
@@ -4619,8 +4619,8 @@
           </p:nvSpPr>
           <p:spPr>
             <a:xfrm>
-              <a:off x="6389741" y="5773069"/>
-              <a:ext cx="124267" cy="81756"/>
+              <a:off x="6389704" y="5773166"/>
+              <a:ext cx="124311" cy="81746"/>
             </a:xfrm>
             <a:prstGeom prst="rect">
               <a:avLst/>
@@ -4665,8 +4665,8 @@
           </p:nvSpPr>
           <p:spPr>
             <a:xfrm>
-              <a:off x="7744670" y="5773069"/>
-              <a:ext cx="124267" cy="81756"/>
+              <a:off x="7744615" y="5773166"/>
+              <a:ext cx="124311" cy="81746"/>
             </a:xfrm>
             <a:prstGeom prst="rect">
               <a:avLst/>
@@ -4711,8 +4711,8 @@
           </p:nvSpPr>
           <p:spPr>
             <a:xfrm>
-              <a:off x="4188757" y="5921041"/>
-              <a:ext cx="271760" cy="103385"/>
+              <a:off x="4188769" y="5921022"/>
+              <a:ext cx="271760" cy="103478"/>
             </a:xfrm>
             <a:prstGeom prst="rect">
               <a:avLst/>
@@ -4757,8 +4757,8 @@
           </p:nvSpPr>
           <p:spPr>
             <a:xfrm rot="-5400000">
-              <a:off x="507540" y="3641596"/>
-              <a:ext cx="139700" cy="98821"/>
+              <a:off x="507587" y="3641683"/>
+              <a:ext cx="139700" cy="98704"/>
             </a:xfrm>
             <a:prstGeom prst="rect">
               <a:avLst/>
@@ -4809,7 +4809,7 @@
           </p:blipFill>
           <p:spPr>
             <a:xfrm>
-              <a:off x="8043127" y="3240147"/>
+              <a:off x="8043094" y="3240110"/>
               <a:ext cx="219455" cy="1097280"/>
             </a:xfrm>
             <a:prstGeom prst="rect">
@@ -4825,8 +4825,8 @@
           </p:nvSpPr>
           <p:spPr>
             <a:xfrm>
-              <a:off x="8327770" y="4203073"/>
-              <a:ext cx="217440" cy="81756"/>
+              <a:off x="8327693" y="4203115"/>
+              <a:ext cx="217517" cy="81691"/>
             </a:xfrm>
             <a:prstGeom prst="rect">
               <a:avLst/>
@@ -4871,8 +4871,8 @@
           </p:nvSpPr>
           <p:spPr>
             <a:xfrm>
-              <a:off x="8327770" y="3877318"/>
-              <a:ext cx="217440" cy="81756"/>
+              <a:off x="8327693" y="3877360"/>
+              <a:ext cx="217517" cy="81691"/>
             </a:xfrm>
             <a:prstGeom prst="rect">
               <a:avLst/>
@@ -4917,8 +4917,8 @@
           </p:nvSpPr>
           <p:spPr>
             <a:xfrm>
-              <a:off x="8327770" y="3551563"/>
-              <a:ext cx="217440" cy="81756"/>
+              <a:off x="8327693" y="3551605"/>
+              <a:ext cx="217517" cy="81691"/>
             </a:xfrm>
             <a:prstGeom prst="rect">
               <a:avLst/>
@@ -4963,8 +4963,8 @@
           </p:nvSpPr>
           <p:spPr>
             <a:xfrm>
-              <a:off x="8327770" y="3225808"/>
-              <a:ext cx="217440" cy="81756"/>
+              <a:off x="8327693" y="3225850"/>
+              <a:ext cx="217517" cy="81691"/>
             </a:xfrm>
             <a:prstGeom prst="rect">
               <a:avLst/>
@@ -5009,8 +5009,8 @@
           </p:nvSpPr>
           <p:spPr>
             <a:xfrm>
-              <a:off x="8043127" y="3057981"/>
-              <a:ext cx="295088" cy="101798"/>
+              <a:off x="8043094" y="3057982"/>
+              <a:ext cx="295088" cy="101841"/>
             </a:xfrm>
             <a:prstGeom prst="rect">
               <a:avLst/>
@@ -5055,7 +5055,7 @@
           </p:nvSpPr>
           <p:spPr>
             <a:xfrm>
-              <a:off x="8043127" y="4244844"/>
+              <a:off x="8043094" y="4244807"/>
               <a:ext cx="43891" cy="0"/>
             </a:xfrm>
             <a:custGeom>
@@ -5095,7 +5095,7 @@
           </p:nvSpPr>
           <p:spPr>
             <a:xfrm>
-              <a:off x="8043127" y="3919089"/>
+              <a:off x="8043094" y="3919052"/>
               <a:ext cx="43891" cy="0"/>
             </a:xfrm>
             <a:custGeom>
@@ -5135,7 +5135,7 @@
           </p:nvSpPr>
           <p:spPr>
             <a:xfrm>
-              <a:off x="8043127" y="3593334"/>
+              <a:off x="8043094" y="3593297"/>
               <a:ext cx="43891" cy="0"/>
             </a:xfrm>
             <a:custGeom>
@@ -5175,7 +5175,7 @@
           </p:nvSpPr>
           <p:spPr>
             <a:xfrm>
-              <a:off x="8043127" y="3267579"/>
+              <a:off x="8043094" y="3267542"/>
               <a:ext cx="43891" cy="0"/>
             </a:xfrm>
             <a:custGeom>
@@ -5215,7 +5215,7 @@
           </p:nvSpPr>
           <p:spPr>
             <a:xfrm>
-              <a:off x="8218692" y="4244844"/>
+              <a:off x="8218659" y="4244807"/>
               <a:ext cx="43891" cy="0"/>
             </a:xfrm>
             <a:custGeom>
@@ -5255,7 +5255,7 @@
           </p:nvSpPr>
           <p:spPr>
             <a:xfrm>
-              <a:off x="8218692" y="3919089"/>
+              <a:off x="8218659" y="3919052"/>
               <a:ext cx="43891" cy="0"/>
             </a:xfrm>
             <a:custGeom>
@@ -5295,7 +5295,7 @@
           </p:nvSpPr>
           <p:spPr>
             <a:xfrm>
-              <a:off x="8218692" y="3593334"/>
+              <a:off x="8218659" y="3593297"/>
               <a:ext cx="43891" cy="0"/>
             </a:xfrm>
             <a:custGeom>
@@ -5335,7 +5335,7 @@
           </p:nvSpPr>
           <p:spPr>
             <a:xfrm>
-              <a:off x="8218692" y="3267579"/>
+              <a:off x="8218659" y="3267542"/>
               <a:ext cx="43891" cy="0"/>
             </a:xfrm>
             <a:custGeom>
@@ -5369,11 +5369,6 @@
         </p:sp>
       </p:grpSp>
     </p:spTree>
-    <p:extLst>
-      <p:ext uri="{BB962C8B-B14F-4D97-AF65-F5344CB8AC3E}">
-        <p14:creationId xmlns:p14="http://schemas.microsoft.com/office/powerpoint/2010/main" val="271576982"/>
-      </p:ext>
-    </p:extLst>
   </p:cSld>
   <p:clrMapOvr>
     <a:masterClrMapping/>

--- a/docs/articles/assets/graphics/demo_rvg.pptx
+++ b/docs/articles/assets/graphics/demo_rvg.pptx
@@ -2216,7 +2216,7 @@
       </p:grpSpPr>
       <p:grpSp xmlns:a="http://schemas.openxmlformats.org/drawingml/2006/main" xmlns:r="http://schemas.openxmlformats.org/officeDocument/2006/relationships" xmlns:p="http://schemas.openxmlformats.org/presentationml/2006/main" xmlns:pic="http://schemas.openxmlformats.org/drawingml/2006/picture">
         <p:nvGrpSpPr>
-          <p:cNvPr name="grp2" id="2"/>
+          <p:cNvPr id="2" name="grp2"/>
           <p:cNvGrpSpPr/>
           <p:nvPr/>
         </p:nvGrpSpPr>
@@ -2271,21 +2271,21 @@
           </p:nvSpPr>
           <p:spPr>
             <a:xfrm>
-              <a:off x="822205" y="5540747"/>
-              <a:ext cx="7004888" cy="0"/>
+              <a:off x="823581" y="5538983"/>
+              <a:ext cx="6998526" cy="0"/>
             </a:xfrm>
             <a:custGeom>
               <a:avLst/>
               <a:pathLst>
-                <a:path w="7004888" h="0">
+                <a:path w="6998526" h="0">
                   <a:moveTo>
                     <a:pt x="0" y="0"/>
                   </a:moveTo>
                   <a:lnTo>
-                    <a:pt x="7004888" y="0"/>
+                    <a:pt x="6998526" y="0"/>
                   </a:lnTo>
                   <a:lnTo>
-                    <a:pt x="7004888" y="0"/>
+                    <a:pt x="6998526" y="0"/>
                   </a:lnTo>
                 </a:path>
               </a:pathLst>
@@ -2314,21 +2314,21 @@
           </p:nvSpPr>
           <p:spPr>
             <a:xfrm>
-              <a:off x="822205" y="4601092"/>
-              <a:ext cx="7004888" cy="0"/>
+              <a:off x="823581" y="4599755"/>
+              <a:ext cx="6998526" cy="0"/>
             </a:xfrm>
             <a:custGeom>
               <a:avLst/>
               <a:pathLst>
-                <a:path w="7004888" h="0">
+                <a:path w="6998526" h="0">
                   <a:moveTo>
                     <a:pt x="0" y="0"/>
                   </a:moveTo>
                   <a:lnTo>
-                    <a:pt x="7004888" y="0"/>
+                    <a:pt x="6998526" y="0"/>
                   </a:lnTo>
                   <a:lnTo>
-                    <a:pt x="7004888" y="0"/>
+                    <a:pt x="6998526" y="0"/>
                   </a:lnTo>
                 </a:path>
               </a:pathLst>
@@ -2357,21 +2357,21 @@
           </p:nvSpPr>
           <p:spPr>
             <a:xfrm>
-              <a:off x="822205" y="3661436"/>
-              <a:ext cx="7004888" cy="0"/>
+              <a:off x="823581" y="3660528"/>
+              <a:ext cx="6998526" cy="0"/>
             </a:xfrm>
             <a:custGeom>
               <a:avLst/>
               <a:pathLst>
-                <a:path w="7004888" h="0">
+                <a:path w="6998526" h="0">
                   <a:moveTo>
                     <a:pt x="0" y="0"/>
                   </a:moveTo>
                   <a:lnTo>
-                    <a:pt x="7004888" y="0"/>
+                    <a:pt x="6998526" y="0"/>
                   </a:lnTo>
                   <a:lnTo>
-                    <a:pt x="7004888" y="0"/>
+                    <a:pt x="6998526" y="0"/>
                   </a:lnTo>
                 </a:path>
               </a:pathLst>
@@ -2400,21 +2400,21 @@
           </p:nvSpPr>
           <p:spPr>
             <a:xfrm>
-              <a:off x="822205" y="2721780"/>
-              <a:ext cx="7004888" cy="0"/>
+              <a:off x="823581" y="2721301"/>
+              <a:ext cx="6998526" cy="0"/>
             </a:xfrm>
             <a:custGeom>
               <a:avLst/>
               <a:pathLst>
-                <a:path w="7004888" h="0">
+                <a:path w="6998526" h="0">
                   <a:moveTo>
                     <a:pt x="0" y="0"/>
                   </a:moveTo>
                   <a:lnTo>
-                    <a:pt x="7004888" y="0"/>
+                    <a:pt x="6998526" y="0"/>
                   </a:lnTo>
                   <a:lnTo>
-                    <a:pt x="7004888" y="0"/>
+                    <a:pt x="6998526" y="0"/>
                   </a:lnTo>
                 </a:path>
               </a:pathLst>
@@ -2443,21 +2443,21 @@
           </p:nvSpPr>
           <p:spPr>
             <a:xfrm>
-              <a:off x="822205" y="1782124"/>
-              <a:ext cx="7004888" cy="0"/>
+              <a:off x="823581" y="1782073"/>
+              <a:ext cx="6998526" cy="0"/>
             </a:xfrm>
             <a:custGeom>
               <a:avLst/>
               <a:pathLst>
-                <a:path w="7004888" h="0">
+                <a:path w="6998526" h="0">
                   <a:moveTo>
                     <a:pt x="0" y="0"/>
                   </a:moveTo>
                   <a:lnTo>
-                    <a:pt x="7004888" y="0"/>
+                    <a:pt x="6998526" y="0"/>
                   </a:lnTo>
                   <a:lnTo>
-                    <a:pt x="7004888" y="0"/>
+                    <a:pt x="6998526" y="0"/>
                   </a:lnTo>
                 </a:path>
               </a:pathLst>
@@ -2486,15 +2486,15 @@
           </p:nvSpPr>
           <p:spPr>
             <a:xfrm>
-              <a:off x="1709672" y="1669789"/>
-              <a:ext cx="0" cy="4042493"/>
+              <a:off x="1710241" y="1669789"/>
+              <a:ext cx="0" cy="4040650"/>
             </a:xfrm>
             <a:custGeom>
               <a:avLst/>
               <a:pathLst>
-                <a:path w="0" h="4042493">
+                <a:path w="0" h="4040650">
                   <a:moveTo>
-                    <a:pt x="0" y="4042493"/>
+                    <a:pt x="0" y="4040650"/>
                   </a:moveTo>
                   <a:lnTo>
                     <a:pt x="0" y="0"/>
@@ -2529,15 +2529,15 @@
           </p:nvSpPr>
           <p:spPr>
             <a:xfrm>
-              <a:off x="3064583" y="1669789"/>
-              <a:ext cx="0" cy="4042493"/>
+              <a:off x="3063921" y="1669789"/>
+              <a:ext cx="0" cy="4040650"/>
             </a:xfrm>
             <a:custGeom>
               <a:avLst/>
               <a:pathLst>
-                <a:path w="0" h="4042493">
+                <a:path w="0" h="4040650">
                   <a:moveTo>
-                    <a:pt x="0" y="4042493"/>
+                    <a:pt x="0" y="4040650"/>
                   </a:moveTo>
                   <a:lnTo>
                     <a:pt x="0" y="0"/>
@@ -2572,15 +2572,15 @@
           </p:nvSpPr>
           <p:spPr>
             <a:xfrm>
-              <a:off x="4419493" y="1669789"/>
-              <a:ext cx="0" cy="4042493"/>
+              <a:off x="4417601" y="1669789"/>
+              <a:ext cx="0" cy="4040650"/>
             </a:xfrm>
             <a:custGeom>
               <a:avLst/>
               <a:pathLst>
-                <a:path w="0" h="4042493">
+                <a:path w="0" h="4040650">
                   <a:moveTo>
-                    <a:pt x="0" y="4042493"/>
+                    <a:pt x="0" y="4040650"/>
                   </a:moveTo>
                   <a:lnTo>
                     <a:pt x="0" y="0"/>
@@ -2615,15 +2615,15 @@
           </p:nvSpPr>
           <p:spPr>
             <a:xfrm>
-              <a:off x="5774404" y="1669789"/>
-              <a:ext cx="0" cy="4042493"/>
+              <a:off x="5771282" y="1669789"/>
+              <a:ext cx="0" cy="4040650"/>
             </a:xfrm>
             <a:custGeom>
               <a:avLst/>
               <a:pathLst>
-                <a:path w="0" h="4042493">
+                <a:path w="0" h="4040650">
                   <a:moveTo>
-                    <a:pt x="0" y="4042493"/>
+                    <a:pt x="0" y="4040650"/>
                   </a:moveTo>
                   <a:lnTo>
                     <a:pt x="0" y="0"/>
@@ -2658,15 +2658,15 @@
           </p:nvSpPr>
           <p:spPr>
             <a:xfrm>
-              <a:off x="7129315" y="1669789"/>
-              <a:ext cx="0" cy="4042493"/>
+              <a:off x="7124962" y="1669789"/>
+              <a:ext cx="0" cy="4040650"/>
             </a:xfrm>
             <a:custGeom>
               <a:avLst/>
               <a:pathLst>
-                <a:path w="0" h="4042493">
+                <a:path w="0" h="4040650">
                   <a:moveTo>
-                    <a:pt x="0" y="4042493"/>
+                    <a:pt x="0" y="4040650"/>
                   </a:moveTo>
                   <a:lnTo>
                     <a:pt x="0" y="0"/>
@@ -2701,21 +2701,21 @@
           </p:nvSpPr>
           <p:spPr>
             <a:xfrm>
-              <a:off x="822205" y="5070920"/>
-              <a:ext cx="7004888" cy="0"/>
+              <a:off x="823581" y="5069369"/>
+              <a:ext cx="6998526" cy="0"/>
             </a:xfrm>
             <a:custGeom>
               <a:avLst/>
               <a:pathLst>
-                <a:path w="7004888" h="0">
+                <a:path w="6998526" h="0">
                   <a:moveTo>
                     <a:pt x="0" y="0"/>
                   </a:moveTo>
                   <a:lnTo>
-                    <a:pt x="7004888" y="0"/>
+                    <a:pt x="6998526" y="0"/>
                   </a:lnTo>
                   <a:lnTo>
-                    <a:pt x="7004888" y="0"/>
+                    <a:pt x="6998526" y="0"/>
                   </a:lnTo>
                 </a:path>
               </a:pathLst>
@@ -2744,21 +2744,21 @@
           </p:nvSpPr>
           <p:spPr>
             <a:xfrm>
-              <a:off x="822205" y="4131264"/>
-              <a:ext cx="7004888" cy="0"/>
+              <a:off x="823581" y="4130142"/>
+              <a:ext cx="6998526" cy="0"/>
             </a:xfrm>
             <a:custGeom>
               <a:avLst/>
               <a:pathLst>
-                <a:path w="7004888" h="0">
+                <a:path w="6998526" h="0">
                   <a:moveTo>
                     <a:pt x="0" y="0"/>
                   </a:moveTo>
                   <a:lnTo>
-                    <a:pt x="7004888" y="0"/>
+                    <a:pt x="6998526" y="0"/>
                   </a:lnTo>
                   <a:lnTo>
-                    <a:pt x="7004888" y="0"/>
+                    <a:pt x="6998526" y="0"/>
                   </a:lnTo>
                 </a:path>
               </a:pathLst>
@@ -2787,21 +2787,21 @@
           </p:nvSpPr>
           <p:spPr>
             <a:xfrm>
-              <a:off x="822205" y="3191608"/>
-              <a:ext cx="7004888" cy="0"/>
+              <a:off x="823581" y="3190914"/>
+              <a:ext cx="6998526" cy="0"/>
             </a:xfrm>
             <a:custGeom>
               <a:avLst/>
               <a:pathLst>
-                <a:path w="7004888" h="0">
+                <a:path w="6998526" h="0">
                   <a:moveTo>
                     <a:pt x="0" y="0"/>
                   </a:moveTo>
                   <a:lnTo>
-                    <a:pt x="7004888" y="0"/>
+                    <a:pt x="6998526" y="0"/>
                   </a:lnTo>
                   <a:lnTo>
-                    <a:pt x="7004888" y="0"/>
+                    <a:pt x="6998526" y="0"/>
                   </a:lnTo>
                 </a:path>
               </a:pathLst>
@@ -2830,21 +2830,21 @@
           </p:nvSpPr>
           <p:spPr>
             <a:xfrm>
-              <a:off x="822205" y="2251952"/>
-              <a:ext cx="7004888" cy="0"/>
+              <a:off x="823581" y="2251687"/>
+              <a:ext cx="6998526" cy="0"/>
             </a:xfrm>
             <a:custGeom>
               <a:avLst/>
               <a:pathLst>
-                <a:path w="7004888" h="0">
+                <a:path w="6998526" h="0">
                   <a:moveTo>
                     <a:pt x="0" y="0"/>
                   </a:moveTo>
                   <a:lnTo>
-                    <a:pt x="7004888" y="0"/>
+                    <a:pt x="6998526" y="0"/>
                   </a:lnTo>
                   <a:lnTo>
-                    <a:pt x="7004888" y="0"/>
+                    <a:pt x="6998526" y="0"/>
                   </a:lnTo>
                 </a:path>
               </a:pathLst>
@@ -2873,15 +2873,15 @@
           </p:nvSpPr>
           <p:spPr>
             <a:xfrm>
-              <a:off x="1032216" y="1669789"/>
-              <a:ext cx="0" cy="4042493"/>
+              <a:off x="1033401" y="1669789"/>
+              <a:ext cx="0" cy="4040650"/>
             </a:xfrm>
             <a:custGeom>
               <a:avLst/>
               <a:pathLst>
-                <a:path w="0" h="4042493">
+                <a:path w="0" h="4040650">
                   <a:moveTo>
-                    <a:pt x="0" y="4042493"/>
+                    <a:pt x="0" y="4040650"/>
                   </a:moveTo>
                   <a:lnTo>
                     <a:pt x="0" y="0"/>
@@ -2916,15 +2916,15 @@
           </p:nvSpPr>
           <p:spPr>
             <a:xfrm>
-              <a:off x="2387127" y="1669789"/>
-              <a:ext cx="0" cy="4042493"/>
+              <a:off x="2387081" y="1669789"/>
+              <a:ext cx="0" cy="4040650"/>
             </a:xfrm>
             <a:custGeom>
               <a:avLst/>
               <a:pathLst>
-                <a:path w="0" h="4042493">
+                <a:path w="0" h="4040650">
                   <a:moveTo>
-                    <a:pt x="0" y="4042493"/>
+                    <a:pt x="0" y="4040650"/>
                   </a:moveTo>
                   <a:lnTo>
                     <a:pt x="0" y="0"/>
@@ -2959,15 +2959,15 @@
           </p:nvSpPr>
           <p:spPr>
             <a:xfrm>
-              <a:off x="3742038" y="1669789"/>
-              <a:ext cx="0" cy="4042493"/>
+              <a:off x="3740761" y="1669789"/>
+              <a:ext cx="0" cy="4040650"/>
             </a:xfrm>
             <a:custGeom>
               <a:avLst/>
               <a:pathLst>
-                <a:path w="0" h="4042493">
+                <a:path w="0" h="4040650">
                   <a:moveTo>
-                    <a:pt x="0" y="4042493"/>
+                    <a:pt x="0" y="4040650"/>
                   </a:moveTo>
                   <a:lnTo>
                     <a:pt x="0" y="0"/>
@@ -3002,15 +3002,15 @@
           </p:nvSpPr>
           <p:spPr>
             <a:xfrm>
-              <a:off x="5096949" y="1669789"/>
-              <a:ext cx="0" cy="4042493"/>
+              <a:off x="5094441" y="1669789"/>
+              <a:ext cx="0" cy="4040650"/>
             </a:xfrm>
             <a:custGeom>
               <a:avLst/>
               <a:pathLst>
-                <a:path w="0" h="4042493">
+                <a:path w="0" h="4040650">
                   <a:moveTo>
-                    <a:pt x="0" y="4042493"/>
+                    <a:pt x="0" y="4040650"/>
                   </a:moveTo>
                   <a:lnTo>
                     <a:pt x="0" y="0"/>
@@ -3045,15 +3045,15 @@
           </p:nvSpPr>
           <p:spPr>
             <a:xfrm>
-              <a:off x="6451859" y="1669789"/>
-              <a:ext cx="0" cy="4042493"/>
+              <a:off x="6448122" y="1669789"/>
+              <a:ext cx="0" cy="4040650"/>
             </a:xfrm>
             <a:custGeom>
               <a:avLst/>
               <a:pathLst>
-                <a:path w="0" h="4042493">
+                <a:path w="0" h="4040650">
                   <a:moveTo>
-                    <a:pt x="0" y="4042493"/>
+                    <a:pt x="0" y="4040650"/>
                   </a:moveTo>
                   <a:lnTo>
                     <a:pt x="0" y="0"/>
@@ -3088,15 +3088,15 @@
           </p:nvSpPr>
           <p:spPr>
             <a:xfrm>
-              <a:off x="7806770" y="1669789"/>
-              <a:ext cx="0" cy="4042493"/>
+              <a:off x="7801802" y="1669789"/>
+              <a:ext cx="0" cy="4040650"/>
             </a:xfrm>
             <a:custGeom>
               <a:avLst/>
               <a:pathLst>
-                <a:path w="0" h="4042493">
+                <a:path w="0" h="4040650">
                   <a:moveTo>
-                    <a:pt x="0" y="4042493"/>
+                    <a:pt x="0" y="4040650"/>
                   </a:moveTo>
                   <a:lnTo>
                     <a:pt x="0" y="0"/>
@@ -3131,7 +3131,7 @@
           </p:nvSpPr>
           <p:spPr>
             <a:xfrm>
-              <a:off x="3988194" y="4463507"/>
+              <a:off x="3986671" y="4462222"/>
               <a:ext cx="49651" cy="49651"/>
             </a:xfrm>
             <a:prstGeom prst="ellipse">
@@ -3166,7 +3166,7 @@
           </p:nvSpPr>
           <p:spPr>
             <a:xfrm>
-              <a:off x="3988194" y="4223895"/>
+              <a:off x="3986671" y="4222719"/>
               <a:ext cx="49651" cy="49651"/>
             </a:xfrm>
             <a:prstGeom prst="ellipse">
@@ -3201,7 +3201,7 @@
           </p:nvSpPr>
           <p:spPr>
             <a:xfrm>
-              <a:off x="4475962" y="4745404"/>
+              <a:off x="4473996" y="4743990"/>
               <a:ext cx="49651" cy="49651"/>
             </a:xfrm>
             <a:prstGeom prst="ellipse">
@@ -3236,7 +3236,7 @@
           </p:nvSpPr>
           <p:spPr>
             <a:xfrm>
-              <a:off x="4096587" y="3904412"/>
+              <a:off x="4094966" y="3903382"/>
               <a:ext cx="49651" cy="49651"/>
             </a:xfrm>
             <a:prstGeom prst="ellipse">
@@ -3271,7 +3271,7 @@
           </p:nvSpPr>
           <p:spPr>
             <a:xfrm>
-              <a:off x="3364935" y="3692989"/>
+              <a:off x="3363979" y="3692056"/>
               <a:ext cx="49651" cy="49651"/>
             </a:xfrm>
             <a:prstGeom prst="ellipse">
@@ -3306,7 +3306,7 @@
           </p:nvSpPr>
           <p:spPr>
             <a:xfrm>
-              <a:off x="3202346" y="3674196"/>
+              <a:off x="3201537" y="3673271"/>
               <a:ext cx="49651" cy="49651"/>
             </a:xfrm>
             <a:prstGeom prst="ellipse">
@@ -3341,7 +3341,7 @@
           </p:nvSpPr>
           <p:spPr>
             <a:xfrm>
-              <a:off x="2172614" y="3570834"/>
+              <a:off x="2172740" y="3569956"/>
               <a:ext cx="49651" cy="49651"/>
             </a:xfrm>
             <a:prstGeom prst="ellipse">
@@ -3376,7 +3376,7 @@
           </p:nvSpPr>
           <p:spPr>
             <a:xfrm>
-              <a:off x="4909533" y="3927903"/>
+              <a:off x="4907174" y="3926862"/>
               <a:ext cx="49651" cy="49651"/>
             </a:xfrm>
             <a:prstGeom prst="ellipse">
@@ -3411,7 +3411,7 @@
           </p:nvSpPr>
           <p:spPr>
             <a:xfrm>
-              <a:off x="4475962" y="3965490"/>
+              <a:off x="4473996" y="3964432"/>
               <a:ext cx="49651" cy="49651"/>
             </a:xfrm>
             <a:prstGeom prst="ellipse">
@@ -3446,7 +3446,7 @@
           </p:nvSpPr>
           <p:spPr>
             <a:xfrm>
-              <a:off x="3500426" y="3692989"/>
+              <a:off x="3499347" y="3692056"/>
               <a:ext cx="49651" cy="49651"/>
             </a:xfrm>
             <a:prstGeom prst="ellipse">
@@ -3481,7 +3481,7 @@
           </p:nvSpPr>
           <p:spPr>
             <a:xfrm>
-              <a:off x="3121051" y="3692989"/>
+              <a:off x="3120316" y="3692056"/>
               <a:ext cx="49651" cy="49651"/>
             </a:xfrm>
             <a:prstGeom prst="ellipse">
@@ -3516,7 +3516,7 @@
           </p:nvSpPr>
           <p:spPr>
             <a:xfrm>
-              <a:off x="2741676" y="3101006"/>
+              <a:off x="2741286" y="3100342"/>
               <a:ext cx="49651" cy="49651"/>
             </a:xfrm>
             <a:prstGeom prst="ellipse">
@@ -3551,7 +3551,7 @@
           </p:nvSpPr>
           <p:spPr>
             <a:xfrm>
-              <a:off x="2985560" y="3420489"/>
+              <a:off x="2984948" y="3419680"/>
               <a:ext cx="49651" cy="49651"/>
             </a:xfrm>
             <a:prstGeom prst="ellipse">
@@ -3586,7 +3586,7 @@
           </p:nvSpPr>
           <p:spPr>
             <a:xfrm>
-              <a:off x="2416498" y="3373506"/>
+              <a:off x="2416402" y="3372718"/>
               <a:ext cx="49651" cy="49651"/>
             </a:xfrm>
             <a:prstGeom prst="ellipse">
@@ -3621,7 +3621,7 @@
           </p:nvSpPr>
           <p:spPr>
             <a:xfrm>
-              <a:off x="1115783" y="1992212"/>
+              <a:off x="1116870" y="1992054"/>
               <a:ext cx="49651" cy="49651"/>
             </a:xfrm>
             <a:prstGeom prst="ellipse">
@@ -3656,7 +3656,7 @@
           </p:nvSpPr>
           <p:spPr>
             <a:xfrm>
-              <a:off x="1115783" y="1828712"/>
+              <a:off x="1116870" y="1828629"/>
               <a:ext cx="49651" cy="49651"/>
             </a:xfrm>
             <a:prstGeom prst="ellipse">
@@ -3691,7 +3691,7 @@
           </p:nvSpPr>
           <p:spPr>
             <a:xfrm>
-              <a:off x="2281007" y="1902945"/>
+              <a:off x="2281034" y="1902827"/>
               <a:ext cx="49651" cy="49651"/>
             </a:xfrm>
             <a:prstGeom prst="ellipse">
@@ -3726,7 +3726,7 @@
           </p:nvSpPr>
           <p:spPr>
             <a:xfrm>
-              <a:off x="7077391" y="4858163"/>
+              <a:off x="7073062" y="4856698"/>
               <a:ext cx="49651" cy="49651"/>
             </a:xfrm>
             <a:prstGeom prst="ellipse">
@@ -3761,7 +3761,7 @@
           </p:nvSpPr>
           <p:spPr>
             <a:xfrm>
-              <a:off x="6535426" y="5407861"/>
+              <a:off x="6531590" y="5406146"/>
               <a:ext cx="49651" cy="49651"/>
             </a:xfrm>
             <a:prstGeom prst="ellipse">
@@ -3796,7 +3796,7 @@
           </p:nvSpPr>
           <p:spPr>
             <a:xfrm>
-              <a:off x="7483864" y="5201137"/>
+              <a:off x="7479166" y="5199516"/>
               <a:ext cx="49651" cy="49651"/>
             </a:xfrm>
             <a:prstGeom prst="ellipse">
@@ -3831,7 +3831,7 @@
           </p:nvSpPr>
           <p:spPr>
             <a:xfrm>
-              <a:off x="4123685" y="4609154"/>
+              <a:off x="4122039" y="4607802"/>
               <a:ext cx="49651" cy="49651"/>
             </a:xfrm>
             <a:prstGeom prst="ellipse">
@@ -3866,7 +3866,7 @@
           </p:nvSpPr>
           <p:spPr>
             <a:xfrm>
-              <a:off x="2497792" y="3617817"/>
+              <a:off x="2497623" y="3616917"/>
               <a:ext cx="49651" cy="49651"/>
             </a:xfrm>
             <a:prstGeom prst="ellipse">
@@ -3901,7 +3901,7 @@
           </p:nvSpPr>
           <p:spPr>
             <a:xfrm>
-              <a:off x="2416498" y="3697688"/>
+              <a:off x="2416402" y="3696752"/>
               <a:ext cx="49651" cy="49651"/>
             </a:xfrm>
             <a:prstGeom prst="ellipse">
@@ -3936,7 +3936,7 @@
           </p:nvSpPr>
           <p:spPr>
             <a:xfrm>
-              <a:off x="1901632" y="3317127"/>
+              <a:off x="1902004" y="3316365"/>
               <a:ext cx="49651" cy="49651"/>
             </a:xfrm>
             <a:prstGeom prst="ellipse">
@@ -3971,7 +3971,7 @@
           </p:nvSpPr>
           <p:spPr>
             <a:xfrm>
-              <a:off x="3500426" y="3312429"/>
+              <a:off x="3499347" y="3311669"/>
               <a:ext cx="49651" cy="49651"/>
             </a:xfrm>
             <a:prstGeom prst="ellipse">
@@ -4006,7 +4006,7 @@
           </p:nvSpPr>
           <p:spPr>
             <a:xfrm>
-              <a:off x="5695382" y="5107171"/>
+              <a:off x="5692308" y="5105593"/>
               <a:ext cx="49651" cy="49651"/>
             </a:xfrm>
             <a:prstGeom prst="ellipse">
@@ -4041,7 +4041,7 @@
           </p:nvSpPr>
           <p:spPr>
             <a:xfrm>
-              <a:off x="5343105" y="4914542"/>
+              <a:off x="5340352" y="4913051"/>
               <a:ext cx="49651" cy="49651"/>
             </a:xfrm>
             <a:prstGeom prst="ellipse">
@@ -4076,7 +4076,7 @@
           </p:nvSpPr>
           <p:spPr>
             <a:xfrm>
-              <a:off x="6535426" y="5503706"/>
+              <a:off x="6531590" y="5501947"/>
               <a:ext cx="49651" cy="49651"/>
             </a:xfrm>
             <a:prstGeom prst="ellipse">
@@ -4111,7 +4111,7 @@
           </p:nvSpPr>
           <p:spPr>
             <a:xfrm>
-              <a:off x="2579087" y="3946696"/>
+              <a:off x="2578844" y="3945647"/>
               <a:ext cx="49651" cy="49651"/>
             </a:xfrm>
             <a:prstGeom prst="ellipse">
@@ -4146,7 +4146,7 @@
           </p:nvSpPr>
           <p:spPr>
             <a:xfrm>
-              <a:off x="3635917" y="4322559"/>
+              <a:off x="3634715" y="4321338"/>
               <a:ext cx="49651" cy="49651"/>
             </a:xfrm>
             <a:prstGeom prst="ellipse">
@@ -4181,7 +4181,7 @@
           </p:nvSpPr>
           <p:spPr>
             <a:xfrm>
-              <a:off x="2362301" y="3570834"/>
+              <a:off x="2362255" y="3569956"/>
               <a:ext cx="49651" cy="49651"/>
             </a:xfrm>
             <a:prstGeom prst="ellipse">
@@ -4216,7 +4216,7 @@
           </p:nvSpPr>
           <p:spPr>
             <a:xfrm>
-              <a:off x="4096587" y="4313162"/>
+              <a:off x="4094966" y="4311946"/>
               <a:ext cx="49651" cy="49651"/>
             </a:xfrm>
             <a:prstGeom prst="ellipse">
@@ -4251,8 +4251,8 @@
           </p:nvSpPr>
           <p:spPr>
             <a:xfrm>
-              <a:off x="697419" y="5030592"/>
-              <a:ext cx="62155" cy="80327"/>
+              <a:off x="697382" y="5028094"/>
+              <a:ext cx="63568" cy="82153"/>
             </a:xfrm>
             <a:prstGeom prst="rect">
               <a:avLst/>
@@ -4297,8 +4297,8 @@
           </p:nvSpPr>
           <p:spPr>
             <a:xfrm>
-              <a:off x="697419" y="4089518"/>
-              <a:ext cx="62155" cy="81746"/>
+              <a:off x="697382" y="4087478"/>
+              <a:ext cx="63568" cy="83542"/>
             </a:xfrm>
             <a:prstGeom prst="rect">
               <a:avLst/>
@@ -4343,8 +4343,8 @@
           </p:nvSpPr>
           <p:spPr>
             <a:xfrm>
-              <a:off x="697419" y="3151608"/>
-              <a:ext cx="62155" cy="80000"/>
+              <a:off x="697382" y="3150036"/>
+              <a:ext cx="63568" cy="81756"/>
             </a:xfrm>
             <a:prstGeom prst="rect">
               <a:avLst/>
@@ -4389,8 +4389,8 @@
           </p:nvSpPr>
           <p:spPr>
             <a:xfrm>
-              <a:off x="697419" y="2211679"/>
-              <a:ext cx="62155" cy="80272"/>
+              <a:off x="697382" y="2210412"/>
+              <a:ext cx="63568" cy="82153"/>
             </a:xfrm>
             <a:prstGeom prst="rect">
               <a:avLst/>
@@ -4435,8 +4435,8 @@
           </p:nvSpPr>
           <p:spPr>
             <a:xfrm>
-              <a:off x="970061" y="5773220"/>
-              <a:ext cx="124311" cy="81691"/>
+              <a:off x="969833" y="5771283"/>
+              <a:ext cx="127136" cy="83542"/>
             </a:xfrm>
             <a:prstGeom prst="rect">
               <a:avLst/>
@@ -4481,8 +4481,8 @@
           </p:nvSpPr>
           <p:spPr>
             <a:xfrm>
-              <a:off x="2324972" y="5773220"/>
-              <a:ext cx="124311" cy="81691"/>
+              <a:off x="2323513" y="5771283"/>
+              <a:ext cx="127136" cy="83542"/>
             </a:xfrm>
             <a:prstGeom prst="rect">
               <a:avLst/>
@@ -4527,8 +4527,8 @@
           </p:nvSpPr>
           <p:spPr>
             <a:xfrm>
-              <a:off x="3679882" y="5773220"/>
-              <a:ext cx="124311" cy="81691"/>
+              <a:off x="3677193" y="5771283"/>
+              <a:ext cx="127136" cy="83542"/>
             </a:xfrm>
             <a:prstGeom prst="rect">
               <a:avLst/>
@@ -4573,8 +4573,8 @@
           </p:nvSpPr>
           <p:spPr>
             <a:xfrm>
-              <a:off x="5034793" y="5773220"/>
-              <a:ext cx="124311" cy="81691"/>
+              <a:off x="5030873" y="5771283"/>
+              <a:ext cx="127136" cy="83542"/>
             </a:xfrm>
             <a:prstGeom prst="rect">
               <a:avLst/>
@@ -4619,8 +4619,8 @@
           </p:nvSpPr>
           <p:spPr>
             <a:xfrm>
-              <a:off x="6389704" y="5773166"/>
-              <a:ext cx="124311" cy="81746"/>
+              <a:off x="6384553" y="5771283"/>
+              <a:ext cx="127136" cy="83542"/>
             </a:xfrm>
             <a:prstGeom prst="rect">
               <a:avLst/>
@@ -4665,8 +4665,8 @@
           </p:nvSpPr>
           <p:spPr>
             <a:xfrm>
-              <a:off x="7744615" y="5773166"/>
-              <a:ext cx="124311" cy="81746"/>
+              <a:off x="7738233" y="5771283"/>
+              <a:ext cx="127136" cy="83542"/>
             </a:xfrm>
             <a:prstGeom prst="rect">
               <a:avLst/>
@@ -4711,8 +4711,8 @@
           </p:nvSpPr>
           <p:spPr>
             <a:xfrm>
-              <a:off x="4188769" y="5921022"/>
-              <a:ext cx="271760" cy="103478"/>
+              <a:off x="4186964" y="5921041"/>
+              <a:ext cx="271760" cy="103385"/>
             </a:xfrm>
             <a:prstGeom prst="rect">
               <a:avLst/>
@@ -4757,8 +4757,8 @@
           </p:nvSpPr>
           <p:spPr>
             <a:xfrm rot="-5400000">
-              <a:off x="507587" y="3641683"/>
-              <a:ext cx="139700" cy="98704"/>
+              <a:off x="507540" y="3640703"/>
+              <a:ext cx="139700" cy="98821"/>
             </a:xfrm>
             <a:prstGeom prst="rect">
               <a:avLst/>
@@ -4809,7 +4809,7 @@
           </p:blipFill>
           <p:spPr>
             <a:xfrm>
-              <a:off x="8043094" y="3240110"/>
+              <a:off x="8038107" y="3239254"/>
               <a:ext cx="219455" cy="1097280"/>
             </a:xfrm>
             <a:prstGeom prst="rect">
@@ -4825,8 +4825,8 @@
           </p:nvSpPr>
           <p:spPr>
             <a:xfrm>
-              <a:off x="8327693" y="4203115"/>
-              <a:ext cx="217517" cy="81691"/>
+              <a:off x="8322750" y="4204389"/>
+              <a:ext cx="222460" cy="83542"/>
             </a:xfrm>
             <a:prstGeom prst="rect">
               <a:avLst/>
@@ -4871,8 +4871,8 @@
           </p:nvSpPr>
           <p:spPr>
             <a:xfrm>
-              <a:off x="8327693" y="3877360"/>
-              <a:ext cx="217517" cy="81691"/>
+              <a:off x="8322750" y="3894146"/>
+              <a:ext cx="222460" cy="83542"/>
             </a:xfrm>
             <a:prstGeom prst="rect">
               <a:avLst/>
@@ -4917,8 +4917,8 @@
           </p:nvSpPr>
           <p:spPr>
             <a:xfrm>
-              <a:off x="8327693" y="3551605"/>
-              <a:ext cx="217517" cy="81691"/>
+              <a:off x="8322750" y="3583903"/>
+              <a:ext cx="222460" cy="83542"/>
             </a:xfrm>
             <a:prstGeom prst="rect">
               <a:avLst/>
@@ -4963,8 +4963,8 @@
           </p:nvSpPr>
           <p:spPr>
             <a:xfrm>
-              <a:off x="8327693" y="3225850"/>
-              <a:ext cx="217517" cy="81691"/>
+              <a:off x="8322750" y="3273660"/>
+              <a:ext cx="222460" cy="83542"/>
             </a:xfrm>
             <a:prstGeom prst="rect">
               <a:avLst/>
@@ -5009,8 +5009,8 @@
           </p:nvSpPr>
           <p:spPr>
             <a:xfrm>
-              <a:off x="8043094" y="3057982"/>
-              <a:ext cx="295088" cy="101841"/>
+              <a:off x="8038107" y="3057088"/>
+              <a:ext cx="295088" cy="101798"/>
             </a:xfrm>
             <a:prstGeom prst="rect">
               <a:avLst/>
@@ -5055,7 +5055,7 @@
           </p:nvSpPr>
           <p:spPr>
             <a:xfrm>
-              <a:off x="8043094" y="4244807"/>
+              <a:off x="8038107" y="4247053"/>
               <a:ext cx="43891" cy="0"/>
             </a:xfrm>
             <a:custGeom>
@@ -5095,7 +5095,7 @@
           </p:nvSpPr>
           <p:spPr>
             <a:xfrm>
-              <a:off x="8043094" y="3919052"/>
+              <a:off x="8038107" y="3936810"/>
               <a:ext cx="43891" cy="0"/>
             </a:xfrm>
             <a:custGeom>
@@ -5135,7 +5135,7 @@
           </p:nvSpPr>
           <p:spPr>
             <a:xfrm>
-              <a:off x="8043094" y="3593297"/>
+              <a:off x="8038107" y="3626567"/>
               <a:ext cx="43891" cy="0"/>
             </a:xfrm>
             <a:custGeom>
@@ -5175,7 +5175,7 @@
           </p:nvSpPr>
           <p:spPr>
             <a:xfrm>
-              <a:off x="8043094" y="3267542"/>
+              <a:off x="8038107" y="3316325"/>
               <a:ext cx="43891" cy="0"/>
             </a:xfrm>
             <a:custGeom>
@@ -5215,7 +5215,7 @@
           </p:nvSpPr>
           <p:spPr>
             <a:xfrm>
-              <a:off x="8218659" y="4244807"/>
+              <a:off x="8213672" y="4247053"/>
               <a:ext cx="43891" cy="0"/>
             </a:xfrm>
             <a:custGeom>
@@ -5255,7 +5255,7 @@
           </p:nvSpPr>
           <p:spPr>
             <a:xfrm>
-              <a:off x="8218659" y="3919052"/>
+              <a:off x="8213672" y="3936810"/>
               <a:ext cx="43891" cy="0"/>
             </a:xfrm>
             <a:custGeom>
@@ -5295,7 +5295,7 @@
           </p:nvSpPr>
           <p:spPr>
             <a:xfrm>
-              <a:off x="8218659" y="3593297"/>
+              <a:off x="8213672" y="3626567"/>
               <a:ext cx="43891" cy="0"/>
             </a:xfrm>
             <a:custGeom>
@@ -5335,7 +5335,7 @@
           </p:nvSpPr>
           <p:spPr>
             <a:xfrm>
-              <a:off x="8218659" y="3267542"/>
+              <a:off x="8213672" y="3316325"/>
               <a:ext cx="43891" cy="0"/>
             </a:xfrm>
             <a:custGeom>

--- a/docs/articles/assets/graphics/demo_rvg.pptx
+++ b/docs/articles/assets/graphics/demo_rvg.pptx
@@ -2271,21 +2271,21 @@
           </p:nvSpPr>
           <p:spPr>
             <a:xfrm>
-              <a:off x="823581" y="5538983"/>
-              <a:ext cx="6998526" cy="0"/>
+              <a:off x="818441" y="5543354"/>
+              <a:ext cx="7013850" cy="0"/>
             </a:xfrm>
             <a:custGeom>
               <a:avLst/>
               <a:pathLst>
-                <a:path w="6998526" h="0">
+                <a:path w="7013850" h="0">
                   <a:moveTo>
                     <a:pt x="0" y="0"/>
                   </a:moveTo>
                   <a:lnTo>
-                    <a:pt x="6998526" y="0"/>
+                    <a:pt x="7013850" y="0"/>
                   </a:lnTo>
                   <a:lnTo>
-                    <a:pt x="6998526" y="0"/>
+                    <a:pt x="7013850" y="0"/>
                   </a:lnTo>
                 </a:path>
               </a:pathLst>
@@ -2314,21 +2314,21 @@
           </p:nvSpPr>
           <p:spPr>
             <a:xfrm>
-              <a:off x="823581" y="4599755"/>
-              <a:ext cx="6998526" cy="0"/>
+              <a:off x="818441" y="4603066"/>
+              <a:ext cx="7013850" cy="0"/>
             </a:xfrm>
             <a:custGeom>
               <a:avLst/>
               <a:pathLst>
-                <a:path w="6998526" h="0">
+                <a:path w="7013850" h="0">
                   <a:moveTo>
                     <a:pt x="0" y="0"/>
                   </a:moveTo>
                   <a:lnTo>
-                    <a:pt x="6998526" y="0"/>
+                    <a:pt x="7013850" y="0"/>
                   </a:lnTo>
                   <a:lnTo>
-                    <a:pt x="6998526" y="0"/>
+                    <a:pt x="7013850" y="0"/>
                   </a:lnTo>
                 </a:path>
               </a:pathLst>
@@ -2357,21 +2357,21 @@
           </p:nvSpPr>
           <p:spPr>
             <a:xfrm>
-              <a:off x="823581" y="3660528"/>
-              <a:ext cx="6998526" cy="0"/>
+              <a:off x="818441" y="3662777"/>
+              <a:ext cx="7013850" cy="0"/>
             </a:xfrm>
             <a:custGeom>
               <a:avLst/>
               <a:pathLst>
-                <a:path w="6998526" h="0">
+                <a:path w="7013850" h="0">
                   <a:moveTo>
                     <a:pt x="0" y="0"/>
                   </a:moveTo>
                   <a:lnTo>
-                    <a:pt x="6998526" y="0"/>
+                    <a:pt x="7013850" y="0"/>
                   </a:lnTo>
                   <a:lnTo>
-                    <a:pt x="6998526" y="0"/>
+                    <a:pt x="7013850" y="0"/>
                   </a:lnTo>
                 </a:path>
               </a:pathLst>
@@ -2400,21 +2400,21 @@
           </p:nvSpPr>
           <p:spPr>
             <a:xfrm>
-              <a:off x="823581" y="2721301"/>
-              <a:ext cx="6998526" cy="0"/>
+              <a:off x="818441" y="2722489"/>
+              <a:ext cx="7013850" cy="0"/>
             </a:xfrm>
             <a:custGeom>
               <a:avLst/>
               <a:pathLst>
-                <a:path w="6998526" h="0">
+                <a:path w="7013850" h="0">
                   <a:moveTo>
                     <a:pt x="0" y="0"/>
                   </a:moveTo>
                   <a:lnTo>
-                    <a:pt x="6998526" y="0"/>
+                    <a:pt x="7013850" y="0"/>
                   </a:lnTo>
                   <a:lnTo>
-                    <a:pt x="6998526" y="0"/>
+                    <a:pt x="7013850" y="0"/>
                   </a:lnTo>
                 </a:path>
               </a:pathLst>
@@ -2443,21 +2443,21 @@
           </p:nvSpPr>
           <p:spPr>
             <a:xfrm>
-              <a:off x="823581" y="1782073"/>
-              <a:ext cx="6998526" cy="0"/>
+              <a:off x="818441" y="1782200"/>
+              <a:ext cx="7013850" cy="0"/>
             </a:xfrm>
             <a:custGeom>
               <a:avLst/>
               <a:pathLst>
-                <a:path w="6998526" h="0">
+                <a:path w="7013850" h="0">
                   <a:moveTo>
                     <a:pt x="0" y="0"/>
                   </a:moveTo>
                   <a:lnTo>
-                    <a:pt x="6998526" y="0"/>
+                    <a:pt x="7013850" y="0"/>
                   </a:lnTo>
                   <a:lnTo>
-                    <a:pt x="6998526" y="0"/>
+                    <a:pt x="7013850" y="0"/>
                   </a:lnTo>
                 </a:path>
               </a:pathLst>
@@ -2486,15 +2486,15 @@
           </p:nvSpPr>
           <p:spPr>
             <a:xfrm>
-              <a:off x="1710241" y="1669789"/>
-              <a:ext cx="0" cy="4040650"/>
+              <a:off x="1707043" y="1669789"/>
+              <a:ext cx="0" cy="4045215"/>
             </a:xfrm>
             <a:custGeom>
               <a:avLst/>
               <a:pathLst>
-                <a:path w="0" h="4040650">
+                <a:path w="0" h="4045215">
                   <a:moveTo>
-                    <a:pt x="0" y="4040650"/>
+                    <a:pt x="0" y="4045215"/>
                   </a:moveTo>
                   <a:lnTo>
                     <a:pt x="0" y="0"/>
@@ -2529,15 +2529,15 @@
           </p:nvSpPr>
           <p:spPr>
             <a:xfrm>
-              <a:off x="3063921" y="1669789"/>
-              <a:ext cx="0" cy="4040650"/>
+              <a:off x="3063688" y="1669789"/>
+              <a:ext cx="0" cy="4045215"/>
             </a:xfrm>
             <a:custGeom>
               <a:avLst/>
               <a:pathLst>
-                <a:path w="0" h="4040650">
+                <a:path w="0" h="4045215">
                   <a:moveTo>
-                    <a:pt x="0" y="4040650"/>
+                    <a:pt x="0" y="4045215"/>
                   </a:moveTo>
                   <a:lnTo>
                     <a:pt x="0" y="0"/>
@@ -2572,15 +2572,15 @@
           </p:nvSpPr>
           <p:spPr>
             <a:xfrm>
-              <a:off x="4417601" y="1669789"/>
-              <a:ext cx="0" cy="4040650"/>
+              <a:off x="4420332" y="1669789"/>
+              <a:ext cx="0" cy="4045215"/>
             </a:xfrm>
             <a:custGeom>
               <a:avLst/>
               <a:pathLst>
-                <a:path w="0" h="4040650">
+                <a:path w="0" h="4045215">
                   <a:moveTo>
-                    <a:pt x="0" y="4040650"/>
+                    <a:pt x="0" y="4045215"/>
                   </a:moveTo>
                   <a:lnTo>
                     <a:pt x="0" y="0"/>
@@ -2615,15 +2615,15 @@
           </p:nvSpPr>
           <p:spPr>
             <a:xfrm>
-              <a:off x="5771282" y="1669789"/>
-              <a:ext cx="0" cy="4040650"/>
+              <a:off x="5776976" y="1669789"/>
+              <a:ext cx="0" cy="4045215"/>
             </a:xfrm>
             <a:custGeom>
               <a:avLst/>
               <a:pathLst>
-                <a:path w="0" h="4040650">
+                <a:path w="0" h="4045215">
                   <a:moveTo>
-                    <a:pt x="0" y="4040650"/>
+                    <a:pt x="0" y="4045215"/>
                   </a:moveTo>
                   <a:lnTo>
                     <a:pt x="0" y="0"/>
@@ -2658,15 +2658,15 @@
           </p:nvSpPr>
           <p:spPr>
             <a:xfrm>
-              <a:off x="7124962" y="1669789"/>
-              <a:ext cx="0" cy="4040650"/>
+              <a:off x="7133620" y="1669789"/>
+              <a:ext cx="0" cy="4045215"/>
             </a:xfrm>
             <a:custGeom>
               <a:avLst/>
               <a:pathLst>
-                <a:path w="0" h="4040650">
+                <a:path w="0" h="4045215">
                   <a:moveTo>
-                    <a:pt x="0" y="4040650"/>
+                    <a:pt x="0" y="4045215"/>
                   </a:moveTo>
                   <a:lnTo>
                     <a:pt x="0" y="0"/>
@@ -2701,21 +2701,21 @@
           </p:nvSpPr>
           <p:spPr>
             <a:xfrm>
-              <a:off x="823581" y="5069369"/>
-              <a:ext cx="6998526" cy="0"/>
+              <a:off x="818441" y="5073210"/>
+              <a:ext cx="7013850" cy="0"/>
             </a:xfrm>
             <a:custGeom>
               <a:avLst/>
               <a:pathLst>
-                <a:path w="6998526" h="0">
+                <a:path w="7013850" h="0">
                   <a:moveTo>
                     <a:pt x="0" y="0"/>
                   </a:moveTo>
                   <a:lnTo>
-                    <a:pt x="6998526" y="0"/>
+                    <a:pt x="7013850" y="0"/>
                   </a:lnTo>
                   <a:lnTo>
-                    <a:pt x="6998526" y="0"/>
+                    <a:pt x="7013850" y="0"/>
                   </a:lnTo>
                 </a:path>
               </a:pathLst>
@@ -2744,21 +2744,21 @@
           </p:nvSpPr>
           <p:spPr>
             <a:xfrm>
-              <a:off x="823581" y="4130142"/>
-              <a:ext cx="6998526" cy="0"/>
+              <a:off x="818441" y="4132921"/>
+              <a:ext cx="7013850" cy="0"/>
             </a:xfrm>
             <a:custGeom>
               <a:avLst/>
               <a:pathLst>
-                <a:path w="6998526" h="0">
+                <a:path w="7013850" h="0">
                   <a:moveTo>
                     <a:pt x="0" y="0"/>
                   </a:moveTo>
                   <a:lnTo>
-                    <a:pt x="6998526" y="0"/>
+                    <a:pt x="7013850" y="0"/>
                   </a:lnTo>
                   <a:lnTo>
-                    <a:pt x="6998526" y="0"/>
+                    <a:pt x="7013850" y="0"/>
                   </a:lnTo>
                 </a:path>
               </a:pathLst>
@@ -2787,21 +2787,21 @@
           </p:nvSpPr>
           <p:spPr>
             <a:xfrm>
-              <a:off x="823581" y="3190914"/>
-              <a:ext cx="6998526" cy="0"/>
+              <a:off x="818441" y="3192633"/>
+              <a:ext cx="7013850" cy="0"/>
             </a:xfrm>
             <a:custGeom>
               <a:avLst/>
               <a:pathLst>
-                <a:path w="6998526" h="0">
+                <a:path w="7013850" h="0">
                   <a:moveTo>
                     <a:pt x="0" y="0"/>
                   </a:moveTo>
                   <a:lnTo>
-                    <a:pt x="6998526" y="0"/>
+                    <a:pt x="7013850" y="0"/>
                   </a:lnTo>
                   <a:lnTo>
-                    <a:pt x="6998526" y="0"/>
+                    <a:pt x="7013850" y="0"/>
                   </a:lnTo>
                 </a:path>
               </a:pathLst>
@@ -2830,21 +2830,21 @@
           </p:nvSpPr>
           <p:spPr>
             <a:xfrm>
-              <a:off x="823581" y="2251687"/>
-              <a:ext cx="6998526" cy="0"/>
+              <a:off x="818441" y="2252344"/>
+              <a:ext cx="7013850" cy="0"/>
             </a:xfrm>
             <a:custGeom>
               <a:avLst/>
               <a:pathLst>
-                <a:path w="6998526" h="0">
+                <a:path w="7013850" h="0">
                   <a:moveTo>
                     <a:pt x="0" y="0"/>
                   </a:moveTo>
                   <a:lnTo>
-                    <a:pt x="6998526" y="0"/>
+                    <a:pt x="7013850" y="0"/>
                   </a:lnTo>
                   <a:lnTo>
-                    <a:pt x="6998526" y="0"/>
+                    <a:pt x="7013850" y="0"/>
                   </a:lnTo>
                 </a:path>
               </a:pathLst>
@@ -2873,15 +2873,15 @@
           </p:nvSpPr>
           <p:spPr>
             <a:xfrm>
-              <a:off x="1033401" y="1669789"/>
-              <a:ext cx="0" cy="4040650"/>
+              <a:off x="1028721" y="1669789"/>
+              <a:ext cx="0" cy="4045215"/>
             </a:xfrm>
             <a:custGeom>
               <a:avLst/>
               <a:pathLst>
-                <a:path w="0" h="4040650">
+                <a:path w="0" h="4045215">
                   <a:moveTo>
-                    <a:pt x="0" y="4040650"/>
+                    <a:pt x="0" y="4045215"/>
                   </a:moveTo>
                   <a:lnTo>
                     <a:pt x="0" y="0"/>
@@ -2916,15 +2916,15 @@
           </p:nvSpPr>
           <p:spPr>
             <a:xfrm>
-              <a:off x="2387081" y="1669789"/>
-              <a:ext cx="0" cy="4040650"/>
+              <a:off x="2385365" y="1669789"/>
+              <a:ext cx="0" cy="4045215"/>
             </a:xfrm>
             <a:custGeom>
               <a:avLst/>
               <a:pathLst>
-                <a:path w="0" h="4040650">
+                <a:path w="0" h="4045215">
                   <a:moveTo>
-                    <a:pt x="0" y="4040650"/>
+                    <a:pt x="0" y="4045215"/>
                   </a:moveTo>
                   <a:lnTo>
                     <a:pt x="0" y="0"/>
@@ -2959,15 +2959,15 @@
           </p:nvSpPr>
           <p:spPr>
             <a:xfrm>
-              <a:off x="3740761" y="1669789"/>
-              <a:ext cx="0" cy="4040650"/>
+              <a:off x="3742010" y="1669789"/>
+              <a:ext cx="0" cy="4045215"/>
             </a:xfrm>
             <a:custGeom>
               <a:avLst/>
               <a:pathLst>
-                <a:path w="0" h="4040650">
+                <a:path w="0" h="4045215">
                   <a:moveTo>
-                    <a:pt x="0" y="4040650"/>
+                    <a:pt x="0" y="4045215"/>
                   </a:moveTo>
                   <a:lnTo>
                     <a:pt x="0" y="0"/>
@@ -3002,15 +3002,15 @@
           </p:nvSpPr>
           <p:spPr>
             <a:xfrm>
-              <a:off x="5094441" y="1669789"/>
-              <a:ext cx="0" cy="4040650"/>
+              <a:off x="5098654" y="1669789"/>
+              <a:ext cx="0" cy="4045215"/>
             </a:xfrm>
             <a:custGeom>
               <a:avLst/>
               <a:pathLst>
-                <a:path w="0" h="4040650">
+                <a:path w="0" h="4045215">
                   <a:moveTo>
-                    <a:pt x="0" y="4040650"/>
+                    <a:pt x="0" y="4045215"/>
                   </a:moveTo>
                   <a:lnTo>
                     <a:pt x="0" y="0"/>
@@ -3045,15 +3045,15 @@
           </p:nvSpPr>
           <p:spPr>
             <a:xfrm>
-              <a:off x="6448122" y="1669789"/>
-              <a:ext cx="0" cy="4040650"/>
+              <a:off x="6455298" y="1669789"/>
+              <a:ext cx="0" cy="4045215"/>
             </a:xfrm>
             <a:custGeom>
               <a:avLst/>
               <a:pathLst>
-                <a:path w="0" h="4040650">
+                <a:path w="0" h="4045215">
                   <a:moveTo>
-                    <a:pt x="0" y="4040650"/>
+                    <a:pt x="0" y="4045215"/>
                   </a:moveTo>
                   <a:lnTo>
                     <a:pt x="0" y="0"/>
@@ -3088,15 +3088,15 @@
           </p:nvSpPr>
           <p:spPr>
             <a:xfrm>
-              <a:off x="7801802" y="1669789"/>
-              <a:ext cx="0" cy="4040650"/>
+              <a:off x="7811942" y="1669789"/>
+              <a:ext cx="0" cy="4045215"/>
             </a:xfrm>
             <a:custGeom>
               <a:avLst/>
               <a:pathLst>
-                <a:path w="0" h="4040650">
+                <a:path w="0" h="4045215">
                   <a:moveTo>
-                    <a:pt x="0" y="4040650"/>
+                    <a:pt x="0" y="4045215"/>
                   </a:moveTo>
                   <a:lnTo>
                     <a:pt x="0" y="0"/>
@@ -3131,7 +3131,7 @@
           </p:nvSpPr>
           <p:spPr>
             <a:xfrm>
-              <a:off x="3986671" y="4462222"/>
+              <a:off x="3988513" y="4465405"/>
               <a:ext cx="49651" cy="49651"/>
             </a:xfrm>
             <a:prstGeom prst="ellipse">
@@ -3166,7 +3166,7 @@
           </p:nvSpPr>
           <p:spPr>
             <a:xfrm>
-              <a:off x="3986671" y="4222719"/>
+              <a:off x="3988513" y="4225631"/>
               <a:ext cx="49651" cy="49651"/>
             </a:xfrm>
             <a:prstGeom prst="ellipse">
@@ -3201,7 +3201,7 @@
           </p:nvSpPr>
           <p:spPr>
             <a:xfrm>
-              <a:off x="4473996" y="4743990"/>
+              <a:off x="4476904" y="4747492"/>
               <a:ext cx="49651" cy="49651"/>
             </a:xfrm>
             <a:prstGeom prst="ellipse">
@@ -3236,7 +3236,7 @@
           </p:nvSpPr>
           <p:spPr>
             <a:xfrm>
-              <a:off x="4094966" y="3903382"/>
+              <a:off x="4097044" y="3905933"/>
               <a:ext cx="49651" cy="49651"/>
             </a:xfrm>
             <a:prstGeom prst="ellipse">
@@ -3271,7 +3271,7 @@
           </p:nvSpPr>
           <p:spPr>
             <a:xfrm>
-              <a:off x="3363979" y="3692056"/>
+              <a:off x="3364456" y="3694368"/>
               <a:ext cx="49651" cy="49651"/>
             </a:xfrm>
             <a:prstGeom prst="ellipse">
@@ -3306,7 +3306,7 @@
           </p:nvSpPr>
           <p:spPr>
             <a:xfrm>
-              <a:off x="3201537" y="3673271"/>
+              <a:off x="3201659" y="3675563"/>
               <a:ext cx="49651" cy="49651"/>
             </a:xfrm>
             <a:prstGeom prst="ellipse">
@@ -3341,7 +3341,7 @@
           </p:nvSpPr>
           <p:spPr>
             <a:xfrm>
-              <a:off x="2172740" y="3569956"/>
+              <a:off x="2170609" y="3572131"/>
               <a:ext cx="49651" cy="49651"/>
             </a:xfrm>
             <a:prstGeom prst="ellipse">
@@ -3376,7 +3376,7 @@
           </p:nvSpPr>
           <p:spPr>
             <a:xfrm>
-              <a:off x="4907174" y="3926862"/>
+              <a:off x="4911031" y="3929441"/>
               <a:ext cx="49651" cy="49651"/>
             </a:xfrm>
             <a:prstGeom prst="ellipse">
@@ -3411,7 +3411,7 @@
           </p:nvSpPr>
           <p:spPr>
             <a:xfrm>
-              <a:off x="4473996" y="3964432"/>
+              <a:off x="4476904" y="3967052"/>
               <a:ext cx="49651" cy="49651"/>
             </a:xfrm>
             <a:prstGeom prst="ellipse">
@@ -3446,7 +3446,7 @@
           </p:nvSpPr>
           <p:spPr>
             <a:xfrm>
-              <a:off x="3499347" y="3692056"/>
+              <a:off x="3500121" y="3694368"/>
               <a:ext cx="49651" cy="49651"/>
             </a:xfrm>
             <a:prstGeom prst="ellipse">
@@ -3481,7 +3481,7 @@
           </p:nvSpPr>
           <p:spPr>
             <a:xfrm>
-              <a:off x="3120316" y="3692056"/>
+              <a:off x="3120260" y="3694368"/>
               <a:ext cx="49651" cy="49651"/>
             </a:xfrm>
             <a:prstGeom prst="ellipse">
@@ -3516,7 +3516,7 @@
           </p:nvSpPr>
           <p:spPr>
             <a:xfrm>
-              <a:off x="2741286" y="3100342"/>
+              <a:off x="2740400" y="3101987"/>
               <a:ext cx="49651" cy="49651"/>
             </a:xfrm>
             <a:prstGeom prst="ellipse">
@@ -3551,7 +3551,7 @@
           </p:nvSpPr>
           <p:spPr>
             <a:xfrm>
-              <a:off x="2984948" y="3419680"/>
+              <a:off x="2984596" y="3421685"/>
               <a:ext cx="49651" cy="49651"/>
             </a:xfrm>
             <a:prstGeom prst="ellipse">
@@ -3586,7 +3586,7 @@
           </p:nvSpPr>
           <p:spPr>
             <a:xfrm>
-              <a:off x="2416402" y="3372718"/>
+              <a:off x="2414805" y="3374670"/>
               <a:ext cx="49651" cy="49651"/>
             </a:xfrm>
             <a:prstGeom prst="ellipse">
@@ -3621,7 +3621,7 @@
           </p:nvSpPr>
           <p:spPr>
             <a:xfrm>
-              <a:off x="1116870" y="1992054"/>
+              <a:off x="1112427" y="1992446"/>
               <a:ext cx="49651" cy="49651"/>
             </a:xfrm>
             <a:prstGeom prst="ellipse">
@@ -3656,7 +3656,7 @@
           </p:nvSpPr>
           <p:spPr>
             <a:xfrm>
-              <a:off x="1116870" y="1828629"/>
+              <a:off x="1112427" y="1828836"/>
               <a:ext cx="49651" cy="49651"/>
             </a:xfrm>
             <a:prstGeom prst="ellipse">
@@ -3691,7 +3691,7 @@
           </p:nvSpPr>
           <p:spPr>
             <a:xfrm>
-              <a:off x="2281034" y="1902827"/>
+              <a:off x="2279141" y="1903119"/>
               <a:ext cx="49651" cy="49651"/>
             </a:xfrm>
             <a:prstGeom prst="ellipse">
@@ -3726,7 +3726,7 @@
           </p:nvSpPr>
           <p:spPr>
             <a:xfrm>
-              <a:off x="7073062" y="4856698"/>
+              <a:off x="7081661" y="4860326"/>
               <a:ext cx="49651" cy="49651"/>
             </a:xfrm>
             <a:prstGeom prst="ellipse">
@@ -3761,7 +3761,7 @@
           </p:nvSpPr>
           <p:spPr>
             <a:xfrm>
-              <a:off x="6531590" y="5406146"/>
+              <a:off x="6539004" y="5410395"/>
               <a:ext cx="49651" cy="49651"/>
             </a:xfrm>
             <a:prstGeom prst="ellipse">
@@ -3796,7 +3796,7 @@
           </p:nvSpPr>
           <p:spPr>
             <a:xfrm>
-              <a:off x="7479166" y="5199516"/>
+              <a:off x="7488655" y="5203531"/>
               <a:ext cx="49651" cy="49651"/>
             </a:xfrm>
             <a:prstGeom prst="ellipse">
@@ -3831,7 +3831,7 @@
           </p:nvSpPr>
           <p:spPr>
             <a:xfrm>
-              <a:off x="4122039" y="4607802"/>
+              <a:off x="4124177" y="4611150"/>
               <a:ext cx="49651" cy="49651"/>
             </a:xfrm>
             <a:prstGeom prst="ellipse">
@@ -3866,7 +3866,7 @@
           </p:nvSpPr>
           <p:spPr>
             <a:xfrm>
-              <a:off x="2497623" y="3616917"/>
+              <a:off x="2496204" y="3619145"/>
               <a:ext cx="49651" cy="49651"/>
             </a:xfrm>
             <a:prstGeom prst="ellipse">
@@ -3901,7 +3901,7 @@
           </p:nvSpPr>
           <p:spPr>
             <a:xfrm>
-              <a:off x="2416402" y="3696752"/>
+              <a:off x="2414805" y="3699070"/>
               <a:ext cx="49651" cy="49651"/>
             </a:xfrm>
             <a:prstGeom prst="ellipse">
@@ -3936,7 +3936,7 @@
           </p:nvSpPr>
           <p:spPr>
             <a:xfrm>
-              <a:off x="1902004" y="3316365"/>
+              <a:off x="1899280" y="3318253"/>
               <a:ext cx="49651" cy="49651"/>
             </a:xfrm>
             <a:prstGeom prst="ellipse">
@@ -3971,7 +3971,7 @@
           </p:nvSpPr>
           <p:spPr>
             <a:xfrm>
-              <a:off x="3499347" y="3311669"/>
+              <a:off x="3500121" y="3313552"/>
               <a:ext cx="49651" cy="49651"/>
             </a:xfrm>
             <a:prstGeom prst="ellipse">
@@ -4006,7 +4006,7 @@
           </p:nvSpPr>
           <p:spPr>
             <a:xfrm>
-              <a:off x="5692308" y="5105593"/>
+              <a:off x="5697884" y="5109503"/>
               <a:ext cx="49651" cy="49651"/>
             </a:xfrm>
             <a:prstGeom prst="ellipse">
@@ -4041,7 +4041,7 @@
           </p:nvSpPr>
           <p:spPr>
             <a:xfrm>
-              <a:off x="5340352" y="4913051"/>
+              <a:off x="5345157" y="4916743"/>
               <a:ext cx="49651" cy="49651"/>
             </a:xfrm>
             <a:prstGeom prst="ellipse">
@@ -4076,7 +4076,7 @@
           </p:nvSpPr>
           <p:spPr>
             <a:xfrm>
-              <a:off x="6531590" y="5501947"/>
+              <a:off x="6539004" y="5506304"/>
               <a:ext cx="49651" cy="49651"/>
             </a:xfrm>
             <a:prstGeom prst="ellipse">
@@ -4111,7 +4111,7 @@
           </p:nvSpPr>
           <p:spPr>
             <a:xfrm>
-              <a:off x="2578844" y="3945647"/>
+              <a:off x="2577603" y="3948246"/>
               <a:ext cx="49651" cy="49651"/>
             </a:xfrm>
             <a:prstGeom prst="ellipse">
@@ -4146,7 +4146,7 @@
           </p:nvSpPr>
           <p:spPr>
             <a:xfrm>
-              <a:off x="3634715" y="4321338"/>
+              <a:off x="3635785" y="4324362"/>
               <a:ext cx="49651" cy="49651"/>
             </a:xfrm>
             <a:prstGeom prst="ellipse">
@@ -4181,7 +4181,7 @@
           </p:nvSpPr>
           <p:spPr>
             <a:xfrm>
-              <a:off x="2362255" y="3569956"/>
+              <a:off x="2360539" y="3572131"/>
               <a:ext cx="49651" cy="49651"/>
             </a:xfrm>
             <a:prstGeom prst="ellipse">
@@ -4216,7 +4216,7 @@
           </p:nvSpPr>
           <p:spPr>
             <a:xfrm>
-              <a:off x="4094966" y="4311946"/>
+              <a:off x="4097044" y="4314959"/>
               <a:ext cx="49651" cy="49651"/>
             </a:xfrm>
             <a:prstGeom prst="ellipse">
@@ -4251,8 +4251,8 @@
           </p:nvSpPr>
           <p:spPr>
             <a:xfrm>
-              <a:off x="697382" y="5028094"/>
-              <a:ext cx="63568" cy="82153"/>
+              <a:off x="693656" y="5032882"/>
+              <a:ext cx="62155" cy="80327"/>
             </a:xfrm>
             <a:prstGeom prst="rect">
               <a:avLst/>
@@ -4297,8 +4297,8 @@
           </p:nvSpPr>
           <p:spPr>
             <a:xfrm>
-              <a:off x="697382" y="4087478"/>
-              <a:ext cx="63568" cy="83542"/>
+              <a:off x="693656" y="4091175"/>
+              <a:ext cx="62155" cy="81746"/>
             </a:xfrm>
             <a:prstGeom prst="rect">
               <a:avLst/>
@@ -4343,8 +4343,8 @@
           </p:nvSpPr>
           <p:spPr>
             <a:xfrm>
-              <a:off x="697382" y="3150036"/>
-              <a:ext cx="63568" cy="81756"/>
+              <a:off x="693656" y="3152633"/>
+              <a:ext cx="62155" cy="80000"/>
             </a:xfrm>
             <a:prstGeom prst="rect">
               <a:avLst/>
@@ -4389,8 +4389,8 @@
           </p:nvSpPr>
           <p:spPr>
             <a:xfrm>
-              <a:off x="697382" y="2210412"/>
-              <a:ext cx="63568" cy="82153"/>
+              <a:off x="693656" y="2212071"/>
+              <a:ext cx="62155" cy="80272"/>
             </a:xfrm>
             <a:prstGeom prst="rect">
               <a:avLst/>
@@ -4435,8 +4435,8 @@
           </p:nvSpPr>
           <p:spPr>
             <a:xfrm>
-              <a:off x="969833" y="5771283"/>
-              <a:ext cx="127136" cy="83542"/>
+              <a:off x="966566" y="5775942"/>
+              <a:ext cx="124311" cy="81691"/>
             </a:xfrm>
             <a:prstGeom prst="rect">
               <a:avLst/>
@@ -4481,8 +4481,8 @@
           </p:nvSpPr>
           <p:spPr>
             <a:xfrm>
-              <a:off x="2323513" y="5771283"/>
-              <a:ext cx="127136" cy="83542"/>
+              <a:off x="2323210" y="5775942"/>
+              <a:ext cx="124311" cy="81691"/>
             </a:xfrm>
             <a:prstGeom prst="rect">
               <a:avLst/>
@@ -4527,8 +4527,8 @@
           </p:nvSpPr>
           <p:spPr>
             <a:xfrm>
-              <a:off x="3677193" y="5771283"/>
-              <a:ext cx="127136" cy="83542"/>
+              <a:off x="3679854" y="5775942"/>
+              <a:ext cx="124311" cy="81691"/>
             </a:xfrm>
             <a:prstGeom prst="rect">
               <a:avLst/>
@@ -4573,8 +4573,8 @@
           </p:nvSpPr>
           <p:spPr>
             <a:xfrm>
-              <a:off x="5030873" y="5771283"/>
-              <a:ext cx="127136" cy="83542"/>
+              <a:off x="5036498" y="5775942"/>
+              <a:ext cx="124311" cy="81691"/>
             </a:xfrm>
             <a:prstGeom prst="rect">
               <a:avLst/>
@@ -4619,8 +4619,8 @@
           </p:nvSpPr>
           <p:spPr>
             <a:xfrm>
-              <a:off x="6384553" y="5771283"/>
-              <a:ext cx="127136" cy="83542"/>
+              <a:off x="6393143" y="5775888"/>
+              <a:ext cx="124311" cy="81746"/>
             </a:xfrm>
             <a:prstGeom prst="rect">
               <a:avLst/>
@@ -4665,8 +4665,8 @@
           </p:nvSpPr>
           <p:spPr>
             <a:xfrm>
-              <a:off x="7738233" y="5771283"/>
-              <a:ext cx="127136" cy="83542"/>
+              <a:off x="7749787" y="5775888"/>
+              <a:ext cx="124311" cy="81746"/>
             </a:xfrm>
             <a:prstGeom prst="rect">
               <a:avLst/>
@@ -4711,8 +4711,8 @@
           </p:nvSpPr>
           <p:spPr>
             <a:xfrm>
-              <a:off x="4186964" y="5921041"/>
-              <a:ext cx="271760" cy="103385"/>
+              <a:off x="4189487" y="5921022"/>
+              <a:ext cx="271760" cy="103478"/>
             </a:xfrm>
             <a:prstGeom prst="rect">
               <a:avLst/>
@@ -4757,8 +4757,8 @@
           </p:nvSpPr>
           <p:spPr>
             <a:xfrm rot="-5400000">
-              <a:off x="507540" y="3640703"/>
-              <a:ext cx="139700" cy="98821"/>
+              <a:off x="507587" y="3643044"/>
+              <a:ext cx="139700" cy="98704"/>
             </a:xfrm>
             <a:prstGeom prst="rect">
               <a:avLst/>
@@ -4809,7 +4809,7 @@
           </p:blipFill>
           <p:spPr>
             <a:xfrm>
-              <a:off x="8038107" y="3239254"/>
+              <a:off x="8041059" y="3244587"/>
               <a:ext cx="219455" cy="1097280"/>
             </a:xfrm>
             <a:prstGeom prst="rect">
@@ -4825,8 +4825,8 @@
           </p:nvSpPr>
           <p:spPr>
             <a:xfrm>
-              <a:off x="8322750" y="4204389"/>
-              <a:ext cx="222460" cy="83542"/>
+              <a:off x="8330104" y="4210695"/>
+              <a:ext cx="217517" cy="81691"/>
             </a:xfrm>
             <a:prstGeom prst="rect">
               <a:avLst/>
@@ -4871,8 +4871,8 @@
           </p:nvSpPr>
           <p:spPr>
             <a:xfrm>
-              <a:off x="8322750" y="3894146"/>
-              <a:ext cx="222460" cy="83542"/>
+              <a:off x="8330104" y="3900452"/>
+              <a:ext cx="217517" cy="81691"/>
             </a:xfrm>
             <a:prstGeom prst="rect">
               <a:avLst/>
@@ -4917,8 +4917,8 @@
           </p:nvSpPr>
           <p:spPr>
             <a:xfrm>
-              <a:off x="8322750" y="3583903"/>
-              <a:ext cx="222460" cy="83542"/>
+              <a:off x="8330104" y="3590209"/>
+              <a:ext cx="217517" cy="81691"/>
             </a:xfrm>
             <a:prstGeom prst="rect">
               <a:avLst/>
@@ -4963,8 +4963,8 @@
           </p:nvSpPr>
           <p:spPr>
             <a:xfrm>
-              <a:off x="8322750" y="3273660"/>
-              <a:ext cx="222460" cy="83542"/>
+              <a:off x="8330104" y="3279966"/>
+              <a:ext cx="217517" cy="81691"/>
             </a:xfrm>
             <a:prstGeom prst="rect">
               <a:avLst/>
@@ -5009,8 +5009,8 @@
           </p:nvSpPr>
           <p:spPr>
             <a:xfrm>
-              <a:off x="8038107" y="3057088"/>
-              <a:ext cx="295088" cy="101798"/>
+              <a:off x="8041059" y="3057120"/>
+              <a:ext cx="295088" cy="101841"/>
             </a:xfrm>
             <a:prstGeom prst="rect">
               <a:avLst/>
@@ -5055,7 +5055,7 @@
           </p:nvSpPr>
           <p:spPr>
             <a:xfrm>
-              <a:off x="8038107" y="4247053"/>
+              <a:off x="8041059" y="4252386"/>
               <a:ext cx="43891" cy="0"/>
             </a:xfrm>
             <a:custGeom>
@@ -5095,7 +5095,7 @@
           </p:nvSpPr>
           <p:spPr>
             <a:xfrm>
-              <a:off x="8038107" y="3936810"/>
+              <a:off x="8041059" y="3942143"/>
               <a:ext cx="43891" cy="0"/>
             </a:xfrm>
             <a:custGeom>
@@ -5135,7 +5135,7 @@
           </p:nvSpPr>
           <p:spPr>
             <a:xfrm>
-              <a:off x="8038107" y="3626567"/>
+              <a:off x="8041059" y="3631901"/>
               <a:ext cx="43891" cy="0"/>
             </a:xfrm>
             <a:custGeom>
@@ -5175,7 +5175,7 @@
           </p:nvSpPr>
           <p:spPr>
             <a:xfrm>
-              <a:off x="8038107" y="3316325"/>
+              <a:off x="8041059" y="3321658"/>
               <a:ext cx="43891" cy="0"/>
             </a:xfrm>
             <a:custGeom>
@@ -5215,7 +5215,7 @@
           </p:nvSpPr>
           <p:spPr>
             <a:xfrm>
-              <a:off x="8213672" y="4247053"/>
+              <a:off x="8216624" y="4252386"/>
               <a:ext cx="43891" cy="0"/>
             </a:xfrm>
             <a:custGeom>
@@ -5255,7 +5255,7 @@
           </p:nvSpPr>
           <p:spPr>
             <a:xfrm>
-              <a:off x="8213672" y="3936810"/>
+              <a:off x="8216624" y="3942143"/>
               <a:ext cx="43891" cy="0"/>
             </a:xfrm>
             <a:custGeom>
@@ -5295,7 +5295,7 @@
           </p:nvSpPr>
           <p:spPr>
             <a:xfrm>
-              <a:off x="8213672" y="3626567"/>
+              <a:off x="8216624" y="3631901"/>
               <a:ext cx="43891" cy="0"/>
             </a:xfrm>
             <a:custGeom>
@@ -5335,7 +5335,7 @@
           </p:nvSpPr>
           <p:spPr>
             <a:xfrm>
-              <a:off x="8213672" y="3316325"/>
+              <a:off x="8216624" y="3321658"/>
               <a:ext cx="43891" cy="0"/>
             </a:xfrm>
             <a:custGeom>

--- a/docs/articles/assets/graphics/demo_rvg.pptx
+++ b/docs/articles/assets/graphics/demo_rvg.pptx
@@ -2271,21 +2271,21 @@
           </p:nvSpPr>
           <p:spPr>
             <a:xfrm>
-              <a:off x="818441" y="5543354"/>
-              <a:ext cx="7013850" cy="0"/>
+              <a:off x="815769" y="5554103"/>
+              <a:ext cx="7016523" cy="0"/>
             </a:xfrm>
             <a:custGeom>
               <a:avLst/>
               <a:pathLst>
-                <a:path w="7013850" h="0">
+                <a:path w="7016523" h="0">
                   <a:moveTo>
                     <a:pt x="0" y="0"/>
                   </a:moveTo>
                   <a:lnTo>
-                    <a:pt x="7013850" y="0"/>
+                    <a:pt x="7016523" y="0"/>
                   </a:lnTo>
                   <a:lnTo>
-                    <a:pt x="7013850" y="0"/>
+                    <a:pt x="7016523" y="0"/>
                   </a:lnTo>
                 </a:path>
               </a:pathLst>
@@ -2314,21 +2314,21 @@
           </p:nvSpPr>
           <p:spPr>
             <a:xfrm>
-              <a:off x="818441" y="4603066"/>
-              <a:ext cx="7013850" cy="0"/>
+              <a:off x="815769" y="4611205"/>
+              <a:ext cx="7016523" cy="0"/>
             </a:xfrm>
             <a:custGeom>
               <a:avLst/>
               <a:pathLst>
-                <a:path w="7013850" h="0">
+                <a:path w="7016523" h="0">
                   <a:moveTo>
                     <a:pt x="0" y="0"/>
                   </a:moveTo>
                   <a:lnTo>
-                    <a:pt x="7013850" y="0"/>
+                    <a:pt x="7016523" y="0"/>
                   </a:lnTo>
                   <a:lnTo>
-                    <a:pt x="7013850" y="0"/>
+                    <a:pt x="7016523" y="0"/>
                   </a:lnTo>
                 </a:path>
               </a:pathLst>
@@ -2357,21 +2357,21 @@
           </p:nvSpPr>
           <p:spPr>
             <a:xfrm>
-              <a:off x="818441" y="3662777"/>
-              <a:ext cx="7013850" cy="0"/>
+              <a:off x="815769" y="3668308"/>
+              <a:ext cx="7016523" cy="0"/>
             </a:xfrm>
             <a:custGeom>
               <a:avLst/>
               <a:pathLst>
-                <a:path w="7013850" h="0">
+                <a:path w="7016523" h="0">
                   <a:moveTo>
                     <a:pt x="0" y="0"/>
                   </a:moveTo>
                   <a:lnTo>
-                    <a:pt x="7013850" y="0"/>
+                    <a:pt x="7016523" y="0"/>
                   </a:lnTo>
                   <a:lnTo>
-                    <a:pt x="7013850" y="0"/>
+                    <a:pt x="7016523" y="0"/>
                   </a:lnTo>
                 </a:path>
               </a:pathLst>
@@ -2400,21 +2400,21 @@
           </p:nvSpPr>
           <p:spPr>
             <a:xfrm>
-              <a:off x="818441" y="2722489"/>
-              <a:ext cx="7013850" cy="0"/>
+              <a:off x="815769" y="2725410"/>
+              <a:ext cx="7016523" cy="0"/>
             </a:xfrm>
             <a:custGeom>
               <a:avLst/>
               <a:pathLst>
-                <a:path w="7013850" h="0">
+                <a:path w="7016523" h="0">
                   <a:moveTo>
                     <a:pt x="0" y="0"/>
                   </a:moveTo>
                   <a:lnTo>
-                    <a:pt x="7013850" y="0"/>
+                    <a:pt x="7016523" y="0"/>
                   </a:lnTo>
                   <a:lnTo>
-                    <a:pt x="7013850" y="0"/>
+                    <a:pt x="7016523" y="0"/>
                   </a:lnTo>
                 </a:path>
               </a:pathLst>
@@ -2443,21 +2443,21 @@
           </p:nvSpPr>
           <p:spPr>
             <a:xfrm>
-              <a:off x="818441" y="1782200"/>
-              <a:ext cx="7013850" cy="0"/>
+              <a:off x="815769" y="1782512"/>
+              <a:ext cx="7016523" cy="0"/>
             </a:xfrm>
             <a:custGeom>
               <a:avLst/>
               <a:pathLst>
-                <a:path w="7013850" h="0">
+                <a:path w="7016523" h="0">
                   <a:moveTo>
                     <a:pt x="0" y="0"/>
                   </a:moveTo>
                   <a:lnTo>
-                    <a:pt x="7013850" y="0"/>
+                    <a:pt x="7016523" y="0"/>
                   </a:lnTo>
                   <a:lnTo>
-                    <a:pt x="7013850" y="0"/>
+                    <a:pt x="7016523" y="0"/>
                   </a:lnTo>
                 </a:path>
               </a:pathLst>
@@ -2486,15 +2486,15 @@
           </p:nvSpPr>
           <p:spPr>
             <a:xfrm>
-              <a:off x="1707043" y="1669789"/>
-              <a:ext cx="0" cy="4045215"/>
+              <a:off x="1704709" y="1669789"/>
+              <a:ext cx="0" cy="4056440"/>
             </a:xfrm>
             <a:custGeom>
               <a:avLst/>
               <a:pathLst>
-                <a:path w="0" h="4045215">
+                <a:path w="0" h="4056440">
                   <a:moveTo>
-                    <a:pt x="0" y="4045215"/>
+                    <a:pt x="0" y="4056440"/>
                   </a:moveTo>
                   <a:lnTo>
                     <a:pt x="0" y="0"/>
@@ -2529,15 +2529,15 @@
           </p:nvSpPr>
           <p:spPr>
             <a:xfrm>
-              <a:off x="3063688" y="1669789"/>
-              <a:ext cx="0" cy="4045215"/>
+              <a:off x="3061870" y="1669789"/>
+              <a:ext cx="0" cy="4056440"/>
             </a:xfrm>
             <a:custGeom>
               <a:avLst/>
               <a:pathLst>
-                <a:path w="0" h="4045215">
+                <a:path w="0" h="4056440">
                   <a:moveTo>
-                    <a:pt x="0" y="4045215"/>
+                    <a:pt x="0" y="4056440"/>
                   </a:moveTo>
                   <a:lnTo>
                     <a:pt x="0" y="0"/>
@@ -2572,15 +2572,15 @@
           </p:nvSpPr>
           <p:spPr>
             <a:xfrm>
-              <a:off x="4420332" y="1669789"/>
-              <a:ext cx="0" cy="4045215"/>
+              <a:off x="4419032" y="1669789"/>
+              <a:ext cx="0" cy="4056440"/>
             </a:xfrm>
             <a:custGeom>
               <a:avLst/>
               <a:pathLst>
-                <a:path w="0" h="4045215">
+                <a:path w="0" h="4056440">
                   <a:moveTo>
-                    <a:pt x="0" y="4045215"/>
+                    <a:pt x="0" y="4056440"/>
                   </a:moveTo>
                   <a:lnTo>
                     <a:pt x="0" y="0"/>
@@ -2615,15 +2615,15 @@
           </p:nvSpPr>
           <p:spPr>
             <a:xfrm>
-              <a:off x="5776976" y="1669789"/>
-              <a:ext cx="0" cy="4045215"/>
+              <a:off x="5776193" y="1669789"/>
+              <a:ext cx="0" cy="4056440"/>
             </a:xfrm>
             <a:custGeom>
               <a:avLst/>
               <a:pathLst>
-                <a:path w="0" h="4045215">
+                <a:path w="0" h="4056440">
                   <a:moveTo>
-                    <a:pt x="0" y="4045215"/>
+                    <a:pt x="0" y="4056440"/>
                   </a:moveTo>
                   <a:lnTo>
                     <a:pt x="0" y="0"/>
@@ -2658,15 +2658,15 @@
           </p:nvSpPr>
           <p:spPr>
             <a:xfrm>
-              <a:off x="7133620" y="1669789"/>
-              <a:ext cx="0" cy="4045215"/>
+              <a:off x="7133354" y="1669789"/>
+              <a:ext cx="0" cy="4056440"/>
             </a:xfrm>
             <a:custGeom>
               <a:avLst/>
               <a:pathLst>
-                <a:path w="0" h="4045215">
+                <a:path w="0" h="4056440">
                   <a:moveTo>
-                    <a:pt x="0" y="4045215"/>
+                    <a:pt x="0" y="4056440"/>
                   </a:moveTo>
                   <a:lnTo>
                     <a:pt x="0" y="0"/>
@@ -2701,21 +2701,21 @@
           </p:nvSpPr>
           <p:spPr>
             <a:xfrm>
-              <a:off x="818441" y="5073210"/>
-              <a:ext cx="7013850" cy="0"/>
+              <a:off x="815769" y="5082654"/>
+              <a:ext cx="7016523" cy="0"/>
             </a:xfrm>
             <a:custGeom>
               <a:avLst/>
               <a:pathLst>
-                <a:path w="7013850" h="0">
+                <a:path w="7016523" h="0">
                   <a:moveTo>
                     <a:pt x="0" y="0"/>
                   </a:moveTo>
                   <a:lnTo>
-                    <a:pt x="7013850" y="0"/>
+                    <a:pt x="7016523" y="0"/>
                   </a:lnTo>
                   <a:lnTo>
-                    <a:pt x="7013850" y="0"/>
+                    <a:pt x="7016523" y="0"/>
                   </a:lnTo>
                 </a:path>
               </a:pathLst>
@@ -2744,21 +2744,21 @@
           </p:nvSpPr>
           <p:spPr>
             <a:xfrm>
-              <a:off x="818441" y="4132921"/>
-              <a:ext cx="7013850" cy="0"/>
+              <a:off x="815769" y="4139756"/>
+              <a:ext cx="7016523" cy="0"/>
             </a:xfrm>
             <a:custGeom>
               <a:avLst/>
               <a:pathLst>
-                <a:path w="7013850" h="0">
+                <a:path w="7016523" h="0">
                   <a:moveTo>
                     <a:pt x="0" y="0"/>
                   </a:moveTo>
                   <a:lnTo>
-                    <a:pt x="7013850" y="0"/>
+                    <a:pt x="7016523" y="0"/>
                   </a:lnTo>
                   <a:lnTo>
-                    <a:pt x="7013850" y="0"/>
+                    <a:pt x="7016523" y="0"/>
                   </a:lnTo>
                 </a:path>
               </a:pathLst>
@@ -2787,21 +2787,21 @@
           </p:nvSpPr>
           <p:spPr>
             <a:xfrm>
-              <a:off x="818441" y="3192633"/>
-              <a:ext cx="7013850" cy="0"/>
+              <a:off x="815769" y="3196859"/>
+              <a:ext cx="7016523" cy="0"/>
             </a:xfrm>
             <a:custGeom>
               <a:avLst/>
               <a:pathLst>
-                <a:path w="7013850" h="0">
+                <a:path w="7016523" h="0">
                   <a:moveTo>
                     <a:pt x="0" y="0"/>
                   </a:moveTo>
                   <a:lnTo>
-                    <a:pt x="7013850" y="0"/>
+                    <a:pt x="7016523" y="0"/>
                   </a:lnTo>
                   <a:lnTo>
-                    <a:pt x="7013850" y="0"/>
+                    <a:pt x="7016523" y="0"/>
                   </a:lnTo>
                 </a:path>
               </a:pathLst>
@@ -2830,21 +2830,21 @@
           </p:nvSpPr>
           <p:spPr>
             <a:xfrm>
-              <a:off x="818441" y="2252344"/>
-              <a:ext cx="7013850" cy="0"/>
+              <a:off x="815769" y="2253961"/>
+              <a:ext cx="7016523" cy="0"/>
             </a:xfrm>
             <a:custGeom>
               <a:avLst/>
               <a:pathLst>
-                <a:path w="7013850" h="0">
+                <a:path w="7016523" h="0">
                   <a:moveTo>
                     <a:pt x="0" y="0"/>
                   </a:moveTo>
                   <a:lnTo>
-                    <a:pt x="7013850" y="0"/>
+                    <a:pt x="7016523" y="0"/>
                   </a:lnTo>
                   <a:lnTo>
-                    <a:pt x="7013850" y="0"/>
+                    <a:pt x="7016523" y="0"/>
                   </a:lnTo>
                 </a:path>
               </a:pathLst>
@@ -2873,15 +2873,15 @@
           </p:nvSpPr>
           <p:spPr>
             <a:xfrm>
-              <a:off x="1028721" y="1669789"/>
-              <a:ext cx="0" cy="4045215"/>
+              <a:off x="1026129" y="1669789"/>
+              <a:ext cx="0" cy="4056440"/>
             </a:xfrm>
             <a:custGeom>
               <a:avLst/>
               <a:pathLst>
-                <a:path w="0" h="4045215">
+                <a:path w="0" h="4056440">
                   <a:moveTo>
-                    <a:pt x="0" y="4045215"/>
+                    <a:pt x="0" y="4056440"/>
                   </a:moveTo>
                   <a:lnTo>
                     <a:pt x="0" y="0"/>
@@ -2916,15 +2916,15 @@
           </p:nvSpPr>
           <p:spPr>
             <a:xfrm>
-              <a:off x="2385365" y="1669789"/>
-              <a:ext cx="0" cy="4045215"/>
+              <a:off x="2383290" y="1669789"/>
+              <a:ext cx="0" cy="4056440"/>
             </a:xfrm>
             <a:custGeom>
               <a:avLst/>
               <a:pathLst>
-                <a:path w="0" h="4045215">
+                <a:path w="0" h="4056440">
                   <a:moveTo>
-                    <a:pt x="0" y="4045215"/>
+                    <a:pt x="0" y="4056440"/>
                   </a:moveTo>
                   <a:lnTo>
                     <a:pt x="0" y="0"/>
@@ -2959,15 +2959,15 @@
           </p:nvSpPr>
           <p:spPr>
             <a:xfrm>
-              <a:off x="3742010" y="1669789"/>
-              <a:ext cx="0" cy="4045215"/>
+              <a:off x="3740451" y="1669789"/>
+              <a:ext cx="0" cy="4056440"/>
             </a:xfrm>
             <a:custGeom>
               <a:avLst/>
               <a:pathLst>
-                <a:path w="0" h="4045215">
+                <a:path w="0" h="4056440">
                   <a:moveTo>
-                    <a:pt x="0" y="4045215"/>
+                    <a:pt x="0" y="4056440"/>
                   </a:moveTo>
                   <a:lnTo>
                     <a:pt x="0" y="0"/>
@@ -3002,15 +3002,15 @@
           </p:nvSpPr>
           <p:spPr>
             <a:xfrm>
-              <a:off x="5098654" y="1669789"/>
-              <a:ext cx="0" cy="4045215"/>
+              <a:off x="5097612" y="1669789"/>
+              <a:ext cx="0" cy="4056440"/>
             </a:xfrm>
             <a:custGeom>
               <a:avLst/>
               <a:pathLst>
-                <a:path w="0" h="4045215">
+                <a:path w="0" h="4056440">
                   <a:moveTo>
-                    <a:pt x="0" y="4045215"/>
+                    <a:pt x="0" y="4056440"/>
                   </a:moveTo>
                   <a:lnTo>
                     <a:pt x="0" y="0"/>
@@ -3045,15 +3045,15 @@
           </p:nvSpPr>
           <p:spPr>
             <a:xfrm>
-              <a:off x="6455298" y="1669789"/>
-              <a:ext cx="0" cy="4045215"/>
+              <a:off x="6454773" y="1669789"/>
+              <a:ext cx="0" cy="4056440"/>
             </a:xfrm>
             <a:custGeom>
               <a:avLst/>
               <a:pathLst>
-                <a:path w="0" h="4045215">
+                <a:path w="0" h="4056440">
                   <a:moveTo>
-                    <a:pt x="0" y="4045215"/>
+                    <a:pt x="0" y="4056440"/>
                   </a:moveTo>
                   <a:lnTo>
                     <a:pt x="0" y="0"/>
@@ -3088,15 +3088,15 @@
           </p:nvSpPr>
           <p:spPr>
             <a:xfrm>
-              <a:off x="7811942" y="1669789"/>
-              <a:ext cx="0" cy="4045215"/>
+              <a:off x="7811935" y="1669789"/>
+              <a:ext cx="0" cy="4056440"/>
             </a:xfrm>
             <a:custGeom>
               <a:avLst/>
               <a:pathLst>
-                <a:path w="0" h="4045215">
+                <a:path w="0" h="4056440">
                   <a:moveTo>
-                    <a:pt x="0" y="4045215"/>
+                    <a:pt x="0" y="4056440"/>
                   </a:moveTo>
                   <a:lnTo>
                     <a:pt x="0" y="0"/>
@@ -3131,7 +3131,7 @@
           </p:nvSpPr>
           <p:spPr>
             <a:xfrm>
-              <a:off x="3988513" y="4465405"/>
+              <a:off x="3987057" y="4473232"/>
               <a:ext cx="49651" cy="49651"/>
             </a:xfrm>
             <a:prstGeom prst="ellipse">
@@ -3166,7 +3166,7 @@
           </p:nvSpPr>
           <p:spPr>
             <a:xfrm>
-              <a:off x="3988513" y="4225631"/>
+              <a:off x="3987057" y="4232793"/>
               <a:ext cx="49651" cy="49651"/>
             </a:xfrm>
             <a:prstGeom prst="ellipse">
@@ -3201,7 +3201,7 @@
           </p:nvSpPr>
           <p:spPr>
             <a:xfrm>
-              <a:off x="4476904" y="4747492"/>
+              <a:off x="4475635" y="4756101"/>
               <a:ext cx="49651" cy="49651"/>
             </a:xfrm>
             <a:prstGeom prst="ellipse">
@@ -3236,7 +3236,7 @@
           </p:nvSpPr>
           <p:spPr>
             <a:xfrm>
-              <a:off x="4097044" y="3905933"/>
+              <a:off x="4095630" y="3912207"/>
               <a:ext cx="49651" cy="49651"/>
             </a:xfrm>
             <a:prstGeom prst="ellipse">
@@ -3271,7 +3271,7 @@
           </p:nvSpPr>
           <p:spPr>
             <a:xfrm>
-              <a:off x="3364456" y="3694368"/>
+              <a:off x="3362763" y="3700055"/>
               <a:ext cx="49651" cy="49651"/>
             </a:xfrm>
             <a:prstGeom prst="ellipse">
@@ -3306,7 +3306,7 @@
           </p:nvSpPr>
           <p:spPr>
             <a:xfrm>
-              <a:off x="3201659" y="3675563"/>
+              <a:off x="3199904" y="3681197"/>
               <a:ext cx="49651" cy="49651"/>
             </a:xfrm>
             <a:prstGeom prst="ellipse">
@@ -3341,7 +3341,7 @@
           </p:nvSpPr>
           <p:spPr>
             <a:xfrm>
-              <a:off x="2170609" y="3572131"/>
+              <a:off x="2168461" y="3577479"/>
               <a:ext cx="49651" cy="49651"/>
             </a:xfrm>
             <a:prstGeom prst="ellipse">
@@ -3376,7 +3376,7 @@
           </p:nvSpPr>
           <p:spPr>
             <a:xfrm>
-              <a:off x="4911031" y="3929441"/>
+              <a:off x="4909927" y="3935780"/>
               <a:ext cx="49651" cy="49651"/>
             </a:xfrm>
             <a:prstGeom prst="ellipse">
@@ -3411,7 +3411,7 @@
           </p:nvSpPr>
           <p:spPr>
             <a:xfrm>
-              <a:off x="4476904" y="3967052"/>
+              <a:off x="4475635" y="3973496"/>
               <a:ext cx="49651" cy="49651"/>
             </a:xfrm>
             <a:prstGeom prst="ellipse">
@@ -3446,7 +3446,7 @@
           </p:nvSpPr>
           <p:spPr>
             <a:xfrm>
-              <a:off x="3500121" y="3694368"/>
+              <a:off x="3498479" y="3700055"/>
               <a:ext cx="49651" cy="49651"/>
             </a:xfrm>
             <a:prstGeom prst="ellipse">
@@ -3481,7 +3481,7 @@
           </p:nvSpPr>
           <p:spPr>
             <a:xfrm>
-              <a:off x="3120260" y="3694368"/>
+              <a:off x="3118474" y="3700055"/>
               <a:ext cx="49651" cy="49651"/>
             </a:xfrm>
             <a:prstGeom prst="ellipse">
@@ -3516,7 +3516,7 @@
           </p:nvSpPr>
           <p:spPr>
             <a:xfrm>
-              <a:off x="2740400" y="3101987"/>
+              <a:off x="2738469" y="3106030"/>
               <a:ext cx="49651" cy="49651"/>
             </a:xfrm>
             <a:prstGeom prst="ellipse">
@@ -3551,7 +3551,7 @@
           </p:nvSpPr>
           <p:spPr>
             <a:xfrm>
-              <a:off x="2984596" y="3421685"/>
+              <a:off x="2982758" y="3426615"/>
               <a:ext cx="49651" cy="49651"/>
             </a:xfrm>
             <a:prstGeom prst="ellipse">
@@ -3586,7 +3586,7 @@
           </p:nvSpPr>
           <p:spPr>
             <a:xfrm>
-              <a:off x="2414805" y="3374670"/>
+              <a:off x="2412750" y="3379470"/>
               <a:ext cx="49651" cy="49651"/>
             </a:xfrm>
             <a:prstGeom prst="ellipse">
@@ -3621,7 +3621,7 @@
           </p:nvSpPr>
           <p:spPr>
             <a:xfrm>
-              <a:off x="1112427" y="1992446"/>
+              <a:off x="1109876" y="1993410"/>
               <a:ext cx="49651" cy="49651"/>
             </a:xfrm>
             <a:prstGeom prst="ellipse">
@@ -3656,7 +3656,7 @@
           </p:nvSpPr>
           <p:spPr>
             <a:xfrm>
-              <a:off x="1112427" y="1828836"/>
+              <a:off x="1109876" y="1829346"/>
               <a:ext cx="49651" cy="49651"/>
             </a:xfrm>
             <a:prstGeom prst="ellipse">
@@ -3691,7 +3691,7 @@
           </p:nvSpPr>
           <p:spPr>
             <a:xfrm>
-              <a:off x="2279141" y="1903119"/>
+              <a:off x="2277034" y="1903835"/>
               <a:ext cx="49651" cy="49651"/>
             </a:xfrm>
             <a:prstGeom prst="ellipse">
@@ -3726,7 +3726,7 @@
           </p:nvSpPr>
           <p:spPr>
             <a:xfrm>
-              <a:off x="7081661" y="4860326"/>
+              <a:off x="7081385" y="4869249"/>
               <a:ext cx="49651" cy="49651"/>
             </a:xfrm>
             <a:prstGeom prst="ellipse">
@@ -3761,7 +3761,7 @@
           </p:nvSpPr>
           <p:spPr>
             <a:xfrm>
-              <a:off x="6539004" y="5410395"/>
+              <a:off x="6538520" y="5420844"/>
               <a:ext cx="49651" cy="49651"/>
             </a:xfrm>
             <a:prstGeom prst="ellipse">
@@ -3796,7 +3796,7 @@
           </p:nvSpPr>
           <p:spPr>
             <a:xfrm>
-              <a:off x="7488655" y="5203531"/>
+              <a:off x="7488533" y="5213406"/>
               <a:ext cx="49651" cy="49651"/>
             </a:xfrm>
             <a:prstGeom prst="ellipse">
@@ -3831,7 +3831,7 @@
           </p:nvSpPr>
           <p:spPr>
             <a:xfrm>
-              <a:off x="4124177" y="4611150"/>
+              <a:off x="4122773" y="4619381"/>
               <a:ext cx="49651" cy="49651"/>
             </a:xfrm>
             <a:prstGeom prst="ellipse">
@@ -3866,7 +3866,7 @@
           </p:nvSpPr>
           <p:spPr>
             <a:xfrm>
-              <a:off x="2496204" y="3619145"/>
+              <a:off x="2494180" y="3624624"/>
               <a:ext cx="49651" cy="49651"/>
             </a:xfrm>
             <a:prstGeom prst="ellipse">
@@ -3901,7 +3901,7 @@
           </p:nvSpPr>
           <p:spPr>
             <a:xfrm>
-              <a:off x="2414805" y="3699070"/>
+              <a:off x="2412750" y="3704770"/>
               <a:ext cx="49651" cy="49651"/>
             </a:xfrm>
             <a:prstGeom prst="ellipse">
@@ -3936,7 +3936,7 @@
           </p:nvSpPr>
           <p:spPr>
             <a:xfrm>
-              <a:off x="1899280" y="3318253"/>
+              <a:off x="1897029" y="3322896"/>
               <a:ext cx="49651" cy="49651"/>
             </a:xfrm>
             <a:prstGeom prst="ellipse">
@@ -3971,7 +3971,7 @@
           </p:nvSpPr>
           <p:spPr>
             <a:xfrm>
-              <a:off x="3500121" y="3313552"/>
+              <a:off x="3498479" y="3318182"/>
               <a:ext cx="49651" cy="49651"/>
             </a:xfrm>
             <a:prstGeom prst="ellipse">
@@ -4006,7 +4006,7 @@
           </p:nvSpPr>
           <p:spPr>
             <a:xfrm>
-              <a:off x="5697884" y="5109503"/>
+              <a:off x="5697080" y="5119117"/>
               <a:ext cx="49651" cy="49651"/>
             </a:xfrm>
             <a:prstGeom prst="ellipse">
@@ -4041,7 +4041,7 @@
           </p:nvSpPr>
           <p:spPr>
             <a:xfrm>
-              <a:off x="5345157" y="4916743"/>
+              <a:off x="5344218" y="4925823"/>
               <a:ext cx="49651" cy="49651"/>
             </a:xfrm>
             <a:prstGeom prst="ellipse">
@@ -4076,7 +4076,7 @@
           </p:nvSpPr>
           <p:spPr>
             <a:xfrm>
-              <a:off x="6539004" y="5506304"/>
+              <a:off x="6538520" y="5517019"/>
               <a:ext cx="49651" cy="49651"/>
             </a:xfrm>
             <a:prstGeom prst="ellipse">
@@ -4111,7 +4111,7 @@
           </p:nvSpPr>
           <p:spPr>
             <a:xfrm>
-              <a:off x="2577603" y="3948246"/>
+              <a:off x="2575610" y="3954638"/>
               <a:ext cx="49651" cy="49651"/>
             </a:xfrm>
             <a:prstGeom prst="ellipse">
@@ -4146,7 +4146,7 @@
           </p:nvSpPr>
           <p:spPr>
             <a:xfrm>
-              <a:off x="3635785" y="4324362"/>
+              <a:off x="3634195" y="4331797"/>
               <a:ext cx="49651" cy="49651"/>
             </a:xfrm>
             <a:prstGeom prst="ellipse">
@@ -4181,7 +4181,7 @@
           </p:nvSpPr>
           <p:spPr>
             <a:xfrm>
-              <a:off x="2360539" y="3572131"/>
+              <a:off x="2358464" y="3577479"/>
               <a:ext cx="49651" cy="49651"/>
             </a:xfrm>
             <a:prstGeom prst="ellipse">
@@ -4216,7 +4216,7 @@
           </p:nvSpPr>
           <p:spPr>
             <a:xfrm>
-              <a:off x="4097044" y="4314959"/>
+              <a:off x="4095630" y="4322368"/>
               <a:ext cx="49651" cy="49651"/>
             </a:xfrm>
             <a:prstGeom prst="ellipse">
@@ -4251,7 +4251,7 @@
           </p:nvSpPr>
           <p:spPr>
             <a:xfrm>
-              <a:off x="693656" y="5032882"/>
+              <a:off x="690983" y="5042327"/>
               <a:ext cx="62155" cy="80327"/>
             </a:xfrm>
             <a:prstGeom prst="rect">
@@ -4297,7 +4297,7 @@
           </p:nvSpPr>
           <p:spPr>
             <a:xfrm>
-              <a:off x="693656" y="4091175"/>
+              <a:off x="690983" y="4098010"/>
               <a:ext cx="62155" cy="81746"/>
             </a:xfrm>
             <a:prstGeom prst="rect">
@@ -4343,7 +4343,7 @@
           </p:nvSpPr>
           <p:spPr>
             <a:xfrm>
-              <a:off x="693656" y="3152633"/>
+              <a:off x="690983" y="3156859"/>
               <a:ext cx="62155" cy="80000"/>
             </a:xfrm>
             <a:prstGeom prst="rect">
@@ -4389,7 +4389,7 @@
           </p:nvSpPr>
           <p:spPr>
             <a:xfrm>
-              <a:off x="693656" y="2212071"/>
+              <a:off x="690983" y="2213688"/>
               <a:ext cx="62155" cy="80272"/>
             </a:xfrm>
             <a:prstGeom prst="rect">
@@ -4435,7 +4435,7 @@
           </p:nvSpPr>
           <p:spPr>
             <a:xfrm>
-              <a:off x="966566" y="5775942"/>
+              <a:off x="963973" y="5787168"/>
               <a:ext cx="124311" cy="81691"/>
             </a:xfrm>
             <a:prstGeom prst="rect">
@@ -4481,7 +4481,7 @@
           </p:nvSpPr>
           <p:spPr>
             <a:xfrm>
-              <a:off x="2323210" y="5775942"/>
+              <a:off x="2321134" y="5787168"/>
               <a:ext cx="124311" cy="81691"/>
             </a:xfrm>
             <a:prstGeom prst="rect">
@@ -4527,7 +4527,7 @@
           </p:nvSpPr>
           <p:spPr>
             <a:xfrm>
-              <a:off x="3679854" y="5775942"/>
+              <a:off x="3678295" y="5787168"/>
               <a:ext cx="124311" cy="81691"/>
             </a:xfrm>
             <a:prstGeom prst="rect">
@@ -4573,7 +4573,7 @@
           </p:nvSpPr>
           <p:spPr>
             <a:xfrm>
-              <a:off x="5036498" y="5775942"/>
+              <a:off x="5035457" y="5787168"/>
               <a:ext cx="124311" cy="81691"/>
             </a:xfrm>
             <a:prstGeom prst="rect">
@@ -4619,7 +4619,7 @@
           </p:nvSpPr>
           <p:spPr>
             <a:xfrm>
-              <a:off x="6393143" y="5775888"/>
+              <a:off x="6392618" y="5787113"/>
               <a:ext cx="124311" cy="81746"/>
             </a:xfrm>
             <a:prstGeom prst="rect">
@@ -4665,7 +4665,7 @@
           </p:nvSpPr>
           <p:spPr>
             <a:xfrm>
-              <a:off x="7749787" y="5775888"/>
+              <a:off x="7749779" y="5787113"/>
               <a:ext cx="124311" cy="81746"/>
             </a:xfrm>
             <a:prstGeom prst="rect">
@@ -4711,7 +4711,7 @@
           </p:nvSpPr>
           <p:spPr>
             <a:xfrm>
-              <a:off x="4189487" y="5921022"/>
+              <a:off x="4188150" y="5923695"/>
               <a:ext cx="271760" cy="103478"/>
             </a:xfrm>
             <a:prstGeom prst="rect">
@@ -4757,7 +4757,7 @@
           </p:nvSpPr>
           <p:spPr>
             <a:xfrm rot="-5400000">
-              <a:off x="507587" y="3643044"/>
+              <a:off x="507587" y="3648657"/>
               <a:ext cx="139700" cy="98704"/>
             </a:xfrm>
             <a:prstGeom prst="rect">
@@ -4809,7 +4809,7 @@
           </p:blipFill>
           <p:spPr>
             <a:xfrm>
-              <a:off x="8041059" y="3244587"/>
+              <a:off x="8041059" y="3248863"/>
               <a:ext cx="219455" cy="1097280"/>
             </a:xfrm>
             <a:prstGeom prst="rect">
@@ -4825,7 +4825,7 @@
           </p:nvSpPr>
           <p:spPr>
             <a:xfrm>
-              <a:off x="8330104" y="4210695"/>
+              <a:off x="8330104" y="4214971"/>
               <a:ext cx="217517" cy="81691"/>
             </a:xfrm>
             <a:prstGeom prst="rect">
@@ -4871,7 +4871,7 @@
           </p:nvSpPr>
           <p:spPr>
             <a:xfrm>
-              <a:off x="8330104" y="3900452"/>
+              <a:off x="8330104" y="3904728"/>
               <a:ext cx="217517" cy="81691"/>
             </a:xfrm>
             <a:prstGeom prst="rect">
@@ -4917,7 +4917,7 @@
           </p:nvSpPr>
           <p:spPr>
             <a:xfrm>
-              <a:off x="8330104" y="3590209"/>
+              <a:off x="8330104" y="3594485"/>
               <a:ext cx="217517" cy="81691"/>
             </a:xfrm>
             <a:prstGeom prst="rect">
@@ -4963,7 +4963,7 @@
           </p:nvSpPr>
           <p:spPr>
             <a:xfrm>
-              <a:off x="8330104" y="3279966"/>
+              <a:off x="8330104" y="3284242"/>
               <a:ext cx="217517" cy="81691"/>
             </a:xfrm>
             <a:prstGeom prst="rect">
@@ -5009,7 +5009,7 @@
           </p:nvSpPr>
           <p:spPr>
             <a:xfrm>
-              <a:off x="8041059" y="3057120"/>
+              <a:off x="8041059" y="3062732"/>
               <a:ext cx="295088" cy="101841"/>
             </a:xfrm>
             <a:prstGeom prst="rect">
@@ -5055,7 +5055,7 @@
           </p:nvSpPr>
           <p:spPr>
             <a:xfrm>
-              <a:off x="8041059" y="4252386"/>
+              <a:off x="8041059" y="4256663"/>
               <a:ext cx="43891" cy="0"/>
             </a:xfrm>
             <a:custGeom>
@@ -5095,7 +5095,7 @@
           </p:nvSpPr>
           <p:spPr>
             <a:xfrm>
-              <a:off x="8041059" y="3942143"/>
+              <a:off x="8041059" y="3946420"/>
               <a:ext cx="43891" cy="0"/>
             </a:xfrm>
             <a:custGeom>
@@ -5135,7 +5135,7 @@
           </p:nvSpPr>
           <p:spPr>
             <a:xfrm>
-              <a:off x="8041059" y="3631901"/>
+              <a:off x="8041059" y="3636177"/>
               <a:ext cx="43891" cy="0"/>
             </a:xfrm>
             <a:custGeom>
@@ -5175,7 +5175,7 @@
           </p:nvSpPr>
           <p:spPr>
             <a:xfrm>
-              <a:off x="8041059" y="3321658"/>
+              <a:off x="8041059" y="3325934"/>
               <a:ext cx="43891" cy="0"/>
             </a:xfrm>
             <a:custGeom>
@@ -5215,7 +5215,7 @@
           </p:nvSpPr>
           <p:spPr>
             <a:xfrm>
-              <a:off x="8216624" y="4252386"/>
+              <a:off x="8216624" y="4256663"/>
               <a:ext cx="43891" cy="0"/>
             </a:xfrm>
             <a:custGeom>
@@ -5255,7 +5255,7 @@
           </p:nvSpPr>
           <p:spPr>
             <a:xfrm>
-              <a:off x="8216624" y="3942143"/>
+              <a:off x="8216624" y="3946420"/>
               <a:ext cx="43891" cy="0"/>
             </a:xfrm>
             <a:custGeom>
@@ -5295,7 +5295,7 @@
           </p:nvSpPr>
           <p:spPr>
             <a:xfrm>
-              <a:off x="8216624" y="3631901"/>
+              <a:off x="8216624" y="3636177"/>
               <a:ext cx="43891" cy="0"/>
             </a:xfrm>
             <a:custGeom>
@@ -5335,7 +5335,7 @@
           </p:nvSpPr>
           <p:spPr>
             <a:xfrm>
-              <a:off x="8216624" y="3321658"/>
+              <a:off x="8216624" y="3325934"/>
               <a:ext cx="43891" cy="0"/>
             </a:xfrm>
             <a:custGeom>

--- a/docs/articles/assets/graphics/demo_rvg.pptx
+++ b/docs/articles/assets/graphics/demo_rvg.pptx
@@ -2216,16 +2216,16 @@
       </p:grpSpPr>
       <p:grpSp xmlns:a="http://schemas.openxmlformats.org/drawingml/2006/main" xmlns:r="http://schemas.openxmlformats.org/officeDocument/2006/relationships" xmlns:p="http://schemas.openxmlformats.org/presentationml/2006/main" xmlns:pic="http://schemas.openxmlformats.org/drawingml/2006/picture">
         <p:nvGrpSpPr>
-          <p:cNvPr id="2" name="grp2"/>
+          <p:cNvPr id="2" name="Content Placeholder 2"/>
           <p:cNvGrpSpPr/>
           <p:nvPr/>
         </p:nvGrpSpPr>
         <p:grpSpPr>
           <a:xfrm>
             <a:off x="457200" y="1600200"/>
-            <a:ext cx="8229600" cy="4525962"/>
+            <a:ext cx="8229600" cy="4525963"/>
             <a:chOff x="457200" y="1600200"/>
-            <a:chExt cx="8229600" cy="4525962"/>
+            <a:chExt cx="8229600" cy="4525963"/>
           </a:xfrm>
         </p:grpSpPr>
         <p:sp>
@@ -2271,21 +2271,21 @@
           </p:nvSpPr>
           <p:spPr>
             <a:xfrm>
-              <a:off x="815769" y="5554103"/>
-              <a:ext cx="7016523" cy="0"/>
+              <a:off x="817474" y="5551164"/>
+              <a:ext cx="7014818" cy="0"/>
             </a:xfrm>
             <a:custGeom>
               <a:avLst/>
               <a:pathLst>
-                <a:path w="7016523" h="0">
+                <a:path w="7014818" h="0">
                   <a:moveTo>
                     <a:pt x="0" y="0"/>
                   </a:moveTo>
                   <a:lnTo>
-                    <a:pt x="7016523" y="0"/>
+                    <a:pt x="7014818" y="0"/>
                   </a:lnTo>
                   <a:lnTo>
-                    <a:pt x="7016523" y="0"/>
+                    <a:pt x="7014818" y="0"/>
                   </a:lnTo>
                 </a:path>
               </a:pathLst>
@@ -2314,21 +2314,21 @@
           </p:nvSpPr>
           <p:spPr>
             <a:xfrm>
-              <a:off x="815769" y="4611205"/>
-              <a:ext cx="7016523" cy="0"/>
+              <a:off x="817474" y="4608979"/>
+              <a:ext cx="7014818" cy="0"/>
             </a:xfrm>
             <a:custGeom>
               <a:avLst/>
               <a:pathLst>
-                <a:path w="7016523" h="0">
+                <a:path w="7014818" h="0">
                   <a:moveTo>
                     <a:pt x="0" y="0"/>
                   </a:moveTo>
                   <a:lnTo>
-                    <a:pt x="7016523" y="0"/>
+                    <a:pt x="7014818" y="0"/>
                   </a:lnTo>
                   <a:lnTo>
-                    <a:pt x="7016523" y="0"/>
+                    <a:pt x="7014818" y="0"/>
                   </a:lnTo>
                 </a:path>
               </a:pathLst>
@@ -2357,21 +2357,21 @@
           </p:nvSpPr>
           <p:spPr>
             <a:xfrm>
-              <a:off x="815769" y="3668308"/>
-              <a:ext cx="7016523" cy="0"/>
+              <a:off x="817474" y="3666795"/>
+              <a:ext cx="7014818" cy="0"/>
             </a:xfrm>
             <a:custGeom>
               <a:avLst/>
               <a:pathLst>
-                <a:path w="7016523" h="0">
+                <a:path w="7014818" h="0">
                   <a:moveTo>
                     <a:pt x="0" y="0"/>
                   </a:moveTo>
                   <a:lnTo>
-                    <a:pt x="7016523" y="0"/>
+                    <a:pt x="7014818" y="0"/>
                   </a:lnTo>
                   <a:lnTo>
-                    <a:pt x="7016523" y="0"/>
+                    <a:pt x="7014818" y="0"/>
                   </a:lnTo>
                 </a:path>
               </a:pathLst>
@@ -2400,21 +2400,21 @@
           </p:nvSpPr>
           <p:spPr>
             <a:xfrm>
-              <a:off x="815769" y="2725410"/>
-              <a:ext cx="7016523" cy="0"/>
+              <a:off x="817474" y="2724611"/>
+              <a:ext cx="7014818" cy="0"/>
             </a:xfrm>
             <a:custGeom>
               <a:avLst/>
               <a:pathLst>
-                <a:path w="7016523" h="0">
+                <a:path w="7014818" h="0">
                   <a:moveTo>
                     <a:pt x="0" y="0"/>
                   </a:moveTo>
                   <a:lnTo>
-                    <a:pt x="7016523" y="0"/>
+                    <a:pt x="7014818" y="0"/>
                   </a:lnTo>
                   <a:lnTo>
-                    <a:pt x="7016523" y="0"/>
+                    <a:pt x="7014818" y="0"/>
                   </a:lnTo>
                 </a:path>
               </a:pathLst>
@@ -2443,21 +2443,21 @@
           </p:nvSpPr>
           <p:spPr>
             <a:xfrm>
-              <a:off x="815769" y="1782512"/>
-              <a:ext cx="7016523" cy="0"/>
+              <a:off x="817474" y="1782427"/>
+              <a:ext cx="7014818" cy="0"/>
             </a:xfrm>
             <a:custGeom>
               <a:avLst/>
               <a:pathLst>
-                <a:path w="7016523" h="0">
+                <a:path w="7014818" h="0">
                   <a:moveTo>
                     <a:pt x="0" y="0"/>
                   </a:moveTo>
                   <a:lnTo>
-                    <a:pt x="7016523" y="0"/>
+                    <a:pt x="7014818" y="0"/>
                   </a:lnTo>
                   <a:lnTo>
-                    <a:pt x="7016523" y="0"/>
+                    <a:pt x="7014818" y="0"/>
                   </a:lnTo>
                 </a:path>
               </a:pathLst>
@@ -2486,15 +2486,15 @@
           </p:nvSpPr>
           <p:spPr>
             <a:xfrm>
-              <a:off x="1704709" y="1669789"/>
-              <a:ext cx="0" cy="4056440"/>
+              <a:off x="1706198" y="1669789"/>
+              <a:ext cx="0" cy="4053370"/>
             </a:xfrm>
             <a:custGeom>
               <a:avLst/>
               <a:pathLst>
-                <a:path w="0" h="4056440">
+                <a:path w="0" h="4053370">
                   <a:moveTo>
-                    <a:pt x="0" y="4056440"/>
+                    <a:pt x="0" y="4053370"/>
                   </a:moveTo>
                   <a:lnTo>
                     <a:pt x="0" y="0"/>
@@ -2529,15 +2529,15 @@
           </p:nvSpPr>
           <p:spPr>
             <a:xfrm>
-              <a:off x="3061870" y="1669789"/>
-              <a:ext cx="0" cy="4056440"/>
+              <a:off x="3063030" y="1669789"/>
+              <a:ext cx="0" cy="4053370"/>
             </a:xfrm>
             <a:custGeom>
               <a:avLst/>
               <a:pathLst>
-                <a:path w="0" h="4056440">
+                <a:path w="0" h="4053370">
                   <a:moveTo>
-                    <a:pt x="0" y="4056440"/>
+                    <a:pt x="0" y="4053370"/>
                   </a:moveTo>
                   <a:lnTo>
                     <a:pt x="0" y="0"/>
@@ -2572,15 +2572,15 @@
           </p:nvSpPr>
           <p:spPr>
             <a:xfrm>
-              <a:off x="4419032" y="1669789"/>
-              <a:ext cx="0" cy="4056440"/>
+              <a:off x="4419861" y="1669789"/>
+              <a:ext cx="0" cy="4053370"/>
             </a:xfrm>
             <a:custGeom>
               <a:avLst/>
               <a:pathLst>
-                <a:path w="0" h="4056440">
+                <a:path w="0" h="4053370">
                   <a:moveTo>
-                    <a:pt x="0" y="4056440"/>
+                    <a:pt x="0" y="4053370"/>
                   </a:moveTo>
                   <a:lnTo>
                     <a:pt x="0" y="0"/>
@@ -2615,15 +2615,15 @@
           </p:nvSpPr>
           <p:spPr>
             <a:xfrm>
-              <a:off x="5776193" y="1669789"/>
-              <a:ext cx="0" cy="4056440"/>
+              <a:off x="5776693" y="1669789"/>
+              <a:ext cx="0" cy="4053370"/>
             </a:xfrm>
             <a:custGeom>
               <a:avLst/>
               <a:pathLst>
-                <a:path w="0" h="4056440">
+                <a:path w="0" h="4053370">
                   <a:moveTo>
-                    <a:pt x="0" y="4056440"/>
+                    <a:pt x="0" y="4053370"/>
                   </a:moveTo>
                   <a:lnTo>
                     <a:pt x="0" y="0"/>
@@ -2658,15 +2658,15 @@
           </p:nvSpPr>
           <p:spPr>
             <a:xfrm>
-              <a:off x="7133354" y="1669789"/>
-              <a:ext cx="0" cy="4056440"/>
+              <a:off x="7133524" y="1669789"/>
+              <a:ext cx="0" cy="4053370"/>
             </a:xfrm>
             <a:custGeom>
               <a:avLst/>
               <a:pathLst>
-                <a:path w="0" h="4056440">
+                <a:path w="0" h="4053370">
                   <a:moveTo>
-                    <a:pt x="0" y="4056440"/>
+                    <a:pt x="0" y="4053370"/>
                   </a:moveTo>
                   <a:lnTo>
                     <a:pt x="0" y="0"/>
@@ -2701,21 +2701,21 @@
           </p:nvSpPr>
           <p:spPr>
             <a:xfrm>
-              <a:off x="815769" y="5082654"/>
-              <a:ext cx="7016523" cy="0"/>
+              <a:off x="817474" y="5080072"/>
+              <a:ext cx="7014818" cy="0"/>
             </a:xfrm>
             <a:custGeom>
               <a:avLst/>
               <a:pathLst>
-                <a:path w="7016523" h="0">
+                <a:path w="7014818" h="0">
                   <a:moveTo>
                     <a:pt x="0" y="0"/>
                   </a:moveTo>
                   <a:lnTo>
-                    <a:pt x="7016523" y="0"/>
+                    <a:pt x="7014818" y="0"/>
                   </a:lnTo>
                   <a:lnTo>
-                    <a:pt x="7016523" y="0"/>
+                    <a:pt x="7014818" y="0"/>
                   </a:lnTo>
                 </a:path>
               </a:pathLst>
@@ -2744,21 +2744,21 @@
           </p:nvSpPr>
           <p:spPr>
             <a:xfrm>
-              <a:off x="815769" y="4139756"/>
-              <a:ext cx="7016523" cy="0"/>
+              <a:off x="817474" y="4137887"/>
+              <a:ext cx="7014818" cy="0"/>
             </a:xfrm>
             <a:custGeom>
               <a:avLst/>
               <a:pathLst>
-                <a:path w="7016523" h="0">
+                <a:path w="7014818" h="0">
                   <a:moveTo>
                     <a:pt x="0" y="0"/>
                   </a:moveTo>
                   <a:lnTo>
-                    <a:pt x="7016523" y="0"/>
+                    <a:pt x="7014818" y="0"/>
                   </a:lnTo>
                   <a:lnTo>
-                    <a:pt x="7016523" y="0"/>
+                    <a:pt x="7014818" y="0"/>
                   </a:lnTo>
                 </a:path>
               </a:pathLst>
@@ -2787,21 +2787,21 @@
           </p:nvSpPr>
           <p:spPr>
             <a:xfrm>
-              <a:off x="815769" y="3196859"/>
-              <a:ext cx="7016523" cy="0"/>
+              <a:off x="817474" y="3195703"/>
+              <a:ext cx="7014818" cy="0"/>
             </a:xfrm>
             <a:custGeom>
               <a:avLst/>
               <a:pathLst>
-                <a:path w="7016523" h="0">
+                <a:path w="7014818" h="0">
                   <a:moveTo>
                     <a:pt x="0" y="0"/>
                   </a:moveTo>
                   <a:lnTo>
-                    <a:pt x="7016523" y="0"/>
+                    <a:pt x="7014818" y="0"/>
                   </a:lnTo>
                   <a:lnTo>
-                    <a:pt x="7016523" y="0"/>
+                    <a:pt x="7014818" y="0"/>
                   </a:lnTo>
                 </a:path>
               </a:pathLst>
@@ -2830,21 +2830,21 @@
           </p:nvSpPr>
           <p:spPr>
             <a:xfrm>
-              <a:off x="815769" y="2253961"/>
-              <a:ext cx="7016523" cy="0"/>
+              <a:off x="817474" y="2253519"/>
+              <a:ext cx="7014818" cy="0"/>
             </a:xfrm>
             <a:custGeom>
               <a:avLst/>
               <a:pathLst>
-                <a:path w="7016523" h="0">
+                <a:path w="7014818" h="0">
                   <a:moveTo>
                     <a:pt x="0" y="0"/>
                   </a:moveTo>
                   <a:lnTo>
-                    <a:pt x="7016523" y="0"/>
+                    <a:pt x="7014818" y="0"/>
                   </a:lnTo>
                   <a:lnTo>
-                    <a:pt x="7016523" y="0"/>
+                    <a:pt x="7014818" y="0"/>
                   </a:lnTo>
                 </a:path>
               </a:pathLst>
@@ -2873,15 +2873,15 @@
           </p:nvSpPr>
           <p:spPr>
             <a:xfrm>
-              <a:off x="1026129" y="1669789"/>
-              <a:ext cx="0" cy="4056440"/>
+              <a:off x="1027783" y="1669789"/>
+              <a:ext cx="0" cy="4053370"/>
             </a:xfrm>
             <a:custGeom>
               <a:avLst/>
               <a:pathLst>
-                <a:path w="0" h="4056440">
+                <a:path w="0" h="4053370">
                   <a:moveTo>
-                    <a:pt x="0" y="4056440"/>
+                    <a:pt x="0" y="4053370"/>
                   </a:moveTo>
                   <a:lnTo>
                     <a:pt x="0" y="0"/>
@@ -2916,15 +2916,15 @@
           </p:nvSpPr>
           <p:spPr>
             <a:xfrm>
-              <a:off x="2383290" y="1669789"/>
-              <a:ext cx="0" cy="4056440"/>
+              <a:off x="2384614" y="1669789"/>
+              <a:ext cx="0" cy="4053370"/>
             </a:xfrm>
             <a:custGeom>
               <a:avLst/>
               <a:pathLst>
-                <a:path w="0" h="4056440">
+                <a:path w="0" h="4053370">
                   <a:moveTo>
-                    <a:pt x="0" y="4056440"/>
+                    <a:pt x="0" y="4053370"/>
                   </a:moveTo>
                   <a:lnTo>
                     <a:pt x="0" y="0"/>
@@ -2959,15 +2959,15 @@
           </p:nvSpPr>
           <p:spPr>
             <a:xfrm>
-              <a:off x="3740451" y="1669789"/>
-              <a:ext cx="0" cy="4056440"/>
+              <a:off x="3741445" y="1669789"/>
+              <a:ext cx="0" cy="4053370"/>
             </a:xfrm>
             <a:custGeom>
               <a:avLst/>
               <a:pathLst>
-                <a:path w="0" h="4056440">
+                <a:path w="0" h="4053370">
                   <a:moveTo>
-                    <a:pt x="0" y="4056440"/>
+                    <a:pt x="0" y="4053370"/>
                   </a:moveTo>
                   <a:lnTo>
                     <a:pt x="0" y="0"/>
@@ -3002,15 +3002,15 @@
           </p:nvSpPr>
           <p:spPr>
             <a:xfrm>
-              <a:off x="5097612" y="1669789"/>
-              <a:ext cx="0" cy="4056440"/>
+              <a:off x="5098277" y="1669789"/>
+              <a:ext cx="0" cy="4053370"/>
             </a:xfrm>
             <a:custGeom>
               <a:avLst/>
               <a:pathLst>
-                <a:path w="0" h="4056440">
+                <a:path w="0" h="4053370">
                   <a:moveTo>
-                    <a:pt x="0" y="4056440"/>
+                    <a:pt x="0" y="4053370"/>
                   </a:moveTo>
                   <a:lnTo>
                     <a:pt x="0" y="0"/>
@@ -3045,15 +3045,15 @@
           </p:nvSpPr>
           <p:spPr>
             <a:xfrm>
-              <a:off x="6454773" y="1669789"/>
-              <a:ext cx="0" cy="4056440"/>
+              <a:off x="6455108" y="1669789"/>
+              <a:ext cx="0" cy="4053370"/>
             </a:xfrm>
             <a:custGeom>
               <a:avLst/>
               <a:pathLst>
-                <a:path w="0" h="4056440">
+                <a:path w="0" h="4053370">
                   <a:moveTo>
-                    <a:pt x="0" y="4056440"/>
+                    <a:pt x="0" y="4053370"/>
                   </a:moveTo>
                   <a:lnTo>
                     <a:pt x="0" y="0"/>
@@ -3088,15 +3088,15 @@
           </p:nvSpPr>
           <p:spPr>
             <a:xfrm>
-              <a:off x="7811935" y="1669789"/>
-              <a:ext cx="0" cy="4056440"/>
+              <a:off x="7811940" y="1669789"/>
+              <a:ext cx="0" cy="4053370"/>
             </a:xfrm>
             <a:custGeom>
               <a:avLst/>
               <a:pathLst>
-                <a:path w="0" h="4056440">
+                <a:path w="0" h="4053370">
                   <a:moveTo>
-                    <a:pt x="0" y="4056440"/>
+                    <a:pt x="0" y="4053370"/>
                   </a:moveTo>
                   <a:lnTo>
                     <a:pt x="0" y="0"/>
@@ -3131,7 +3131,7 @@
           </p:nvSpPr>
           <p:spPr>
             <a:xfrm>
-              <a:off x="3987057" y="4473232"/>
+              <a:off x="3987986" y="4471091"/>
               <a:ext cx="49651" cy="49651"/>
             </a:xfrm>
             <a:prstGeom prst="ellipse">
@@ -3166,7 +3166,7 @@
           </p:nvSpPr>
           <p:spPr>
             <a:xfrm>
-              <a:off x="3987057" y="4232793"/>
+              <a:off x="3987986" y="4230834"/>
               <a:ext cx="49651" cy="49651"/>
             </a:xfrm>
             <a:prstGeom prst="ellipse">
@@ -3201,7 +3201,7 @@
           </p:nvSpPr>
           <p:spPr>
             <a:xfrm>
-              <a:off x="4475635" y="4756101"/>
+              <a:off x="4476445" y="4753747"/>
               <a:ext cx="49651" cy="49651"/>
             </a:xfrm>
             <a:prstGeom prst="ellipse">
@@ -3236,7 +3236,7 @@
           </p:nvSpPr>
           <p:spPr>
             <a:xfrm>
-              <a:off x="4095630" y="3912207"/>
+              <a:off x="4096532" y="3910492"/>
               <a:ext cx="49651" cy="49651"/>
             </a:xfrm>
             <a:prstGeom prst="ellipse">
@@ -3271,7 +3271,7 @@
           </p:nvSpPr>
           <p:spPr>
             <a:xfrm>
-              <a:off x="3362763" y="3700055"/>
+              <a:off x="3363843" y="3698500"/>
               <a:ext cx="49651" cy="49651"/>
             </a:xfrm>
             <a:prstGeom prst="ellipse">
@@ -3306,7 +3306,7 @@
           </p:nvSpPr>
           <p:spPr>
             <a:xfrm>
-              <a:off x="3199904" y="3681197"/>
+              <a:off x="3201024" y="3679657"/>
               <a:ext cx="49651" cy="49651"/>
             </a:xfrm>
             <a:prstGeom prst="ellipse">
@@ -3341,7 +3341,7 @@
           </p:nvSpPr>
           <p:spPr>
             <a:xfrm>
-              <a:off x="2168461" y="3577479"/>
+              <a:off x="2169832" y="3576016"/>
               <a:ext cx="49651" cy="49651"/>
             </a:xfrm>
             <a:prstGeom prst="ellipse">
@@ -3376,7 +3376,7 @@
           </p:nvSpPr>
           <p:spPr>
             <a:xfrm>
-              <a:off x="4909927" y="3935780"/>
+              <a:off x="4910631" y="3934046"/>
               <a:ext cx="49651" cy="49651"/>
             </a:xfrm>
             <a:prstGeom prst="ellipse">
@@ -3411,7 +3411,7 @@
           </p:nvSpPr>
           <p:spPr>
             <a:xfrm>
-              <a:off x="4475635" y="3973496"/>
+              <a:off x="4476445" y="3971734"/>
               <a:ext cx="49651" cy="49651"/>
             </a:xfrm>
             <a:prstGeom prst="ellipse">
@@ -3446,7 +3446,7 @@
           </p:nvSpPr>
           <p:spPr>
             <a:xfrm>
-              <a:off x="3498479" y="3700055"/>
+              <a:off x="3499527" y="3698500"/>
               <a:ext cx="49651" cy="49651"/>
             </a:xfrm>
             <a:prstGeom prst="ellipse">
@@ -3481,7 +3481,7 @@
           </p:nvSpPr>
           <p:spPr>
             <a:xfrm>
-              <a:off x="3118474" y="3700055"/>
+              <a:off x="3119614" y="3698500"/>
               <a:ext cx="49651" cy="49651"/>
             </a:xfrm>
             <a:prstGeom prst="ellipse">
@@ -3516,7 +3516,7 @@
           </p:nvSpPr>
           <p:spPr>
             <a:xfrm>
-              <a:off x="2738469" y="3106030"/>
+              <a:off x="2739701" y="3104924"/>
               <a:ext cx="49651" cy="49651"/>
             </a:xfrm>
             <a:prstGeom prst="ellipse">
@@ -3551,7 +3551,7 @@
           </p:nvSpPr>
           <p:spPr>
             <a:xfrm>
-              <a:off x="2982758" y="3426615"/>
+              <a:off x="2983931" y="3425267"/>
               <a:ext cx="49651" cy="49651"/>
             </a:xfrm>
             <a:prstGeom prst="ellipse">
@@ -3586,7 +3586,7 @@
           </p:nvSpPr>
           <p:spPr>
             <a:xfrm>
-              <a:off x="2412750" y="3379470"/>
+              <a:off x="2414061" y="3378158"/>
               <a:ext cx="49651" cy="49651"/>
             </a:xfrm>
             <a:prstGeom prst="ellipse">
@@ -3621,7 +3621,7 @@
           </p:nvSpPr>
           <p:spPr>
             <a:xfrm>
-              <a:off x="1109876" y="1993410"/>
+              <a:off x="1111503" y="1993147"/>
               <a:ext cx="49651" cy="49651"/>
             </a:xfrm>
             <a:prstGeom prst="ellipse">
@@ -3656,7 +3656,7 @@
           </p:nvSpPr>
           <p:spPr>
             <a:xfrm>
-              <a:off x="1109876" y="1829346"/>
+              <a:off x="1111503" y="1829207"/>
               <a:ext cx="49651" cy="49651"/>
             </a:xfrm>
             <a:prstGeom prst="ellipse">
@@ -3691,7 +3691,7 @@
           </p:nvSpPr>
           <p:spPr>
             <a:xfrm>
-              <a:off x="2277034" y="1903835"/>
+              <a:off x="2278378" y="1903639"/>
               <a:ext cx="49651" cy="49651"/>
             </a:xfrm>
             <a:prstGeom prst="ellipse">
@@ -3726,7 +3726,7 @@
           </p:nvSpPr>
           <p:spPr>
             <a:xfrm>
-              <a:off x="7081385" y="4869249"/>
+              <a:off x="7081561" y="4866809"/>
               <a:ext cx="49651" cy="49651"/>
             </a:xfrm>
             <a:prstGeom prst="ellipse">
@@ -3761,7 +3761,7 @@
           </p:nvSpPr>
           <p:spPr>
             <a:xfrm>
-              <a:off x="6538520" y="5420844"/>
+              <a:off x="6538829" y="5417987"/>
               <a:ext cx="49651" cy="49651"/>
             </a:xfrm>
             <a:prstGeom prst="ellipse">
@@ -3796,7 +3796,7 @@
           </p:nvSpPr>
           <p:spPr>
             <a:xfrm>
-              <a:off x="7488533" y="5213406"/>
+              <a:off x="7488611" y="5210706"/>
               <a:ext cx="49651" cy="49651"/>
             </a:xfrm>
             <a:prstGeom prst="ellipse">
@@ -3831,7 +3831,7 @@
           </p:nvSpPr>
           <p:spPr>
             <a:xfrm>
-              <a:off x="4122773" y="4619381"/>
+              <a:off x="4123669" y="4617130"/>
               <a:ext cx="49651" cy="49651"/>
             </a:xfrm>
             <a:prstGeom prst="ellipse">
@@ -3866,7 +3866,7 @@
           </p:nvSpPr>
           <p:spPr>
             <a:xfrm>
-              <a:off x="2494180" y="3624624"/>
+              <a:off x="2495471" y="3623126"/>
               <a:ext cx="49651" cy="49651"/>
             </a:xfrm>
             <a:prstGeom prst="ellipse">
@@ -3901,7 +3901,7 @@
           </p:nvSpPr>
           <p:spPr>
             <a:xfrm>
-              <a:off x="2412750" y="3704770"/>
+              <a:off x="2414061" y="3703211"/>
               <a:ext cx="49651" cy="49651"/>
             </a:xfrm>
             <a:prstGeom prst="ellipse">
@@ -3936,7 +3936,7 @@
           </p:nvSpPr>
           <p:spPr>
             <a:xfrm>
-              <a:off x="1897029" y="3322896"/>
+              <a:off x="1898466" y="3321627"/>
               <a:ext cx="49651" cy="49651"/>
             </a:xfrm>
             <a:prstGeom prst="ellipse">
@@ -3971,7 +3971,7 @@
           </p:nvSpPr>
           <p:spPr>
             <a:xfrm>
-              <a:off x="3498479" y="3318182"/>
+              <a:off x="3499527" y="3316916"/>
               <a:ext cx="49651" cy="49651"/>
             </a:xfrm>
             <a:prstGeom prst="ellipse">
@@ -4006,7 +4006,7 @@
           </p:nvSpPr>
           <p:spPr>
             <a:xfrm>
-              <a:off x="5697080" y="5119117"/>
+              <a:off x="5697593" y="5116488"/>
               <a:ext cx="49651" cy="49651"/>
             </a:xfrm>
             <a:prstGeom prst="ellipse">
@@ -4041,7 +4041,7 @@
           </p:nvSpPr>
           <p:spPr>
             <a:xfrm>
-              <a:off x="5344218" y="4925823"/>
+              <a:off x="5344817" y="4923340"/>
               <a:ext cx="49651" cy="49651"/>
             </a:xfrm>
             <a:prstGeom prst="ellipse">
@@ -4076,7 +4076,7 @@
           </p:nvSpPr>
           <p:spPr>
             <a:xfrm>
-              <a:off x="6538520" y="5517019"/>
+              <a:off x="6538829" y="5514089"/>
               <a:ext cx="49651" cy="49651"/>
             </a:xfrm>
             <a:prstGeom prst="ellipse">
@@ -4111,7 +4111,7 @@
           </p:nvSpPr>
           <p:spPr>
             <a:xfrm>
-              <a:off x="2575610" y="3954638"/>
+              <a:off x="2576881" y="3952890"/>
               <a:ext cx="49651" cy="49651"/>
             </a:xfrm>
             <a:prstGeom prst="ellipse">
@@ -4146,7 +4146,7 @@
           </p:nvSpPr>
           <p:spPr>
             <a:xfrm>
-              <a:off x="3634195" y="4331797"/>
+              <a:off x="3635210" y="4329764"/>
               <a:ext cx="49651" cy="49651"/>
             </a:xfrm>
             <a:prstGeom prst="ellipse">
@@ -4181,7 +4181,7 @@
           </p:nvSpPr>
           <p:spPr>
             <a:xfrm>
-              <a:off x="2358464" y="3577479"/>
+              <a:off x="2359788" y="3576016"/>
               <a:ext cx="49651" cy="49651"/>
             </a:xfrm>
             <a:prstGeom prst="ellipse">
@@ -4216,7 +4216,7 @@
           </p:nvSpPr>
           <p:spPr>
             <a:xfrm>
-              <a:off x="4095630" y="4322368"/>
+              <a:off x="4096532" y="4320342"/>
               <a:ext cx="49651" cy="49651"/>
             </a:xfrm>
             <a:prstGeom prst="ellipse">
@@ -4251,8 +4251,8 @@
           </p:nvSpPr>
           <p:spPr>
             <a:xfrm>
-              <a:off x="690983" y="5042327"/>
-              <a:ext cx="62155" cy="80327"/>
+              <a:off x="692688" y="5041736"/>
+              <a:ext cx="62155" cy="78417"/>
             </a:xfrm>
             <a:prstGeom prst="rect">
               <a:avLst/>
@@ -4281,8 +4281,8 @@
                       <a:alpha val="100000"/>
                     </a:srgbClr>
                   </a:solidFill>
-                  <a:latin typeface="Arial"/>
-                  <a:cs typeface="Arial"/>
+                  <a:latin typeface="Helvetica"/>
+                  <a:cs typeface="Helvetica"/>
                 </a:rPr>
                 <a:t>2</a:t>
               </a:r>
@@ -4297,8 +4297,8 @@
           </p:nvSpPr>
           <p:spPr>
             <a:xfrm>
-              <a:off x="690983" y="4098010"/>
-              <a:ext cx="62155" cy="81746"/>
+              <a:off x="692688" y="4097587"/>
+              <a:ext cx="62155" cy="80382"/>
             </a:xfrm>
             <a:prstGeom prst="rect">
               <a:avLst/>
@@ -4327,8 +4327,8 @@
                       <a:alpha val="100000"/>
                     </a:srgbClr>
                   </a:solidFill>
-                  <a:latin typeface="Arial"/>
-                  <a:cs typeface="Arial"/>
+                  <a:latin typeface="Helvetica"/>
+                  <a:cs typeface="Helvetica"/>
                 </a:rPr>
                 <a:t>3</a:t>
               </a:r>
@@ -4343,8 +4343,8 @@
           </p:nvSpPr>
           <p:spPr>
             <a:xfrm>
-              <a:off x="690983" y="3156859"/>
-              <a:ext cx="62155" cy="80000"/>
+              <a:off x="692688" y="3157422"/>
+              <a:ext cx="62155" cy="78362"/>
             </a:xfrm>
             <a:prstGeom prst="rect">
               <a:avLst/>
@@ -4373,8 +4373,8 @@
                       <a:alpha val="100000"/>
                     </a:srgbClr>
                   </a:solidFill>
-                  <a:latin typeface="Arial"/>
-                  <a:cs typeface="Arial"/>
+                  <a:latin typeface="Helvetica"/>
+                  <a:cs typeface="Helvetica"/>
                 </a:rPr>
                 <a:t>4</a:t>
               </a:r>
@@ -4389,8 +4389,8 @@
           </p:nvSpPr>
           <p:spPr>
             <a:xfrm>
-              <a:off x="690983" y="2213688"/>
-              <a:ext cx="62155" cy="80272"/>
+              <a:off x="692688" y="2214801"/>
+              <a:ext cx="62155" cy="78799"/>
             </a:xfrm>
             <a:prstGeom prst="rect">
               <a:avLst/>
@@ -4419,8 +4419,8 @@
                       <a:alpha val="100000"/>
                     </a:srgbClr>
                   </a:solidFill>
-                  <a:latin typeface="Arial"/>
-                  <a:cs typeface="Arial"/>
+                  <a:latin typeface="Helvetica"/>
+                  <a:cs typeface="Helvetica"/>
                 </a:rPr>
                 <a:t>5</a:t>
               </a:r>
@@ -4435,8 +4435,8 @@
           </p:nvSpPr>
           <p:spPr>
             <a:xfrm>
-              <a:off x="963973" y="5787168"/>
-              <a:ext cx="124311" cy="81691"/>
+              <a:off x="965627" y="5785680"/>
+              <a:ext cx="124311" cy="80272"/>
             </a:xfrm>
             <a:prstGeom prst="rect">
               <a:avLst/>
@@ -4465,8 +4465,8 @@
                       <a:alpha val="100000"/>
                     </a:srgbClr>
                   </a:solidFill>
-                  <a:latin typeface="Arial"/>
-                  <a:cs typeface="Arial"/>
+                  <a:latin typeface="Helvetica"/>
+                  <a:cs typeface="Helvetica"/>
                 </a:rPr>
                 <a:t>10</a:t>
               </a:r>
@@ -4481,8 +4481,8 @@
           </p:nvSpPr>
           <p:spPr>
             <a:xfrm>
-              <a:off x="2321134" y="5787168"/>
-              <a:ext cx="124311" cy="81691"/>
+              <a:off x="2322459" y="5786172"/>
+              <a:ext cx="124311" cy="79781"/>
             </a:xfrm>
             <a:prstGeom prst="rect">
               <a:avLst/>
@@ -4511,8 +4511,8 @@
                       <a:alpha val="100000"/>
                     </a:srgbClr>
                   </a:solidFill>
-                  <a:latin typeface="Arial"/>
-                  <a:cs typeface="Arial"/>
+                  <a:latin typeface="Helvetica"/>
+                  <a:cs typeface="Helvetica"/>
                 </a:rPr>
                 <a:t>15</a:t>
               </a:r>
@@ -4527,8 +4527,8 @@
           </p:nvSpPr>
           <p:spPr>
             <a:xfrm>
-              <a:off x="3678295" y="5787168"/>
-              <a:ext cx="124311" cy="81691"/>
+              <a:off x="3679290" y="5785408"/>
+              <a:ext cx="124311" cy="80545"/>
             </a:xfrm>
             <a:prstGeom prst="rect">
               <a:avLst/>
@@ -4557,8 +4557,8 @@
                       <a:alpha val="100000"/>
                     </a:srgbClr>
                   </a:solidFill>
-                  <a:latin typeface="Arial"/>
-                  <a:cs typeface="Arial"/>
+                  <a:latin typeface="Helvetica"/>
+                  <a:cs typeface="Helvetica"/>
                 </a:rPr>
                 <a:t>20</a:t>
               </a:r>
@@ -4573,8 +4573,8 @@
           </p:nvSpPr>
           <p:spPr>
             <a:xfrm>
-              <a:off x="5035457" y="5787168"/>
-              <a:ext cx="124311" cy="81691"/>
+              <a:off x="5036121" y="5785571"/>
+              <a:ext cx="124311" cy="80382"/>
             </a:xfrm>
             <a:prstGeom prst="rect">
               <a:avLst/>
@@ -4603,8 +4603,8 @@
                       <a:alpha val="100000"/>
                     </a:srgbClr>
                   </a:solidFill>
-                  <a:latin typeface="Arial"/>
-                  <a:cs typeface="Arial"/>
+                  <a:latin typeface="Helvetica"/>
+                  <a:cs typeface="Helvetica"/>
                 </a:rPr>
                 <a:t>25</a:t>
               </a:r>
@@ -4619,8 +4619,8 @@
           </p:nvSpPr>
           <p:spPr>
             <a:xfrm>
-              <a:off x="6392618" y="5787113"/>
-              <a:ext cx="124311" cy="81746"/>
+              <a:off x="6392953" y="5785571"/>
+              <a:ext cx="124311" cy="80382"/>
             </a:xfrm>
             <a:prstGeom prst="rect">
               <a:avLst/>
@@ -4649,8 +4649,8 @@
                       <a:alpha val="100000"/>
                     </a:srgbClr>
                   </a:solidFill>
-                  <a:latin typeface="Arial"/>
-                  <a:cs typeface="Arial"/>
+                  <a:latin typeface="Helvetica"/>
+                  <a:cs typeface="Helvetica"/>
                 </a:rPr>
                 <a:t>30</a:t>
               </a:r>
@@ -4665,8 +4665,8 @@
           </p:nvSpPr>
           <p:spPr>
             <a:xfrm>
-              <a:off x="7749779" y="5787113"/>
-              <a:ext cx="124311" cy="81746"/>
+              <a:off x="7749784" y="5785571"/>
+              <a:ext cx="124311" cy="80382"/>
             </a:xfrm>
             <a:prstGeom prst="rect">
               <a:avLst/>
@@ -4695,8 +4695,8 @@
                       <a:alpha val="100000"/>
                     </a:srgbClr>
                   </a:solidFill>
-                  <a:latin typeface="Arial"/>
-                  <a:cs typeface="Arial"/>
+                  <a:latin typeface="Helvetica"/>
+                  <a:cs typeface="Helvetica"/>
                 </a:rPr>
                 <a:t>35</a:t>
               </a:r>
@@ -4711,8 +4711,8 @@
           </p:nvSpPr>
           <p:spPr>
             <a:xfrm>
-              <a:off x="4188150" y="5923695"/>
-              <a:ext cx="271760" cy="103478"/>
+              <a:off x="4189003" y="5919943"/>
+              <a:ext cx="271760" cy="105729"/>
             </a:xfrm>
             <a:prstGeom prst="rect">
               <a:avLst/>
@@ -4741,8 +4741,8 @@
                       <a:alpha val="100000"/>
                     </a:srgbClr>
                   </a:solidFill>
-                  <a:latin typeface="Arial"/>
-                  <a:cs typeface="Arial"/>
+                  <a:latin typeface="Helvetica"/>
+                  <a:cs typeface="Helvetica"/>
                 </a:rPr>
                 <a:t>mpg</a:t>
               </a:r>
@@ -4757,8 +4757,8 @@
           </p:nvSpPr>
           <p:spPr>
             <a:xfrm rot="-5400000">
-              <a:off x="507587" y="3648657"/>
-              <a:ext cx="139700" cy="98704"/>
+              <a:off x="509838" y="3649168"/>
+              <a:ext cx="139700" cy="94611"/>
             </a:xfrm>
             <a:prstGeom prst="rect">
               <a:avLst/>
@@ -4787,8 +4787,8 @@
                       <a:alpha val="100000"/>
                     </a:srgbClr>
                   </a:solidFill>
-                  <a:latin typeface="Arial"/>
-                  <a:cs typeface="Arial"/>
+                  <a:latin typeface="Helvetica"/>
+                  <a:cs typeface="Helvetica"/>
                 </a:rPr>
                 <a:t>wt</a:t>
               </a:r>
@@ -4809,7 +4809,7 @@
           </p:blipFill>
           <p:spPr>
             <a:xfrm>
-              <a:off x="8041059" y="3248863"/>
+              <a:off x="8041059" y="3248181"/>
               <a:ext cx="219455" cy="1097280"/>
             </a:xfrm>
             <a:prstGeom prst="rect">
@@ -4825,8 +4825,8 @@
           </p:nvSpPr>
           <p:spPr>
             <a:xfrm>
-              <a:off x="8330104" y="4214971"/>
-              <a:ext cx="217517" cy="81691"/>
+              <a:off x="8330104" y="4215790"/>
+              <a:ext cx="217517" cy="80272"/>
             </a:xfrm>
             <a:prstGeom prst="rect">
               <a:avLst/>
@@ -4855,8 +4855,8 @@
                       <a:alpha val="100000"/>
                     </a:srgbClr>
                   </a:solidFill>
-                  <a:latin typeface="Arial"/>
-                  <a:cs typeface="Arial"/>
+                  <a:latin typeface="Helvetica"/>
+                  <a:cs typeface="Helvetica"/>
                 </a:rPr>
                 <a:t>15.0</a:t>
               </a:r>
@@ -4871,8 +4871,8 @@
           </p:nvSpPr>
           <p:spPr>
             <a:xfrm>
-              <a:off x="8330104" y="3904728"/>
-              <a:ext cx="217517" cy="81691"/>
+              <a:off x="8330104" y="3906038"/>
+              <a:ext cx="217517" cy="79781"/>
             </a:xfrm>
             <a:prstGeom prst="rect">
               <a:avLst/>
@@ -4901,8 +4901,8 @@
                       <a:alpha val="100000"/>
                     </a:srgbClr>
                   </a:solidFill>
-                  <a:latin typeface="Arial"/>
-                  <a:cs typeface="Arial"/>
+                  <a:latin typeface="Helvetica"/>
+                  <a:cs typeface="Helvetica"/>
                 </a:rPr>
                 <a:t>17.5</a:t>
               </a:r>
@@ -4917,8 +4917,8 @@
           </p:nvSpPr>
           <p:spPr>
             <a:xfrm>
-              <a:off x="8330104" y="3594485"/>
-              <a:ext cx="217517" cy="81691"/>
+              <a:off x="8330104" y="3595031"/>
+              <a:ext cx="217517" cy="80545"/>
             </a:xfrm>
             <a:prstGeom prst="rect">
               <a:avLst/>
@@ -4947,8 +4947,8 @@
                       <a:alpha val="100000"/>
                     </a:srgbClr>
                   </a:solidFill>
-                  <a:latin typeface="Arial"/>
-                  <a:cs typeface="Arial"/>
+                  <a:latin typeface="Helvetica"/>
+                  <a:cs typeface="Helvetica"/>
                 </a:rPr>
                 <a:t>20.0</a:t>
               </a:r>
@@ -4963,8 +4963,8 @@
           </p:nvSpPr>
           <p:spPr>
             <a:xfrm>
-              <a:off x="8330104" y="3284242"/>
-              <a:ext cx="217517" cy="81691"/>
+              <a:off x="8330104" y="3284952"/>
+              <a:ext cx="217517" cy="80382"/>
             </a:xfrm>
             <a:prstGeom prst="rect">
               <a:avLst/>
@@ -4993,8 +4993,8 @@
                       <a:alpha val="100000"/>
                     </a:srgbClr>
                   </a:solidFill>
-                  <a:latin typeface="Arial"/>
-                  <a:cs typeface="Arial"/>
+                  <a:latin typeface="Helvetica"/>
+                  <a:cs typeface="Helvetica"/>
                 </a:rPr>
                 <a:t>22.5</a:t>
               </a:r>
@@ -5009,8 +5009,8 @@
           </p:nvSpPr>
           <p:spPr>
             <a:xfrm>
-              <a:off x="8041059" y="3062732"/>
-              <a:ext cx="295088" cy="101841"/>
+              <a:off x="8041059" y="3058844"/>
+              <a:ext cx="295088" cy="104297"/>
             </a:xfrm>
             <a:prstGeom prst="rect">
               <a:avLst/>
@@ -5039,8 +5039,8 @@
                       <a:alpha val="100000"/>
                     </a:srgbClr>
                   </a:solidFill>
-                  <a:latin typeface="Arial"/>
-                  <a:cs typeface="Arial"/>
+                  <a:latin typeface="Helvetica"/>
+                  <a:cs typeface="Helvetica"/>
                 </a:rPr>
                 <a:t>qsec</a:t>
               </a:r>
@@ -5055,7 +5055,7 @@
           </p:nvSpPr>
           <p:spPr>
             <a:xfrm>
-              <a:off x="8041059" y="4256663"/>
+              <a:off x="8041059" y="4255981"/>
               <a:ext cx="43891" cy="0"/>
             </a:xfrm>
             <a:custGeom>
@@ -5095,7 +5095,7 @@
           </p:nvSpPr>
           <p:spPr>
             <a:xfrm>
-              <a:off x="8041059" y="3946420"/>
+              <a:off x="8041059" y="3945738"/>
               <a:ext cx="43891" cy="0"/>
             </a:xfrm>
             <a:custGeom>
@@ -5135,7 +5135,7 @@
           </p:nvSpPr>
           <p:spPr>
             <a:xfrm>
-              <a:off x="8041059" y="3636177"/>
+              <a:off x="8041059" y="3635495"/>
               <a:ext cx="43891" cy="0"/>
             </a:xfrm>
             <a:custGeom>
@@ -5175,7 +5175,7 @@
           </p:nvSpPr>
           <p:spPr>
             <a:xfrm>
-              <a:off x="8041059" y="3325934"/>
+              <a:off x="8041059" y="3325252"/>
               <a:ext cx="43891" cy="0"/>
             </a:xfrm>
             <a:custGeom>
@@ -5215,7 +5215,7 @@
           </p:nvSpPr>
           <p:spPr>
             <a:xfrm>
-              <a:off x="8216624" y="4256663"/>
+              <a:off x="8216624" y="4255981"/>
               <a:ext cx="43891" cy="0"/>
             </a:xfrm>
             <a:custGeom>
@@ -5255,7 +5255,7 @@
           </p:nvSpPr>
           <p:spPr>
             <a:xfrm>
-              <a:off x="8216624" y="3946420"/>
+              <a:off x="8216624" y="3945738"/>
               <a:ext cx="43891" cy="0"/>
             </a:xfrm>
             <a:custGeom>
@@ -5295,7 +5295,7 @@
           </p:nvSpPr>
           <p:spPr>
             <a:xfrm>
-              <a:off x="8216624" y="3636177"/>
+              <a:off x="8216624" y="3635495"/>
               <a:ext cx="43891" cy="0"/>
             </a:xfrm>
             <a:custGeom>
@@ -5335,7 +5335,7 @@
           </p:nvSpPr>
           <p:spPr>
             <a:xfrm>
-              <a:off x="8216624" y="3325934"/>
+              <a:off x="8216624" y="3325252"/>
               <a:ext cx="43891" cy="0"/>
             </a:xfrm>
             <a:custGeom>
